--- a/semester2 PPT/Uge8_JSDay1.pptx
+++ b/semester2 PPT/Uge8_JSDay1.pptx
@@ -280,7 +280,7 @@
           <a:p>
             <a:fld id="{09F1C6DF-EAC0-AF42-A5C7-6981AEB4EA82}" type="datetimeFigureOut">
               <a:rPr lang="en-DK" smtClean="0"/>
-              <a:t>01/20/2025</a:t>
+              <a:t>29/01/2025</a:t>
             </a:fld>
             <a:endParaRPr lang="en-DK"/>
           </a:p>
@@ -1639,7 +1639,7 @@
           <a:p>
             <a:fld id="{FE48D42D-A7D3-854B-8B41-8FACF9AD153C}" type="datetimeFigureOut">
               <a:rPr lang="en-DK" smtClean="0"/>
-              <a:t>01/20/2025</a:t>
+              <a:t>29/01/2025</a:t>
             </a:fld>
             <a:endParaRPr lang="en-DK"/>
           </a:p>
@@ -1839,7 +1839,7 @@
           <a:p>
             <a:fld id="{FE48D42D-A7D3-854B-8B41-8FACF9AD153C}" type="datetimeFigureOut">
               <a:rPr lang="en-DK" smtClean="0"/>
-              <a:t>01/20/2025</a:t>
+              <a:t>29/01/2025</a:t>
             </a:fld>
             <a:endParaRPr lang="en-DK"/>
           </a:p>
@@ -2049,7 +2049,7 @@
           <a:p>
             <a:fld id="{FE48D42D-A7D3-854B-8B41-8FACF9AD153C}" type="datetimeFigureOut">
               <a:rPr lang="en-DK" smtClean="0"/>
-              <a:t>01/20/2025</a:t>
+              <a:t>29/01/2025</a:t>
             </a:fld>
             <a:endParaRPr lang="en-DK"/>
           </a:p>
@@ -6083,7 +6083,7 @@
           <a:p>
             <a:fld id="{FE48D42D-A7D3-854B-8B41-8FACF9AD153C}" type="datetimeFigureOut">
               <a:rPr lang="en-DK" smtClean="0"/>
-              <a:t>01/20/2025</a:t>
+              <a:t>29/01/2025</a:t>
             </a:fld>
             <a:endParaRPr lang="en-DK"/>
           </a:p>
@@ -6359,7 +6359,7 @@
           <a:p>
             <a:fld id="{FE48D42D-A7D3-854B-8B41-8FACF9AD153C}" type="datetimeFigureOut">
               <a:rPr lang="en-DK" smtClean="0"/>
-              <a:t>01/20/2025</a:t>
+              <a:t>29/01/2025</a:t>
             </a:fld>
             <a:endParaRPr lang="en-DK"/>
           </a:p>
@@ -6627,7 +6627,7 @@
           <a:p>
             <a:fld id="{FE48D42D-A7D3-854B-8B41-8FACF9AD153C}" type="datetimeFigureOut">
               <a:rPr lang="en-DK" smtClean="0"/>
-              <a:t>01/20/2025</a:t>
+              <a:t>29/01/2025</a:t>
             </a:fld>
             <a:endParaRPr lang="en-DK"/>
           </a:p>
@@ -7042,7 +7042,7 @@
           <a:p>
             <a:fld id="{FE48D42D-A7D3-854B-8B41-8FACF9AD153C}" type="datetimeFigureOut">
               <a:rPr lang="en-DK" smtClean="0"/>
-              <a:t>01/20/2025</a:t>
+              <a:t>29/01/2025</a:t>
             </a:fld>
             <a:endParaRPr lang="en-DK"/>
           </a:p>
@@ -7184,7 +7184,7 @@
           <a:p>
             <a:fld id="{FE48D42D-A7D3-854B-8B41-8FACF9AD153C}" type="datetimeFigureOut">
               <a:rPr lang="en-DK" smtClean="0"/>
-              <a:t>01/20/2025</a:t>
+              <a:t>29/01/2025</a:t>
             </a:fld>
             <a:endParaRPr lang="en-DK"/>
           </a:p>
@@ -7297,7 +7297,7 @@
           <a:p>
             <a:fld id="{FE48D42D-A7D3-854B-8B41-8FACF9AD153C}" type="datetimeFigureOut">
               <a:rPr lang="en-DK" smtClean="0"/>
-              <a:t>01/20/2025</a:t>
+              <a:t>29/01/2025</a:t>
             </a:fld>
             <a:endParaRPr lang="en-DK"/>
           </a:p>
@@ -7610,7 +7610,7 @@
           <a:p>
             <a:fld id="{FE48D42D-A7D3-854B-8B41-8FACF9AD153C}" type="datetimeFigureOut">
               <a:rPr lang="en-DK" smtClean="0"/>
-              <a:t>01/20/2025</a:t>
+              <a:t>29/01/2025</a:t>
             </a:fld>
             <a:endParaRPr lang="en-DK"/>
           </a:p>
@@ -7899,7 +7899,7 @@
           <a:p>
             <a:fld id="{FE48D42D-A7D3-854B-8B41-8FACF9AD153C}" type="datetimeFigureOut">
               <a:rPr lang="en-DK" smtClean="0"/>
-              <a:t>01/20/2025</a:t>
+              <a:t>29/01/2025</a:t>
             </a:fld>
             <a:endParaRPr lang="en-DK"/>
           </a:p>
@@ -8142,7 +8142,7 @@
           <a:p>
             <a:fld id="{FE48D42D-A7D3-854B-8B41-8FACF9AD153C}" type="datetimeFigureOut">
               <a:rPr lang="en-DK" smtClean="0"/>
-              <a:t>01/20/2025</a:t>
+              <a:t>29/01/2025</a:t>
             </a:fld>
             <a:endParaRPr lang="en-DK"/>
           </a:p>
@@ -9597,6 +9597,14 @@
           <a:lstStyle/>
           <a:p>
             <a:r>
+              <a:rPr lang="en-GB" b="1" dirty="0">
+                <a:effectLst/>
+              </a:rPr>
+              <a:t>Workshop </a:t>
+            </a:r>
+          </a:p>
+          <a:p>
+            <a:r>
               <a:rPr lang="en-GB" b="1" dirty="0" err="1">
                 <a:effectLst/>
               </a:rPr>
@@ -9775,7 +9783,7 @@
               </a:rPr>
               <a:t>https://eloquentjavascript.net</a:t>
             </a:r>
-            <a:endParaRPr lang="en-US"/>
+            <a:endParaRPr lang="en-US" dirty="0"/>
           </a:p>
           <a:p>
             <a:pPr marL="152400" indent="0">
@@ -9786,43 +9794,23 @@
                 <a:ea typeface="+mn-lt"/>
                 <a:cs typeface="+mn-lt"/>
               </a:rPr>
-              <a:t>Many books by Axel </a:t>
+              <a:t> Dr. </a:t>
             </a:r>
             <a:r>
               <a:rPr lang="en-US" i="1" dirty="0" err="1">
                 <a:ea typeface="+mn-lt"/>
                 <a:cs typeface="+mn-lt"/>
               </a:rPr>
-              <a:t>Rauschmeyer</a:t>
-            </a:r>
-            <a:endParaRPr lang="en-US" dirty="0" err="1"/>
-          </a:p>
-          <a:p>
-            <a:pPr marL="152400" indent="0">
-              <a:buNone/>
-            </a:pPr>
-            <a:r>
-              <a:rPr lang="en-US" i="1">
-                <a:ea typeface="+mn-lt"/>
-                <a:cs typeface="+mn-lt"/>
-              </a:rPr>
-              <a:t>All of Dr. </a:t>
-            </a:r>
-            <a:r>
-              <a:rPr lang="en-US" i="1" err="1">
-                <a:ea typeface="+mn-lt"/>
-                <a:cs typeface="+mn-lt"/>
-              </a:rPr>
               <a:t>Rauschmeyer’s</a:t>
             </a:r>
             <a:r>
-              <a:rPr lang="en-US" i="1">
+              <a:rPr lang="en-US" i="1" dirty="0">
                 <a:ea typeface="+mn-lt"/>
                 <a:cs typeface="+mn-lt"/>
               </a:rPr>
               <a:t> books are highly detailed and can make excellent references.</a:t>
             </a:r>
-            <a:endParaRPr lang="en-US"/>
+            <a:endParaRPr lang="en-US" dirty="0"/>
           </a:p>
           <a:p>
             <a:pPr marL="608965" indent="-456565"/>
@@ -9834,20 +9822,20 @@
               </a:rPr>
               <a:t>https://exploringjs.com</a:t>
             </a:r>
-            <a:endParaRPr lang="en-US"/>
+            <a:endParaRPr lang="en-US" dirty="0"/>
           </a:p>
           <a:p>
             <a:pPr marL="152400" indent="0">
               <a:buNone/>
             </a:pPr>
             <a:r>
-              <a:rPr lang="en-US" i="1">
+              <a:rPr lang="en-US" i="1" dirty="0">
                 <a:ea typeface="+mn-lt"/>
                 <a:cs typeface="+mn-lt"/>
               </a:rPr>
               <a:t>Mozilla Developer Network</a:t>
             </a:r>
-            <a:endParaRPr lang="en-US"/>
+            <a:endParaRPr lang="en-US" dirty="0"/>
           </a:p>
           <a:p>
             <a:pPr marL="608965" indent="-456565"/>
@@ -9859,7 +9847,7 @@
               </a:rPr>
               <a:t>https://developer.mozilla.org/en-US/docs/Web/JavaScript</a:t>
             </a:r>
-            <a:endParaRPr lang="en-US"/>
+            <a:endParaRPr lang="en-US" dirty="0"/>
           </a:p>
           <a:p>
             <a:pPr marL="608965" indent="-456565"/>
@@ -12790,7 +12778,7 @@
             </a:r>
             <a:r>
               <a:rPr lang="en-GB" dirty="0"/>
-              <a:t> Cursor.</a:t>
+              <a:t> text editor</a:t>
             </a:r>
           </a:p>
           <a:p>
@@ -13571,12 +13559,9 @@
             </a:r>
           </a:p>
           <a:p>
-            <a:r>
-              <a:rPr lang="da-DK" sz="2000" b="1" dirty="0">
-                <a:effectLst/>
-              </a:rPr>
-              <a:t> </a:t>
-            </a:r>
+            <a:pPr marL="152396" indent="0">
+              <a:buNone/>
+            </a:pPr>
             <a:endParaRPr lang="da-DK" sz="2000" dirty="0"/>
           </a:p>
         </p:txBody>
@@ -14652,26 +14637,6 @@
 </file>
 
 <file path=customXml/item1.xml><?xml version="1.0" encoding="utf-8"?>
-<p:properties xmlns:p="http://schemas.microsoft.com/office/2006/metadata/properties" xmlns:xsi="http://www.w3.org/2001/XMLSchema-instance" xmlns:pc="http://schemas.microsoft.com/office/infopath/2007/PartnerControls">
-  <documentManagement>
-    <lcf76f155ced4ddcb4097134ff3c332f xmlns="ec126e83-0491-4b46-81a3-240225fc1988">
-      <Terms xmlns="http://schemas.microsoft.com/office/infopath/2007/PartnerControls"/>
-    </lcf76f155ced4ddcb4097134ff3c332f>
-    <TaxCatchAll xmlns="25eae86a-633e-4d13-980a-a3432448f981" xsi:nil="true"/>
-  </documentManagement>
-</p:properties>
-</file>
-
-<file path=customXml/item2.xml><?xml version="1.0" encoding="utf-8"?>
-<?mso-contentType ?>
-<FormTemplates xmlns="http://schemas.microsoft.com/sharepoint/v3/contenttype/forms">
-  <Display>DocumentLibraryForm</Display>
-  <Edit>DocumentLibraryForm</Edit>
-  <New>DocumentLibraryForm</New>
-</FormTemplates>
-</file>
-
-<file path=customXml/item3.xml><?xml version="1.0" encoding="utf-8"?>
 <ct:contentTypeSchema xmlns:ct="http://schemas.microsoft.com/office/2006/metadata/contentType" xmlns:ma="http://schemas.microsoft.com/office/2006/metadata/properties/metaAttributes" ct:_="" ma:_="" ma:contentTypeName="Document" ma:contentTypeID="0x010100AAD9EE7FF432E94D9BB858C90A6A0E8A" ma:contentTypeVersion="12" ma:contentTypeDescription="Create a new document." ma:contentTypeScope="" ma:versionID="9c4e654fd01cdf2a13b9a23dc9bb7c28">
   <xsd:schema xmlns:xsd="http://www.w3.org/2001/XMLSchema" xmlns:xs="http://www.w3.org/2001/XMLSchema" xmlns:p="http://schemas.microsoft.com/office/2006/metadata/properties" xmlns:ns2="ec126e83-0491-4b46-81a3-240225fc1988" xmlns:ns3="25eae86a-633e-4d13-980a-a3432448f981" targetNamespace="http://schemas.microsoft.com/office/2006/metadata/properties" ma:root="true" ma:fieldsID="9abc214a4c3d3645184ddef4aaa92ef7" ns2:_="" ns3:_="">
     <xsd:import namespace="ec126e83-0491-4b46-81a3-240225fc1988"/>
@@ -14872,26 +14837,27 @@
 </ct:contentTypeSchema>
 </file>
 
-<file path=customXml/itemProps1.xml><?xml version="1.0" encoding="utf-8"?>
-<ds:datastoreItem xmlns:ds="http://schemas.openxmlformats.org/officeDocument/2006/customXml" ds:itemID="{0AB2093C-504F-4C4C-A2F2-CC4CAB623C30}">
-  <ds:schemaRefs>
-    <ds:schemaRef ds:uri="http://schemas.microsoft.com/office/2006/metadata/properties"/>
-    <ds:schemaRef ds:uri="http://schemas.microsoft.com/office/infopath/2007/PartnerControls"/>
-    <ds:schemaRef ds:uri="ec126e83-0491-4b46-81a3-240225fc1988"/>
-    <ds:schemaRef ds:uri="25eae86a-633e-4d13-980a-a3432448f981"/>
-  </ds:schemaRefs>
-</ds:datastoreItem>
+<file path=customXml/item2.xml><?xml version="1.0" encoding="utf-8"?>
+<?mso-contentType ?>
+<FormTemplates xmlns="http://schemas.microsoft.com/sharepoint/v3/contenttype/forms">
+  <Display>DocumentLibraryForm</Display>
+  <Edit>DocumentLibraryForm</Edit>
+  <New>DocumentLibraryForm</New>
+</FormTemplates>
 </file>
 
-<file path=customXml/itemProps2.xml><?xml version="1.0" encoding="utf-8"?>
-<ds:datastoreItem xmlns:ds="http://schemas.openxmlformats.org/officeDocument/2006/customXml" ds:itemID="{8EC0EAE0-9238-4913-BBB6-CA3585A1D625}">
-  <ds:schemaRefs>
-    <ds:schemaRef ds:uri="http://schemas.microsoft.com/sharepoint/v3/contenttype/forms"/>
-  </ds:schemaRefs>
-</ds:datastoreItem>
+<file path=customXml/item3.xml><?xml version="1.0" encoding="utf-8"?>
+<p:properties xmlns:p="http://schemas.microsoft.com/office/2006/metadata/properties" xmlns:xsi="http://www.w3.org/2001/XMLSchema-instance" xmlns:pc="http://schemas.microsoft.com/office/infopath/2007/PartnerControls">
+  <documentManagement>
+    <lcf76f155ced4ddcb4097134ff3c332f xmlns="ec126e83-0491-4b46-81a3-240225fc1988">
+      <Terms xmlns="http://schemas.microsoft.com/office/infopath/2007/PartnerControls"/>
+    </lcf76f155ced4ddcb4097134ff3c332f>
+    <TaxCatchAll xmlns="25eae86a-633e-4d13-980a-a3432448f981" xsi:nil="true"/>
+  </documentManagement>
+</p:properties>
 </file>
 
-<file path=customXml/itemProps3.xml><?xml version="1.0" encoding="utf-8"?>
+<file path=customXml/itemProps1.xml><?xml version="1.0" encoding="utf-8"?>
 <ds:datastoreItem xmlns:ds="http://schemas.openxmlformats.org/officeDocument/2006/customXml" ds:itemID="{AE29A523-8F43-43CA-9271-0EE1CF4817B2}">
   <ds:schemaRefs>
     <ds:schemaRef ds:uri="http://schemas.microsoft.com/office/2006/metadata/contentType"/>
@@ -14908,4 +14874,23 @@
     <ds:schemaRef ds:uri="http://schemas.microsoft.com/internal/obd"/>
   </ds:schemaRefs>
 </ds:datastoreItem>
+</file>
+
+<file path=customXml/itemProps2.xml><?xml version="1.0" encoding="utf-8"?>
+<ds:datastoreItem xmlns:ds="http://schemas.openxmlformats.org/officeDocument/2006/customXml" ds:itemID="{8EC0EAE0-9238-4913-BBB6-CA3585A1D625}">
+  <ds:schemaRefs>
+    <ds:schemaRef ds:uri="http://schemas.microsoft.com/sharepoint/v3/contenttype/forms"/>
+  </ds:schemaRefs>
+</ds:datastoreItem>
+</file>
+
+<file path=customXml/itemProps3.xml><?xml version="1.0" encoding="utf-8"?>
+<ds:datastoreItem xmlns:ds="http://schemas.openxmlformats.org/officeDocument/2006/customXml" ds:itemID="{0AB2093C-504F-4C4C-A2F2-CC4CAB623C30}">
+  <ds:schemaRefs>
+    <ds:schemaRef ds:uri="http://schemas.microsoft.com/office/2006/metadata/properties"/>
+    <ds:schemaRef ds:uri="http://schemas.microsoft.com/office/infopath/2007/PartnerControls"/>
+    <ds:schemaRef ds:uri="ec126e83-0491-4b46-81a3-240225fc1988"/>
+    <ds:schemaRef ds:uri="25eae86a-633e-4d13-980a-a3432448f981"/>
+  </ds:schemaRefs>
+</ds:datastoreItem>
 </file>
--- a/semester2 PPT/Uge8_JSDay1.pptx
+++ b/semester2 PPT/Uge8_JSDay1.pptx
@@ -5,25 +5,31 @@
     <p:sldMasterId id="2147483648" r:id="rId4"/>
   </p:sldMasterIdLst>
   <p:notesMasterIdLst>
-    <p:notesMasterId r:id="rId21"/>
+    <p:notesMasterId r:id="rId27"/>
   </p:notesMasterIdLst>
   <p:sldIdLst>
     <p:sldId id="257" r:id="rId5"/>
     <p:sldId id="261" r:id="rId6"/>
     <p:sldId id="272" r:id="rId7"/>
-    <p:sldId id="279" r:id="rId8"/>
-    <p:sldId id="358" r:id="rId9"/>
-    <p:sldId id="287" r:id="rId10"/>
-    <p:sldId id="288" r:id="rId11"/>
-    <p:sldId id="289" r:id="rId12"/>
-    <p:sldId id="290" r:id="rId13"/>
-    <p:sldId id="354" r:id="rId14"/>
-    <p:sldId id="291" r:id="rId15"/>
-    <p:sldId id="292" r:id="rId16"/>
-    <p:sldId id="293" r:id="rId17"/>
-    <p:sldId id="294" r:id="rId18"/>
-    <p:sldId id="357" r:id="rId19"/>
-    <p:sldId id="359" r:id="rId20"/>
+    <p:sldId id="364" r:id="rId8"/>
+    <p:sldId id="360" r:id="rId9"/>
+    <p:sldId id="363" r:id="rId10"/>
+    <p:sldId id="365" r:id="rId11"/>
+    <p:sldId id="279" r:id="rId12"/>
+    <p:sldId id="358" r:id="rId13"/>
+    <p:sldId id="287" r:id="rId14"/>
+    <p:sldId id="288" r:id="rId15"/>
+    <p:sldId id="289" r:id="rId16"/>
+    <p:sldId id="361" r:id="rId17"/>
+    <p:sldId id="290" r:id="rId18"/>
+    <p:sldId id="354" r:id="rId19"/>
+    <p:sldId id="362" r:id="rId20"/>
+    <p:sldId id="291" r:id="rId21"/>
+    <p:sldId id="292" r:id="rId22"/>
+    <p:sldId id="293" r:id="rId23"/>
+    <p:sldId id="294" r:id="rId24"/>
+    <p:sldId id="357" r:id="rId25"/>
+    <p:sldId id="359" r:id="rId26"/>
   </p:sldIdLst>
   <p:sldSz cx="12192000" cy="6858000"/>
   <p:notesSz cx="6858000" cy="9144000"/>
@@ -280,7 +286,7 @@
           <a:p>
             <a:fld id="{09F1C6DF-EAC0-AF42-A5C7-6981AEB4EA82}" type="datetimeFigureOut">
               <a:rPr lang="en-DK" smtClean="0"/>
-              <a:t>29/01/2025</a:t>
+              <a:t>03/02/2025</a:t>
             </a:fld>
             <a:endParaRPr lang="en-DK"/>
           </a:p>
@@ -1331,7 +1337,7 @@
             <a:fld id="{8275C4F9-CD8E-0A46-8F0B-ABAE2547BF03}" type="slidenum">
               <a:rPr lang="en-US" altLang="en-US" sz="1200" smtClean="0"/>
               <a:pPr/>
-              <a:t>4</a:t>
+              <a:t>8</a:t>
             </a:fld>
             <a:endParaRPr lang="en-US" altLang="en-US" sz="1200"/>
           </a:p>
@@ -1418,6 +1424,194 @@
 </file>
 
 <file path=ppt/notesSlides/notesSlide5.xml><?xml version="1.0" encoding="utf-8"?>
+<p:notes xmlns:a="http://schemas.openxmlformats.org/drawingml/2006/main" xmlns:r="http://schemas.openxmlformats.org/officeDocument/2006/relationships" xmlns:p="http://schemas.openxmlformats.org/presentationml/2006/main">
+  <p:cSld>
+    <p:spTree>
+      <p:nvGrpSpPr>
+        <p:cNvPr id="1" name=""/>
+        <p:cNvGrpSpPr/>
+        <p:nvPr/>
+      </p:nvGrpSpPr>
+      <p:grpSpPr>
+        <a:xfrm>
+          <a:off x="0" y="0"/>
+          <a:ext cx="0" cy="0"/>
+          <a:chOff x="0" y="0"/>
+          <a:chExt cx="0" cy="0"/>
+        </a:xfrm>
+      </p:grpSpPr>
+      <p:sp>
+        <p:nvSpPr>
+          <p:cNvPr id="2" name="Slide Image Placeholder 1"/>
+          <p:cNvSpPr>
+            <a:spLocks noGrp="1" noRot="1" noChangeAspect="1"/>
+          </p:cNvSpPr>
+          <p:nvPr>
+            <p:ph type="sldImg"/>
+          </p:nvPr>
+        </p:nvSpPr>
+        <p:spPr/>
+      </p:sp>
+      <p:sp>
+        <p:nvSpPr>
+          <p:cNvPr id="3" name="Notes Placeholder 2"/>
+          <p:cNvSpPr>
+            <a:spLocks noGrp="1"/>
+          </p:cNvSpPr>
+          <p:nvPr>
+            <p:ph type="body" idx="1"/>
+          </p:nvPr>
+        </p:nvSpPr>
+        <p:spPr/>
+        <p:txBody>
+          <a:bodyPr/>
+          <a:lstStyle/>
+          <a:p>
+            <a:endParaRPr lang="en-DK" dirty="0"/>
+          </a:p>
+        </p:txBody>
+      </p:sp>
+      <p:sp>
+        <p:nvSpPr>
+          <p:cNvPr id="4" name="Slide Number Placeholder 3"/>
+          <p:cNvSpPr>
+            <a:spLocks noGrp="1"/>
+          </p:cNvSpPr>
+          <p:nvPr>
+            <p:ph type="sldNum" sz="quarter" idx="5"/>
+          </p:nvPr>
+        </p:nvSpPr>
+        <p:spPr/>
+        <p:txBody>
+          <a:bodyPr/>
+          <a:lstStyle/>
+          <a:p>
+            <a:fld id="{0B7B4E59-147C-514B-9C0A-716B8F4BE843}" type="slidenum">
+              <a:rPr lang="en-DK" smtClean="0"/>
+              <a:t>13</a:t>
+            </a:fld>
+            <a:endParaRPr lang="en-DK"/>
+          </a:p>
+        </p:txBody>
+      </p:sp>
+    </p:spTree>
+    <p:extLst>
+      <p:ext uri="{BB962C8B-B14F-4D97-AF65-F5344CB8AC3E}">
+        <p14:creationId xmlns:p14="http://schemas.microsoft.com/office/powerpoint/2010/main" val="3596450595"/>
+      </p:ext>
+    </p:extLst>
+  </p:cSld>
+  <p:clrMapOvr>
+    <a:masterClrMapping/>
+  </p:clrMapOvr>
+</p:notes>
+</file>
+
+<file path=ppt/notesSlides/notesSlide6.xml><?xml version="1.0" encoding="utf-8"?>
+<p:notes xmlns:a="http://schemas.openxmlformats.org/drawingml/2006/main" xmlns:r="http://schemas.openxmlformats.org/officeDocument/2006/relationships" xmlns:p="http://schemas.openxmlformats.org/presentationml/2006/main">
+  <p:cSld>
+    <p:spTree>
+      <p:nvGrpSpPr>
+        <p:cNvPr id="1" name=""/>
+        <p:cNvGrpSpPr/>
+        <p:nvPr/>
+      </p:nvGrpSpPr>
+      <p:grpSpPr>
+        <a:xfrm>
+          <a:off x="0" y="0"/>
+          <a:ext cx="0" cy="0"/>
+          <a:chOff x="0" y="0"/>
+          <a:chExt cx="0" cy="0"/>
+        </a:xfrm>
+      </p:grpSpPr>
+      <p:sp>
+        <p:nvSpPr>
+          <p:cNvPr id="2" name="Slide Image Placeholder 1"/>
+          <p:cNvSpPr>
+            <a:spLocks noGrp="1" noRot="1" noChangeAspect="1"/>
+          </p:cNvSpPr>
+          <p:nvPr>
+            <p:ph type="sldImg"/>
+          </p:nvPr>
+        </p:nvSpPr>
+        <p:spPr/>
+      </p:sp>
+      <p:sp>
+        <p:nvSpPr>
+          <p:cNvPr id="3" name="Notes Placeholder 2"/>
+          <p:cNvSpPr>
+            <a:spLocks noGrp="1"/>
+          </p:cNvSpPr>
+          <p:nvPr>
+            <p:ph type="body" idx="1"/>
+          </p:nvPr>
+        </p:nvSpPr>
+        <p:spPr/>
+        <p:txBody>
+          <a:bodyPr/>
+          <a:lstStyle/>
+          <a:p>
+            <a:r>
+              <a:rPr lang="en-GB" dirty="0"/>
+              <a:t>K</a:t>
+            </a:r>
+            <a:r>
+              <a:rPr lang="en-DK" dirty="0"/>
+              <a:t>ilde </a:t>
+            </a:r>
+            <a:r>
+              <a:rPr lang="en-GB" dirty="0"/>
+              <a:t>https://</a:t>
+            </a:r>
+            <a:r>
+              <a:rPr lang="en-GB" dirty="0" err="1"/>
+              <a:t>pwskills.com</a:t>
+            </a:r>
+            <a:r>
+              <a:rPr lang="en-GB" dirty="0"/>
+              <a:t>/blog/what-is-web-1-0-web-2-0-and-web-3-0-uses-differences-similarities/</a:t>
+            </a:r>
+            <a:endParaRPr lang="en-DK" dirty="0"/>
+          </a:p>
+        </p:txBody>
+      </p:sp>
+      <p:sp>
+        <p:nvSpPr>
+          <p:cNvPr id="4" name="Slide Number Placeholder 3"/>
+          <p:cNvSpPr>
+            <a:spLocks noGrp="1"/>
+          </p:cNvSpPr>
+          <p:nvPr>
+            <p:ph type="sldNum" sz="quarter" idx="5"/>
+          </p:nvPr>
+        </p:nvSpPr>
+        <p:spPr/>
+        <p:txBody>
+          <a:bodyPr/>
+          <a:lstStyle/>
+          <a:p>
+            <a:fld id="{0B7B4E59-147C-514B-9C0A-716B8F4BE843}" type="slidenum">
+              <a:rPr lang="en-DK" smtClean="0"/>
+              <a:t>16</a:t>
+            </a:fld>
+            <a:endParaRPr lang="en-DK"/>
+          </a:p>
+        </p:txBody>
+      </p:sp>
+    </p:spTree>
+    <p:extLst>
+      <p:ext uri="{BB962C8B-B14F-4D97-AF65-F5344CB8AC3E}">
+        <p14:creationId xmlns:p14="http://schemas.microsoft.com/office/powerpoint/2010/main" val="3468043468"/>
+      </p:ext>
+    </p:extLst>
+  </p:cSld>
+  <p:clrMapOvr>
+    <a:masterClrMapping/>
+  </p:clrMapOvr>
+</p:notes>
+</file>
+
+<file path=ppt/notesSlides/notesSlide7.xml><?xml version="1.0" encoding="utf-8"?>
 <p:notes xmlns:a="http://schemas.openxmlformats.org/drawingml/2006/main" xmlns:r="http://schemas.openxmlformats.org/officeDocument/2006/relationships" xmlns:p="http://schemas.openxmlformats.org/presentationml/2006/main">
   <p:cSld>
     <p:spTree>
@@ -1639,7 +1833,7 @@
           <a:p>
             <a:fld id="{FE48D42D-A7D3-854B-8B41-8FACF9AD153C}" type="datetimeFigureOut">
               <a:rPr lang="en-DK" smtClean="0"/>
-              <a:t>29/01/2025</a:t>
+              <a:t>03/02/2025</a:t>
             </a:fld>
             <a:endParaRPr lang="en-DK"/>
           </a:p>
@@ -1839,7 +2033,7 @@
           <a:p>
             <a:fld id="{FE48D42D-A7D3-854B-8B41-8FACF9AD153C}" type="datetimeFigureOut">
               <a:rPr lang="en-DK" smtClean="0"/>
-              <a:t>29/01/2025</a:t>
+              <a:t>03/02/2025</a:t>
             </a:fld>
             <a:endParaRPr lang="en-DK"/>
           </a:p>
@@ -2049,7 +2243,7 @@
           <a:p>
             <a:fld id="{FE48D42D-A7D3-854B-8B41-8FACF9AD153C}" type="datetimeFigureOut">
               <a:rPr lang="en-DK" smtClean="0"/>
-              <a:t>29/01/2025</a:t>
+              <a:t>03/02/2025</a:t>
             </a:fld>
             <a:endParaRPr lang="en-DK"/>
           </a:p>
@@ -6083,7 +6277,7 @@
           <a:p>
             <a:fld id="{FE48D42D-A7D3-854B-8B41-8FACF9AD153C}" type="datetimeFigureOut">
               <a:rPr lang="en-DK" smtClean="0"/>
-              <a:t>29/01/2025</a:t>
+              <a:t>03/02/2025</a:t>
             </a:fld>
             <a:endParaRPr lang="en-DK"/>
           </a:p>
@@ -6359,7 +6553,7 @@
           <a:p>
             <a:fld id="{FE48D42D-A7D3-854B-8B41-8FACF9AD153C}" type="datetimeFigureOut">
               <a:rPr lang="en-DK" smtClean="0"/>
-              <a:t>29/01/2025</a:t>
+              <a:t>03/02/2025</a:t>
             </a:fld>
             <a:endParaRPr lang="en-DK"/>
           </a:p>
@@ -6627,7 +6821,7 @@
           <a:p>
             <a:fld id="{FE48D42D-A7D3-854B-8B41-8FACF9AD153C}" type="datetimeFigureOut">
               <a:rPr lang="en-DK" smtClean="0"/>
-              <a:t>29/01/2025</a:t>
+              <a:t>03/02/2025</a:t>
             </a:fld>
             <a:endParaRPr lang="en-DK"/>
           </a:p>
@@ -7042,7 +7236,7 @@
           <a:p>
             <a:fld id="{FE48D42D-A7D3-854B-8B41-8FACF9AD153C}" type="datetimeFigureOut">
               <a:rPr lang="en-DK" smtClean="0"/>
-              <a:t>29/01/2025</a:t>
+              <a:t>03/02/2025</a:t>
             </a:fld>
             <a:endParaRPr lang="en-DK"/>
           </a:p>
@@ -7184,7 +7378,7 @@
           <a:p>
             <a:fld id="{FE48D42D-A7D3-854B-8B41-8FACF9AD153C}" type="datetimeFigureOut">
               <a:rPr lang="en-DK" smtClean="0"/>
-              <a:t>29/01/2025</a:t>
+              <a:t>03/02/2025</a:t>
             </a:fld>
             <a:endParaRPr lang="en-DK"/>
           </a:p>
@@ -7297,7 +7491,7 @@
           <a:p>
             <a:fld id="{FE48D42D-A7D3-854B-8B41-8FACF9AD153C}" type="datetimeFigureOut">
               <a:rPr lang="en-DK" smtClean="0"/>
-              <a:t>29/01/2025</a:t>
+              <a:t>03/02/2025</a:t>
             </a:fld>
             <a:endParaRPr lang="en-DK"/>
           </a:p>
@@ -7610,7 +7804,7 @@
           <a:p>
             <a:fld id="{FE48D42D-A7D3-854B-8B41-8FACF9AD153C}" type="datetimeFigureOut">
               <a:rPr lang="en-DK" smtClean="0"/>
-              <a:t>29/01/2025</a:t>
+              <a:t>03/02/2025</a:t>
             </a:fld>
             <a:endParaRPr lang="en-DK"/>
           </a:p>
@@ -7899,7 +8093,7 @@
           <a:p>
             <a:fld id="{FE48D42D-A7D3-854B-8B41-8FACF9AD153C}" type="datetimeFigureOut">
               <a:rPr lang="en-DK" smtClean="0"/>
-              <a:t>29/01/2025</a:t>
+              <a:t>03/02/2025</a:t>
             </a:fld>
             <a:endParaRPr lang="en-DK"/>
           </a:p>
@@ -8142,7 +8336,7 @@
           <a:p>
             <a:fld id="{FE48D42D-A7D3-854B-8B41-8FACF9AD153C}" type="datetimeFigureOut">
               <a:rPr lang="en-DK" smtClean="0"/>
-              <a:t>29/01/2025</a:t>
+              <a:t>03/02/2025</a:t>
             </a:fld>
             <a:endParaRPr lang="en-DK"/>
           </a:p>
@@ -8779,7 +8973,7 @@
           <a:p>
             <a:r>
               <a:rPr lang="en-GB" dirty="0"/>
-              <a:t>Version 2.0 X</a:t>
+              <a:t>Version 2.1 X</a:t>
             </a:r>
             <a:r>
               <a:rPr lang="en-DK" dirty="0"/>
@@ -8797,6 +8991,1569 @@
 </file>
 
 <file path=ppt/slides/slide10.xml><?xml version="1.0" encoding="utf-8"?>
+<p:sld xmlns:a="http://schemas.openxmlformats.org/drawingml/2006/main" xmlns:r="http://schemas.openxmlformats.org/officeDocument/2006/relationships" xmlns:p="http://schemas.openxmlformats.org/presentationml/2006/main">
+  <p:cSld>
+    <p:spTree>
+      <p:nvGrpSpPr>
+        <p:cNvPr id="1" name=""/>
+        <p:cNvGrpSpPr/>
+        <p:nvPr/>
+      </p:nvGrpSpPr>
+      <p:grpSpPr>
+        <a:xfrm>
+          <a:off x="0" y="0"/>
+          <a:ext cx="0" cy="0"/>
+          <a:chOff x="0" y="0"/>
+          <a:chExt cx="0" cy="0"/>
+        </a:xfrm>
+      </p:grpSpPr>
+      <p:sp>
+        <p:nvSpPr>
+          <p:cNvPr id="2" name="Title 1">
+            <a:extLst>
+              <a:ext uri="{FF2B5EF4-FFF2-40B4-BE49-F238E27FC236}">
+                <a16:creationId xmlns:a16="http://schemas.microsoft.com/office/drawing/2014/main" id="{90BA13F8-530A-404B-AA5A-A9E03DE92DB2}"/>
+              </a:ext>
+            </a:extLst>
+          </p:cNvPr>
+          <p:cNvSpPr>
+            <a:spLocks noGrp="1"/>
+          </p:cNvSpPr>
+          <p:nvPr>
+            <p:ph type="title"/>
+          </p:nvPr>
+        </p:nvSpPr>
+        <p:spPr/>
+        <p:txBody>
+          <a:bodyPr/>
+          <a:lstStyle/>
+          <a:p>
+            <a:r>
+              <a:rPr lang="en-CA" dirty="0"/>
+              <a:t>Client-Side Scripting</a:t>
+            </a:r>
+          </a:p>
+        </p:txBody>
+      </p:sp>
+      <p:sp>
+        <p:nvSpPr>
+          <p:cNvPr id="3" name="Text Placeholder 2">
+            <a:extLst>
+              <a:ext uri="{FF2B5EF4-FFF2-40B4-BE49-F238E27FC236}">
+                <a16:creationId xmlns:a16="http://schemas.microsoft.com/office/drawing/2014/main" id="{BE503661-92BF-430C-B6DB-D7922F197A01}"/>
+              </a:ext>
+            </a:extLst>
+          </p:cNvPr>
+          <p:cNvSpPr>
+            <a:spLocks noGrp="1"/>
+          </p:cNvSpPr>
+          <p:nvPr>
+            <p:ph type="body" idx="1"/>
+          </p:nvPr>
+        </p:nvSpPr>
+        <p:spPr>
+          <a:xfrm>
+            <a:off x="609601" y="1441451"/>
+            <a:ext cx="4649972" cy="4709968"/>
+          </a:xfrm>
+        </p:spPr>
+        <p:txBody>
+          <a:bodyPr/>
+          <a:lstStyle/>
+          <a:p>
+            <a:r>
+              <a:rPr lang="en-GB" sz="2400" dirty="0" err="1"/>
+              <a:t>Klientside</a:t>
+            </a:r>
+            <a:r>
+              <a:rPr lang="en-GB" sz="2400" dirty="0"/>
+              <a:t> scripting </a:t>
+            </a:r>
+            <a:r>
+              <a:rPr lang="en-GB" sz="2400" dirty="0" err="1"/>
+              <a:t>refererer</a:t>
+            </a:r>
+            <a:r>
+              <a:rPr lang="en-GB" sz="2400" dirty="0"/>
+              <a:t> </a:t>
+            </a:r>
+            <a:r>
+              <a:rPr lang="en-GB" sz="2400" dirty="0" err="1"/>
+              <a:t>til</a:t>
+            </a:r>
+            <a:r>
+              <a:rPr lang="en-GB" sz="2400" dirty="0"/>
+              <a:t>, at </a:t>
+            </a:r>
+            <a:r>
+              <a:rPr lang="en-GB" sz="2400" dirty="0" err="1"/>
+              <a:t>klientmaskinen</a:t>
+            </a:r>
+            <a:r>
+              <a:rPr lang="en-GB" sz="2400" dirty="0"/>
+              <a:t> (</a:t>
+            </a:r>
+            <a:r>
+              <a:rPr lang="en-GB" sz="2400" dirty="0" err="1"/>
+              <a:t>dvs</a:t>
+            </a:r>
+            <a:r>
+              <a:rPr lang="en-GB" sz="2400" dirty="0"/>
+              <a:t>. </a:t>
+            </a:r>
+            <a:r>
+              <a:rPr lang="en-GB" sz="2400" dirty="0" err="1"/>
+              <a:t>browseren</a:t>
+            </a:r>
+            <a:r>
+              <a:rPr lang="en-GB" sz="2400" dirty="0"/>
+              <a:t>) </a:t>
+            </a:r>
+            <a:r>
+              <a:rPr lang="en-GB" sz="2400" dirty="0" err="1"/>
+              <a:t>kører</a:t>
+            </a:r>
+            <a:r>
+              <a:rPr lang="en-GB" sz="2400" dirty="0"/>
+              <a:t> </a:t>
+            </a:r>
+            <a:r>
+              <a:rPr lang="en-GB" sz="2400" dirty="0" err="1"/>
+              <a:t>kode</a:t>
+            </a:r>
+            <a:r>
+              <a:rPr lang="en-GB" sz="2400" dirty="0"/>
+              <a:t> </a:t>
+            </a:r>
+            <a:r>
+              <a:rPr lang="en-GB" sz="2400" dirty="0" err="1"/>
+              <a:t>lokalt</a:t>
+            </a:r>
+            <a:r>
+              <a:rPr lang="en-GB" sz="2400" dirty="0"/>
+              <a:t> </a:t>
+            </a:r>
+            <a:r>
+              <a:rPr lang="en-GB" sz="2400" dirty="0" err="1"/>
+              <a:t>i</a:t>
+            </a:r>
+            <a:r>
+              <a:rPr lang="en-GB" sz="2400" dirty="0"/>
+              <a:t> </a:t>
+            </a:r>
+            <a:r>
+              <a:rPr lang="en-GB" sz="2400" dirty="0" err="1"/>
+              <a:t>stedet</a:t>
+            </a:r>
+            <a:r>
+              <a:rPr lang="en-GB" sz="2400" dirty="0"/>
+              <a:t> for at stole </a:t>
+            </a:r>
+            <a:r>
+              <a:rPr lang="en-GB" sz="2400" dirty="0" err="1"/>
+              <a:t>på</a:t>
+            </a:r>
+            <a:r>
+              <a:rPr lang="en-GB" sz="2400" dirty="0"/>
+              <a:t> </a:t>
+            </a:r>
+            <a:r>
+              <a:rPr lang="en-GB" sz="2400" dirty="0" err="1"/>
+              <a:t>serveren</a:t>
+            </a:r>
+            <a:r>
+              <a:rPr lang="en-GB" sz="2400" dirty="0"/>
+              <a:t> </a:t>
+            </a:r>
+            <a:r>
+              <a:rPr lang="en-GB" sz="2400" dirty="0" err="1"/>
+              <a:t>til</a:t>
+            </a:r>
+            <a:r>
+              <a:rPr lang="en-GB" sz="2400" dirty="0"/>
+              <a:t> at </a:t>
+            </a:r>
+            <a:r>
+              <a:rPr lang="en-GB" sz="2400" dirty="0" err="1"/>
+              <a:t>udføre</a:t>
+            </a:r>
+            <a:r>
+              <a:rPr lang="en-GB" sz="2400" dirty="0"/>
+              <a:t> </a:t>
+            </a:r>
+            <a:r>
+              <a:rPr lang="en-GB" sz="2400" dirty="0" err="1"/>
+              <a:t>kode</a:t>
+            </a:r>
+            <a:r>
+              <a:rPr lang="en-GB" sz="2400" dirty="0"/>
+              <a:t> </a:t>
+            </a:r>
+            <a:r>
+              <a:rPr lang="en-GB" sz="2400" dirty="0" err="1"/>
+              <a:t>og</a:t>
+            </a:r>
+            <a:r>
+              <a:rPr lang="en-GB" sz="2400" dirty="0"/>
+              <a:t> </a:t>
+            </a:r>
+            <a:r>
+              <a:rPr lang="en-GB" sz="2400" dirty="0" err="1"/>
+              <a:t>returnere</a:t>
+            </a:r>
+            <a:r>
+              <a:rPr lang="en-GB" sz="2400" dirty="0"/>
+              <a:t> </a:t>
+            </a:r>
+            <a:r>
+              <a:rPr lang="en-GB" sz="2400" dirty="0" err="1"/>
+              <a:t>resultatet</a:t>
+            </a:r>
+            <a:r>
+              <a:rPr lang="en-GB" sz="2400" dirty="0"/>
+              <a:t>. </a:t>
+            </a:r>
+          </a:p>
+          <a:p>
+            <a:r>
+              <a:rPr lang="en-GB" sz="2400" dirty="0"/>
+              <a:t>En </a:t>
+            </a:r>
+            <a:r>
+              <a:rPr lang="en-GB" sz="2400" dirty="0" err="1"/>
+              <a:t>klientmaskine</a:t>
+            </a:r>
+            <a:r>
+              <a:rPr lang="en-GB" sz="2400" dirty="0"/>
+              <a:t> downloader </a:t>
+            </a:r>
+            <a:r>
+              <a:rPr lang="en-GB" sz="2400" dirty="0" err="1"/>
+              <a:t>og</a:t>
+            </a:r>
+            <a:r>
+              <a:rPr lang="en-GB" sz="2400" dirty="0"/>
+              <a:t> </a:t>
+            </a:r>
+            <a:r>
+              <a:rPr lang="en-GB" sz="2400" dirty="0" err="1"/>
+              <a:t>udfører</a:t>
+            </a:r>
+            <a:r>
+              <a:rPr lang="en-GB" sz="2400" dirty="0"/>
+              <a:t> JavaScript-</a:t>
+            </a:r>
+            <a:r>
+              <a:rPr lang="en-GB" sz="2400" dirty="0" err="1"/>
+              <a:t>kode</a:t>
+            </a:r>
+            <a:r>
+              <a:rPr lang="en-GB" sz="2400" dirty="0"/>
+              <a:t>.</a:t>
+            </a:r>
+          </a:p>
+        </p:txBody>
+      </p:sp>
+      <p:pic>
+        <p:nvPicPr>
+          <p:cNvPr id="5" name="Picture 4" descr="FIGURE 8.1 Downloading and executing a client-side JavaScript script">
+            <a:extLst>
+              <a:ext uri="{FF2B5EF4-FFF2-40B4-BE49-F238E27FC236}">
+                <a16:creationId xmlns:a16="http://schemas.microsoft.com/office/drawing/2014/main" id="{219B84E5-DB98-4A39-99A6-CEB6DF68BABD}"/>
+              </a:ext>
+            </a:extLst>
+          </p:cNvPr>
+          <p:cNvPicPr>
+            <a:picLocks noChangeAspect="1"/>
+          </p:cNvPicPr>
+          <p:nvPr/>
+        </p:nvPicPr>
+        <p:blipFill>
+          <a:blip r:embed="rId2"/>
+          <a:stretch>
+            <a:fillRect/>
+          </a:stretch>
+        </p:blipFill>
+        <p:spPr>
+          <a:xfrm>
+            <a:off x="5362869" y="1596145"/>
+            <a:ext cx="6219532" cy="4400579"/>
+          </a:xfrm>
+          <a:prstGeom prst="rect">
+            <a:avLst/>
+          </a:prstGeom>
+        </p:spPr>
+      </p:pic>
+    </p:spTree>
+    <p:extLst>
+      <p:ext uri="{BB962C8B-B14F-4D97-AF65-F5344CB8AC3E}">
+        <p14:creationId xmlns:p14="http://schemas.microsoft.com/office/powerpoint/2010/main" val="1768008242"/>
+      </p:ext>
+    </p:extLst>
+  </p:cSld>
+  <p:clrMapOvr>
+    <a:masterClrMapping/>
+  </p:clrMapOvr>
+</p:sld>
+</file>
+
+<file path=ppt/slides/slide11.xml><?xml version="1.0" encoding="utf-8"?>
+<p:sld xmlns:a="http://schemas.openxmlformats.org/drawingml/2006/main" xmlns:r="http://schemas.openxmlformats.org/officeDocument/2006/relationships" xmlns:p="http://schemas.openxmlformats.org/presentationml/2006/main">
+  <p:cSld>
+    <p:spTree>
+      <p:nvGrpSpPr>
+        <p:cNvPr id="1" name=""/>
+        <p:cNvGrpSpPr/>
+        <p:nvPr/>
+      </p:nvGrpSpPr>
+      <p:grpSpPr>
+        <a:xfrm>
+          <a:off x="0" y="0"/>
+          <a:ext cx="0" cy="0"/>
+          <a:chOff x="0" y="0"/>
+          <a:chExt cx="0" cy="0"/>
+        </a:xfrm>
+      </p:grpSpPr>
+      <p:sp>
+        <p:nvSpPr>
+          <p:cNvPr id="2" name="Title 1">
+            <a:extLst>
+              <a:ext uri="{FF2B5EF4-FFF2-40B4-BE49-F238E27FC236}">
+                <a16:creationId xmlns:a16="http://schemas.microsoft.com/office/drawing/2014/main" id="{90BA13F8-530A-404B-AA5A-A9E03DE92DB2}"/>
+              </a:ext>
+            </a:extLst>
+          </p:cNvPr>
+          <p:cNvSpPr>
+            <a:spLocks noGrp="1"/>
+          </p:cNvSpPr>
+          <p:nvPr>
+            <p:ph type="title"/>
+          </p:nvPr>
+        </p:nvSpPr>
+        <p:spPr/>
+        <p:txBody>
+          <a:bodyPr/>
+          <a:lstStyle/>
+          <a:p>
+            <a:r>
+              <a:rPr lang="en-GB" b="1" dirty="0" err="1">
+                <a:effectLst/>
+              </a:rPr>
+              <a:t>Fordele</a:t>
+            </a:r>
+            <a:r>
+              <a:rPr lang="en-GB" b="1" dirty="0">
+                <a:effectLst/>
+              </a:rPr>
+              <a:t> </a:t>
+            </a:r>
+            <a:r>
+              <a:rPr lang="en-GB" b="1" dirty="0" err="1">
+                <a:effectLst/>
+              </a:rPr>
+              <a:t>ved</a:t>
+            </a:r>
+            <a:r>
+              <a:rPr lang="en-GB" b="1" dirty="0">
+                <a:effectLst/>
+              </a:rPr>
+              <a:t> </a:t>
+            </a:r>
+            <a:r>
+              <a:rPr lang="en-GB" b="1" dirty="0" err="1">
+                <a:effectLst/>
+              </a:rPr>
+              <a:t>klientside</a:t>
+            </a:r>
+            <a:r>
+              <a:rPr lang="en-GB" b="1" dirty="0">
+                <a:effectLst/>
+              </a:rPr>
+              <a:t> scripting</a:t>
+            </a:r>
+            <a:r>
+              <a:rPr lang="en-GB" dirty="0"/>
+              <a:t>:</a:t>
+            </a:r>
+          </a:p>
+        </p:txBody>
+      </p:sp>
+      <p:sp>
+        <p:nvSpPr>
+          <p:cNvPr id="3" name="Text Placeholder 2">
+            <a:extLst>
+              <a:ext uri="{FF2B5EF4-FFF2-40B4-BE49-F238E27FC236}">
+                <a16:creationId xmlns:a16="http://schemas.microsoft.com/office/drawing/2014/main" id="{BE503661-92BF-430C-B6DB-D7922F197A01}"/>
+              </a:ext>
+            </a:extLst>
+          </p:cNvPr>
+          <p:cNvSpPr>
+            <a:spLocks noGrp="1"/>
+          </p:cNvSpPr>
+          <p:nvPr>
+            <p:ph type="body" idx="1"/>
+          </p:nvPr>
+        </p:nvSpPr>
+        <p:spPr>
+          <a:xfrm>
+            <a:off x="609600" y="1441451"/>
+            <a:ext cx="10972800" cy="4709968"/>
+          </a:xfrm>
+        </p:spPr>
+        <p:txBody>
+          <a:bodyPr/>
+          <a:lstStyle/>
+          <a:p>
+            <a:pPr algn="l"/>
+            <a:r>
+              <a:rPr lang="en-GB" sz="2400" dirty="0"/>
+              <a:t>JavaScript </a:t>
+            </a:r>
+            <a:r>
+              <a:rPr lang="en-GB" sz="2400" dirty="0" err="1"/>
+              <a:t>kan</a:t>
+            </a:r>
+            <a:r>
+              <a:rPr lang="en-GB" sz="2400" dirty="0"/>
+              <a:t> </a:t>
+            </a:r>
+            <a:r>
+              <a:rPr lang="en-GB" sz="2400" dirty="0" err="1"/>
+              <a:t>interagere</a:t>
+            </a:r>
+            <a:r>
+              <a:rPr lang="en-GB" sz="2400" dirty="0"/>
+              <a:t> med den </a:t>
+            </a:r>
+            <a:r>
+              <a:rPr lang="en-GB" sz="2400" dirty="0" err="1"/>
+              <a:t>downloadede</a:t>
+            </a:r>
+            <a:r>
+              <a:rPr lang="en-GB" sz="2400" dirty="0"/>
+              <a:t> HTML </a:t>
+            </a:r>
+            <a:r>
+              <a:rPr lang="en-GB" sz="2400" dirty="0" err="1"/>
+              <a:t>på</a:t>
+            </a:r>
+            <a:r>
+              <a:rPr lang="en-GB" sz="2400" dirty="0"/>
+              <a:t> </a:t>
+            </a:r>
+            <a:r>
+              <a:rPr lang="en-GB" sz="2400" dirty="0" err="1"/>
+              <a:t>en</a:t>
+            </a:r>
+            <a:r>
+              <a:rPr lang="en-GB" sz="2400" dirty="0"/>
+              <a:t> </a:t>
+            </a:r>
+            <a:r>
+              <a:rPr lang="en-GB" sz="2400" dirty="0" err="1"/>
+              <a:t>måde</a:t>
+            </a:r>
+            <a:r>
+              <a:rPr lang="en-GB" sz="2400" dirty="0"/>
+              <a:t>, </a:t>
+            </a:r>
+            <a:r>
+              <a:rPr lang="en-GB" sz="2400" dirty="0" err="1"/>
+              <a:t>som</a:t>
+            </a:r>
+            <a:r>
+              <a:rPr lang="en-GB" sz="2400" dirty="0"/>
+              <a:t> </a:t>
+            </a:r>
+            <a:r>
+              <a:rPr lang="en-GB" sz="2400" dirty="0" err="1"/>
+              <a:t>serveren</a:t>
+            </a:r>
+            <a:r>
+              <a:rPr lang="en-GB" sz="2400" dirty="0"/>
+              <a:t> </a:t>
+            </a:r>
+            <a:r>
+              <a:rPr lang="en-GB" sz="2400" dirty="0" err="1"/>
+              <a:t>ikke</a:t>
+            </a:r>
+            <a:r>
+              <a:rPr lang="en-GB" sz="2400" dirty="0"/>
+              <a:t> </a:t>
+            </a:r>
+            <a:r>
+              <a:rPr lang="en-GB" sz="2400" dirty="0" err="1"/>
+              <a:t>kan</a:t>
+            </a:r>
+            <a:r>
+              <a:rPr lang="en-GB" sz="2400" dirty="0"/>
+              <a:t>, </a:t>
+            </a:r>
+            <a:r>
+              <a:rPr lang="en-GB" sz="2400" dirty="0" err="1"/>
+              <a:t>hvilket</a:t>
+            </a:r>
+            <a:r>
+              <a:rPr lang="en-GB" sz="2400" dirty="0"/>
+              <a:t> </a:t>
+            </a:r>
+            <a:r>
+              <a:rPr lang="en-GB" sz="2400" dirty="0" err="1"/>
+              <a:t>skaber</a:t>
+            </a:r>
+            <a:r>
+              <a:rPr lang="en-GB" sz="2400" dirty="0"/>
+              <a:t> </a:t>
+            </a:r>
+            <a:r>
+              <a:rPr lang="en-GB" sz="2400" dirty="0" err="1"/>
+              <a:t>en</a:t>
+            </a:r>
+            <a:r>
+              <a:rPr lang="en-GB" sz="2400" dirty="0"/>
+              <a:t> </a:t>
+            </a:r>
+            <a:r>
+              <a:rPr lang="en-GB" sz="2400" dirty="0" err="1"/>
+              <a:t>brugeroplevelse</a:t>
+            </a:r>
+            <a:r>
+              <a:rPr lang="en-GB" sz="2400" dirty="0"/>
+              <a:t> mere </a:t>
+            </a:r>
+            <a:r>
+              <a:rPr lang="en-GB" sz="2400" dirty="0" err="1"/>
+              <a:t>som</a:t>
+            </a:r>
+            <a:r>
+              <a:rPr lang="en-GB" sz="2400" dirty="0"/>
+              <a:t> </a:t>
+            </a:r>
+            <a:r>
+              <a:rPr lang="en-GB" sz="2400" dirty="0" err="1"/>
+              <a:t>desktopsoftware</a:t>
+            </a:r>
+            <a:r>
+              <a:rPr lang="en-GB" sz="2400" dirty="0"/>
+              <a:t> end </a:t>
+            </a:r>
+            <a:r>
+              <a:rPr lang="en-GB" sz="2400" dirty="0" err="1"/>
+              <a:t>simpel</a:t>
+            </a:r>
+            <a:r>
+              <a:rPr lang="en-GB" sz="2400" dirty="0"/>
+              <a:t> HTML </a:t>
+            </a:r>
+            <a:r>
+              <a:rPr lang="en-GB" sz="2400" dirty="0" err="1"/>
+              <a:t>nogensinde</a:t>
+            </a:r>
+            <a:r>
+              <a:rPr lang="en-GB" sz="2400" dirty="0"/>
+              <a:t> </a:t>
+            </a:r>
+            <a:r>
+              <a:rPr lang="en-GB" sz="2400" dirty="0" err="1"/>
+              <a:t>kunne</a:t>
+            </a:r>
+            <a:r>
+              <a:rPr lang="en-GB" sz="2400" dirty="0"/>
+              <a:t>.</a:t>
+            </a:r>
+            <a:endParaRPr lang="en-CA" sz="2400" dirty="0">
+              <a:latin typeface="+mj-lt"/>
+            </a:endParaRPr>
+          </a:p>
+        </p:txBody>
+      </p:sp>
+    </p:spTree>
+    <p:extLst>
+      <p:ext uri="{BB962C8B-B14F-4D97-AF65-F5344CB8AC3E}">
+        <p14:creationId xmlns:p14="http://schemas.microsoft.com/office/powerpoint/2010/main" val="4034900051"/>
+      </p:ext>
+    </p:extLst>
+  </p:cSld>
+  <p:clrMapOvr>
+    <a:masterClrMapping/>
+  </p:clrMapOvr>
+</p:sld>
+</file>
+
+<file path=ppt/slides/slide12.xml><?xml version="1.0" encoding="utf-8"?>
+<p:sld xmlns:a="http://schemas.openxmlformats.org/drawingml/2006/main" xmlns:r="http://schemas.openxmlformats.org/officeDocument/2006/relationships" xmlns:p="http://schemas.openxmlformats.org/presentationml/2006/main">
+  <p:cSld>
+    <p:spTree>
+      <p:nvGrpSpPr>
+        <p:cNvPr id="1" name=""/>
+        <p:cNvGrpSpPr/>
+        <p:nvPr/>
+      </p:nvGrpSpPr>
+      <p:grpSpPr>
+        <a:xfrm>
+          <a:off x="0" y="0"/>
+          <a:ext cx="0" cy="0"/>
+          <a:chOff x="0" y="0"/>
+          <a:chExt cx="0" cy="0"/>
+        </a:xfrm>
+      </p:grpSpPr>
+      <p:sp>
+        <p:nvSpPr>
+          <p:cNvPr id="2" name="Title 1">
+            <a:extLst>
+              <a:ext uri="{FF2B5EF4-FFF2-40B4-BE49-F238E27FC236}">
+                <a16:creationId xmlns:a16="http://schemas.microsoft.com/office/drawing/2014/main" id="{90BA13F8-530A-404B-AA5A-A9E03DE92DB2}"/>
+              </a:ext>
+            </a:extLst>
+          </p:cNvPr>
+          <p:cNvSpPr>
+            <a:spLocks noGrp="1"/>
+          </p:cNvSpPr>
+          <p:nvPr>
+            <p:ph type="title"/>
+          </p:nvPr>
+        </p:nvSpPr>
+        <p:spPr/>
+        <p:txBody>
+          <a:bodyPr/>
+          <a:lstStyle/>
+          <a:p>
+            <a:r>
+              <a:rPr lang="da-DK" b="1" dirty="0">
+                <a:effectLst/>
+              </a:rPr>
+              <a:t>Ulemper ved klientside </a:t>
+            </a:r>
+            <a:r>
+              <a:rPr lang="da-DK" b="1" dirty="0" err="1">
+                <a:effectLst/>
+              </a:rPr>
+              <a:t>scripting</a:t>
+            </a:r>
+            <a:r>
+              <a:rPr lang="da-DK" dirty="0"/>
+              <a:t>:</a:t>
+            </a:r>
+          </a:p>
+        </p:txBody>
+      </p:sp>
+      <p:sp>
+        <p:nvSpPr>
+          <p:cNvPr id="3" name="Text Placeholder 2">
+            <a:extLst>
+              <a:ext uri="{FF2B5EF4-FFF2-40B4-BE49-F238E27FC236}">
+                <a16:creationId xmlns:a16="http://schemas.microsoft.com/office/drawing/2014/main" id="{BE503661-92BF-430C-B6DB-D7922F197A01}"/>
+              </a:ext>
+            </a:extLst>
+          </p:cNvPr>
+          <p:cNvSpPr>
+            <a:spLocks noGrp="1"/>
+          </p:cNvSpPr>
+          <p:nvPr>
+            <p:ph type="body" idx="1"/>
+          </p:nvPr>
+        </p:nvSpPr>
+        <p:spPr>
+          <a:xfrm>
+            <a:off x="609600" y="1441451"/>
+            <a:ext cx="10972800" cy="4709968"/>
+          </a:xfrm>
+        </p:spPr>
+        <p:txBody>
+          <a:bodyPr/>
+          <a:lstStyle/>
+          <a:p>
+            <a:pPr>
+              <a:spcAft>
+                <a:spcPts val="800"/>
+              </a:spcAft>
+              <a:buFont typeface="Arial" panose="020B0604020202020204" pitchFamily="34" charset="0"/>
+              <a:buChar char="•"/>
+            </a:pPr>
+            <a:r>
+              <a:rPr lang="da-DK" sz="2000" dirty="0">
+                <a:effectLst/>
+              </a:rPr>
+              <a:t>JavaScript er ikke fejltolerant. Browsere kan håndtere ugyldig HTML eller CSS, men hvis din side har ugyldig JavaScript, vil den simpelthen </a:t>
+            </a:r>
+            <a:r>
+              <a:rPr lang="da-DK" sz="2000" dirty="0">
+                <a:solidFill>
+                  <a:srgbClr val="FF0000"/>
+                </a:solidFill>
+                <a:effectLst/>
+              </a:rPr>
+              <a:t>stoppe</a:t>
+            </a:r>
+            <a:r>
+              <a:rPr lang="da-DK" sz="2000" dirty="0">
+                <a:effectLst/>
+              </a:rPr>
+              <a:t> udførelsen ved den ugyldige linje.</a:t>
+            </a:r>
+          </a:p>
+          <a:p>
+            <a:pPr>
+              <a:spcAft>
+                <a:spcPts val="800"/>
+              </a:spcAft>
+              <a:buFont typeface="Arial" panose="020B0604020202020204" pitchFamily="34" charset="0"/>
+              <a:buChar char="•"/>
+            </a:pPr>
+            <a:r>
+              <a:rPr lang="da-DK" sz="2000" dirty="0">
+                <a:effectLst/>
+              </a:rPr>
+              <a:t>Mens JavaScript er universelt understøttet i alle moderne browsere, udvides sproget (og dets </a:t>
+            </a:r>
+            <a:r>
+              <a:rPr lang="da-DK" sz="2000" dirty="0" err="1">
+                <a:effectLst/>
+              </a:rPr>
+              <a:t>API'er</a:t>
+            </a:r>
+            <a:r>
+              <a:rPr lang="da-DK" sz="2000" dirty="0">
+                <a:effectLst/>
+              </a:rPr>
+              <a:t>) kontinuerligt. Nyere funktioner i sproget understøttes muligvis ikke i alle browsere.</a:t>
+            </a:r>
+          </a:p>
+          <a:p>
+            <a:pPr marL="152396" indent="0">
+              <a:buNone/>
+            </a:pPr>
+            <a:endParaRPr lang="da-DK" sz="2000" dirty="0"/>
+          </a:p>
+        </p:txBody>
+      </p:sp>
+    </p:spTree>
+    <p:extLst>
+      <p:ext uri="{BB962C8B-B14F-4D97-AF65-F5344CB8AC3E}">
+        <p14:creationId xmlns:p14="http://schemas.microsoft.com/office/powerpoint/2010/main" val="3414896922"/>
+      </p:ext>
+    </p:extLst>
+  </p:cSld>
+  <p:clrMapOvr>
+    <a:masterClrMapping/>
+  </p:clrMapOvr>
+</p:sld>
+</file>
+
+<file path=ppt/slides/slide13.xml><?xml version="1.0" encoding="utf-8"?>
+<p:sld xmlns:a="http://schemas.openxmlformats.org/drawingml/2006/main" xmlns:r="http://schemas.openxmlformats.org/officeDocument/2006/relationships" xmlns:p="http://schemas.openxmlformats.org/presentationml/2006/main">
+  <p:cSld>
+    <p:bg>
+      <p:bgPr>
+        <a:solidFill>
+          <a:schemeClr val="bg1"/>
+        </a:solidFill>
+        <a:effectLst/>
+      </p:bgPr>
+    </p:bg>
+    <p:spTree>
+      <p:nvGrpSpPr>
+        <p:cNvPr id="1" name=""/>
+        <p:cNvGrpSpPr/>
+        <p:nvPr/>
+      </p:nvGrpSpPr>
+      <p:grpSpPr>
+        <a:xfrm>
+          <a:off x="0" y="0"/>
+          <a:ext cx="0" cy="0"/>
+          <a:chOff x="0" y="0"/>
+          <a:chExt cx="0" cy="0"/>
+        </a:xfrm>
+      </p:grpSpPr>
+      <p:sp>
+        <p:nvSpPr>
+          <p:cNvPr id="2" name="Title 1">
+            <a:extLst>
+              <a:ext uri="{FF2B5EF4-FFF2-40B4-BE49-F238E27FC236}">
+                <a16:creationId xmlns:a16="http://schemas.microsoft.com/office/drawing/2014/main" id="{3D6AF184-FD37-096B-0349-EE6F825EBB63}"/>
+              </a:ext>
+            </a:extLst>
+          </p:cNvPr>
+          <p:cNvSpPr>
+            <a:spLocks noGrp="1"/>
+          </p:cNvSpPr>
+          <p:nvPr>
+            <p:ph type="title"/>
+          </p:nvPr>
+        </p:nvSpPr>
+        <p:spPr>
+          <a:xfrm>
+            <a:off x="876693" y="741391"/>
+            <a:ext cx="3455821" cy="1616203"/>
+          </a:xfrm>
+        </p:spPr>
+        <p:txBody>
+          <a:bodyPr vert="horz" lIns="91440" tIns="45720" rIns="91440" bIns="45720" rtlCol="0" anchor="b">
+            <a:normAutofit/>
+          </a:bodyPr>
+          <a:lstStyle/>
+          <a:p>
+            <a:pPr>
+              <a:lnSpc>
+                <a:spcPct val="90000"/>
+              </a:lnSpc>
+              <a:spcBef>
+                <a:spcPct val="0"/>
+              </a:spcBef>
+            </a:pPr>
+            <a:r>
+              <a:rPr lang="en-US" sz="3200" kern="1200">
+                <a:solidFill>
+                  <a:schemeClr val="tx1"/>
+                </a:solidFill>
+                <a:latin typeface="+mj-lt"/>
+                <a:ea typeface="+mj-ea"/>
+                <a:cs typeface="+mj-cs"/>
+              </a:rPr>
+              <a:t>JS toggle</a:t>
+            </a:r>
+          </a:p>
+        </p:txBody>
+      </p:sp>
+      <p:sp>
+        <p:nvSpPr>
+          <p:cNvPr id="3" name="Text Placeholder 2">
+            <a:extLst>
+              <a:ext uri="{FF2B5EF4-FFF2-40B4-BE49-F238E27FC236}">
+                <a16:creationId xmlns:a16="http://schemas.microsoft.com/office/drawing/2014/main" id="{EB1ACDF0-F2F7-BC11-3C0A-46B74007254B}"/>
+              </a:ext>
+            </a:extLst>
+          </p:cNvPr>
+          <p:cNvSpPr>
+            <a:spLocks noGrp="1"/>
+          </p:cNvSpPr>
+          <p:nvPr>
+            <p:ph type="body" idx="1"/>
+          </p:nvPr>
+        </p:nvSpPr>
+        <p:spPr>
+          <a:xfrm>
+            <a:off x="876693" y="2533476"/>
+            <a:ext cx="3455821" cy="3447832"/>
+          </a:xfrm>
+        </p:spPr>
+        <p:txBody>
+          <a:bodyPr vert="horz" lIns="91440" tIns="45720" rIns="91440" bIns="45720" rtlCol="0" anchor="t">
+            <a:normAutofit/>
+          </a:bodyPr>
+          <a:lstStyle/>
+          <a:p>
+            <a:pPr indent="-228600">
+              <a:lnSpc>
+                <a:spcPct val="90000"/>
+              </a:lnSpc>
+            </a:pPr>
+            <a:endParaRPr lang="en-US" sz="1700">
+              <a:hlinkClick r:id="rId3"/>
+            </a:endParaRPr>
+          </a:p>
+          <a:p>
+            <a:pPr indent="-228600">
+              <a:lnSpc>
+                <a:spcPct val="90000"/>
+              </a:lnSpc>
+            </a:pPr>
+            <a:endParaRPr lang="en-US" sz="1700">
+              <a:hlinkClick r:id="rId3"/>
+            </a:endParaRPr>
+          </a:p>
+          <a:p>
+            <a:pPr indent="-228600">
+              <a:lnSpc>
+                <a:spcPct val="90000"/>
+              </a:lnSpc>
+            </a:pPr>
+            <a:endParaRPr lang="en-US" sz="1700">
+              <a:hlinkClick r:id="rId3"/>
+            </a:endParaRPr>
+          </a:p>
+          <a:p>
+            <a:pPr indent="-228600">
+              <a:lnSpc>
+                <a:spcPct val="90000"/>
+              </a:lnSpc>
+            </a:pPr>
+            <a:endParaRPr lang="en-US" sz="1700">
+              <a:hlinkClick r:id="rId3"/>
+            </a:endParaRPr>
+          </a:p>
+          <a:p>
+            <a:pPr indent="-228600">
+              <a:lnSpc>
+                <a:spcPct val="90000"/>
+              </a:lnSpc>
+            </a:pPr>
+            <a:r>
+              <a:rPr lang="en-US" sz="1700">
+                <a:hlinkClick r:id="rId3"/>
+              </a:rPr>
+              <a:t>https://chromewebstore.google.com/detail/toggle-javascript/cidlcjdalomndpeagkjpnefhljffbnlo?pli=1</a:t>
+            </a:r>
+            <a:endParaRPr lang="en-US" sz="1700"/>
+          </a:p>
+          <a:p>
+            <a:pPr indent="-228600">
+              <a:lnSpc>
+                <a:spcPct val="90000"/>
+              </a:lnSpc>
+            </a:pPr>
+            <a:endParaRPr lang="en-US" sz="1700"/>
+          </a:p>
+        </p:txBody>
+      </p:sp>
+      <p:pic>
+        <p:nvPicPr>
+          <p:cNvPr id="5" name="Picture 4" descr="A yellow rectangular object with a black and silver button&#10;&#10;AI-generated content may be incorrect.">
+            <a:extLst>
+              <a:ext uri="{FF2B5EF4-FFF2-40B4-BE49-F238E27FC236}">
+                <a16:creationId xmlns:a16="http://schemas.microsoft.com/office/drawing/2014/main" id="{90406117-AFCE-ACC1-63B1-ED2DFFF494EE}"/>
+              </a:ext>
+            </a:extLst>
+          </p:cNvPr>
+          <p:cNvPicPr>
+            <a:picLocks noChangeAspect="1"/>
+          </p:cNvPicPr>
+          <p:nvPr/>
+        </p:nvPicPr>
+        <p:blipFill>
+          <a:blip r:embed="rId4"/>
+          <a:stretch>
+            <a:fillRect/>
+          </a:stretch>
+        </p:blipFill>
+        <p:spPr>
+          <a:xfrm>
+            <a:off x="4987672" y="1261277"/>
+            <a:ext cx="6389346" cy="4344755"/>
+          </a:xfrm>
+          <a:prstGeom prst="rect">
+            <a:avLst/>
+          </a:prstGeom>
+        </p:spPr>
+      </p:pic>
+      <p:grpSp>
+        <p:nvGrpSpPr>
+          <p:cNvPr id="10" name="Group 9">
+            <a:extLst>
+              <a:ext uri="{FF2B5EF4-FFF2-40B4-BE49-F238E27FC236}">
+                <a16:creationId xmlns:a16="http://schemas.microsoft.com/office/drawing/2014/main" id="{6258F736-B256-8039-9DC6-F4E49A5C5AD5}"/>
+              </a:ext>
+              <a:ext uri="{C183D7F6-B498-43B3-948B-1728B52AA6E4}">
+                <adec:decorative xmlns:adec="http://schemas.microsoft.com/office/drawing/2017/decorative" val="1"/>
+              </a:ext>
+            </a:extLst>
+          </p:cNvPr>
+          <p:cNvGrpSpPr>
+            <a:grpSpLocks noGrp="1" noUngrp="1" noRot="1" noChangeAspect="1" noMove="1" noResize="1"/>
+          </p:cNvGrpSpPr>
+          <p:nvPr>
+            <p:extLst>
+              <p:ext uri="{386F3935-93C4-4BCD-93E2-E3B085C9AB24}">
+                <p16:designElem xmlns:p16="http://schemas.microsoft.com/office/powerpoint/2015/main" val="1"/>
+              </p:ext>
+            </p:extLst>
+          </p:nvPr>
+        </p:nvGrpSpPr>
+        <p:grpSpPr>
+          <a:xfrm flipH="1">
+            <a:off x="12068638" y="0"/>
+            <a:ext cx="123362" cy="6858000"/>
+            <a:chOff x="12068638" y="0"/>
+            <a:chExt cx="123362" cy="6858000"/>
+          </a:xfrm>
+        </p:grpSpPr>
+        <p:sp>
+          <p:nvSpPr>
+            <p:cNvPr id="11" name="Rectangle 10">
+              <a:extLst>
+                <a:ext uri="{FF2B5EF4-FFF2-40B4-BE49-F238E27FC236}">
+                  <a16:creationId xmlns:a16="http://schemas.microsoft.com/office/drawing/2014/main" id="{10B4520A-996E-330C-99DA-69CA4D89E906}"/>
+                </a:ext>
+                <a:ext uri="{C183D7F6-B498-43B3-948B-1728B52AA6E4}">
+                  <adec:decorative xmlns:adec="http://schemas.microsoft.com/office/drawing/2017/decorative" val="1"/>
+                </a:ext>
+              </a:extLst>
+            </p:cNvPr>
+            <p:cNvSpPr/>
+            <p:nvPr>
+              <p:extLst>
+                <p:ext uri="{386F3935-93C4-4BCD-93E2-E3B085C9AB24}">
+                  <p16:designElem xmlns:p16="http://schemas.microsoft.com/office/powerpoint/2015/main" val="1"/>
+                </p:ext>
+              </p:extLst>
+            </p:nvPr>
+          </p:nvSpPr>
+          <p:spPr>
+            <a:xfrm>
+              <a:off x="12068638" y="0"/>
+              <a:ext cx="123362" cy="6858000"/>
+            </a:xfrm>
+            <a:prstGeom prst="rect">
+              <a:avLst/>
+            </a:prstGeom>
+            <a:gradFill>
+              <a:gsLst>
+                <a:gs pos="0">
+                  <a:schemeClr val="accent2"/>
+                </a:gs>
+                <a:gs pos="100000">
+                  <a:schemeClr val="accent5"/>
+                </a:gs>
+              </a:gsLst>
+              <a:lin ang="1800000" scaled="0"/>
+            </a:gradFill>
+            <a:ln>
+              <a:noFill/>
+            </a:ln>
+          </p:spPr>
+          <p:style>
+            <a:lnRef idx="2">
+              <a:schemeClr val="accent1">
+                <a:shade val="50000"/>
+              </a:schemeClr>
+            </a:lnRef>
+            <a:fillRef idx="1">
+              <a:schemeClr val="accent1"/>
+            </a:fillRef>
+            <a:effectRef idx="0">
+              <a:schemeClr val="accent1"/>
+            </a:effectRef>
+            <a:fontRef idx="minor">
+              <a:schemeClr val="lt1"/>
+            </a:fontRef>
+          </p:style>
+          <p:txBody>
+            <a:bodyPr rtlCol="0" anchor="ctr"/>
+            <a:lstStyle/>
+            <a:p>
+              <a:pPr algn="ctr"/>
+              <a:endParaRPr lang="en-US"/>
+            </a:p>
+          </p:txBody>
+        </p:sp>
+        <p:sp>
+          <p:nvSpPr>
+            <p:cNvPr id="12" name="Rectangle 11">
+              <a:extLst>
+                <a:ext uri="{FF2B5EF4-FFF2-40B4-BE49-F238E27FC236}">
+                  <a16:creationId xmlns:a16="http://schemas.microsoft.com/office/drawing/2014/main" id="{EC8FA945-E356-695F-18D6-CAD4EF34FE4A}"/>
+                </a:ext>
+                <a:ext uri="{C183D7F6-B498-43B3-948B-1728B52AA6E4}">
+                  <adec:decorative xmlns:adec="http://schemas.microsoft.com/office/drawing/2017/decorative" val="1"/>
+                </a:ext>
+              </a:extLst>
+            </p:cNvPr>
+            <p:cNvSpPr/>
+            <p:nvPr>
+              <p:extLst>
+                <p:ext uri="{386F3935-93C4-4BCD-93E2-E3B085C9AB24}">
+                  <p16:designElem xmlns:p16="http://schemas.microsoft.com/office/powerpoint/2015/main" val="1"/>
+                </p:ext>
+              </p:extLst>
+            </p:nvPr>
+          </p:nvSpPr>
+          <p:spPr>
+            <a:xfrm>
+              <a:off x="12068638" y="3527553"/>
+              <a:ext cx="123362" cy="3330447"/>
+            </a:xfrm>
+            <a:prstGeom prst="rect">
+              <a:avLst/>
+            </a:prstGeom>
+            <a:gradFill>
+              <a:gsLst>
+                <a:gs pos="19000">
+                  <a:schemeClr val="accent5">
+                    <a:lumMod val="60000"/>
+                    <a:lumOff val="40000"/>
+                    <a:alpha val="0"/>
+                  </a:schemeClr>
+                </a:gs>
+                <a:gs pos="100000">
+                  <a:schemeClr val="accent5">
+                    <a:lumMod val="60000"/>
+                    <a:lumOff val="40000"/>
+                  </a:schemeClr>
+                </a:gs>
+              </a:gsLst>
+              <a:lin ang="600000" scaled="0"/>
+            </a:gradFill>
+            <a:ln>
+              <a:noFill/>
+            </a:ln>
+          </p:spPr>
+          <p:style>
+            <a:lnRef idx="2">
+              <a:schemeClr val="accent1">
+                <a:shade val="50000"/>
+              </a:schemeClr>
+            </a:lnRef>
+            <a:fillRef idx="1">
+              <a:schemeClr val="accent1"/>
+            </a:fillRef>
+            <a:effectRef idx="0">
+              <a:schemeClr val="accent1"/>
+            </a:effectRef>
+            <a:fontRef idx="minor">
+              <a:schemeClr val="lt1"/>
+            </a:fontRef>
+          </p:style>
+          <p:txBody>
+            <a:bodyPr rtlCol="0" anchor="ctr"/>
+            <a:lstStyle/>
+            <a:p>
+              <a:pPr algn="ctr"/>
+              <a:endParaRPr lang="en-US"/>
+            </a:p>
+          </p:txBody>
+        </p:sp>
+      </p:grpSp>
+    </p:spTree>
+    <p:extLst>
+      <p:ext uri="{BB962C8B-B14F-4D97-AF65-F5344CB8AC3E}">
+        <p14:creationId xmlns:p14="http://schemas.microsoft.com/office/powerpoint/2010/main" val="822627875"/>
+      </p:ext>
+    </p:extLst>
+  </p:cSld>
+  <p:clrMapOvr>
+    <a:masterClrMapping/>
+  </p:clrMapOvr>
+</p:sld>
+</file>
+
+<file path=ppt/slides/slide14.xml><?xml version="1.0" encoding="utf-8"?>
+<p:sld xmlns:a="http://schemas.openxmlformats.org/drawingml/2006/main" xmlns:r="http://schemas.openxmlformats.org/officeDocument/2006/relationships" xmlns:p="http://schemas.openxmlformats.org/presentationml/2006/main">
+  <p:cSld>
+    <p:spTree>
+      <p:nvGrpSpPr>
+        <p:cNvPr id="1" name=""/>
+        <p:cNvGrpSpPr/>
+        <p:nvPr/>
+      </p:nvGrpSpPr>
+      <p:grpSpPr>
+        <a:xfrm>
+          <a:off x="0" y="0"/>
+          <a:ext cx="0" cy="0"/>
+          <a:chOff x="0" y="0"/>
+          <a:chExt cx="0" cy="0"/>
+        </a:xfrm>
+      </p:grpSpPr>
+      <p:sp>
+        <p:nvSpPr>
+          <p:cNvPr id="2" name="Title 1">
+            <a:extLst>
+              <a:ext uri="{FF2B5EF4-FFF2-40B4-BE49-F238E27FC236}">
+                <a16:creationId xmlns:a16="http://schemas.microsoft.com/office/drawing/2014/main" id="{83F89270-9588-43BB-B888-F281F6C8C00F}"/>
+              </a:ext>
+            </a:extLst>
+          </p:cNvPr>
+          <p:cNvSpPr>
+            <a:spLocks noGrp="1"/>
+          </p:cNvSpPr>
+          <p:nvPr>
+            <p:ph type="title"/>
+          </p:nvPr>
+        </p:nvSpPr>
+        <p:spPr/>
+        <p:txBody>
+          <a:bodyPr/>
+          <a:lstStyle/>
+          <a:p>
+            <a:r>
+              <a:rPr lang="en-GB" dirty="0" err="1"/>
+              <a:t>JavaScripts</a:t>
+            </a:r>
+            <a:r>
+              <a:rPr lang="en-GB" dirty="0"/>
+              <a:t> </a:t>
+            </a:r>
+            <a:r>
+              <a:rPr lang="en-GB" dirty="0" err="1"/>
+              <a:t>Historie</a:t>
+            </a:r>
+            <a:endParaRPr lang="en-GB" dirty="0"/>
+          </a:p>
+        </p:txBody>
+      </p:sp>
+      <p:sp>
+        <p:nvSpPr>
+          <p:cNvPr id="3" name="Text Placeholder 2">
+            <a:extLst>
+              <a:ext uri="{FF2B5EF4-FFF2-40B4-BE49-F238E27FC236}">
+                <a16:creationId xmlns:a16="http://schemas.microsoft.com/office/drawing/2014/main" id="{1520F2A2-C17A-4EC2-98B3-A966542AFC4E}"/>
+              </a:ext>
+            </a:extLst>
+          </p:cNvPr>
+          <p:cNvSpPr>
+            <a:spLocks noGrp="1"/>
+          </p:cNvSpPr>
+          <p:nvPr>
+            <p:ph type="body" idx="1"/>
+          </p:nvPr>
+        </p:nvSpPr>
+        <p:spPr/>
+        <p:txBody>
+          <a:bodyPr/>
+          <a:lstStyle/>
+          <a:p>
+            <a:pPr marL="608965" indent="-456565"/>
+            <a:r>
+              <a:rPr lang="en-GB" sz="2400" dirty="0"/>
+              <a:t>JavaScript </a:t>
+            </a:r>
+            <a:r>
+              <a:rPr lang="en-GB" sz="2400" dirty="0" err="1"/>
+              <a:t>blev</a:t>
+            </a:r>
+            <a:r>
+              <a:rPr lang="en-GB" sz="2400" dirty="0"/>
+              <a:t> </a:t>
+            </a:r>
+            <a:r>
+              <a:rPr lang="en-GB" sz="2400" dirty="0" err="1"/>
+              <a:t>introduceret</a:t>
+            </a:r>
+            <a:r>
+              <a:rPr lang="en-GB" sz="2400" dirty="0"/>
+              <a:t> </a:t>
+            </a:r>
+            <a:r>
+              <a:rPr lang="en-GB" sz="2400" dirty="0" err="1"/>
+              <a:t>af</a:t>
+            </a:r>
+            <a:r>
+              <a:rPr lang="en-GB" sz="2400" dirty="0"/>
+              <a:t> Netscape </a:t>
+            </a:r>
+            <a:r>
+              <a:rPr lang="en-GB" sz="2400" dirty="0" err="1"/>
+              <a:t>i</a:t>
+            </a:r>
+            <a:r>
+              <a:rPr lang="en-GB" sz="2400" dirty="0"/>
+              <a:t> </a:t>
+            </a:r>
+            <a:r>
+              <a:rPr lang="en-GB" sz="2400" dirty="0" err="1"/>
+              <a:t>deres</a:t>
+            </a:r>
+            <a:r>
+              <a:rPr lang="en-GB" sz="2400" dirty="0"/>
+              <a:t> Navigator-browser </a:t>
+            </a:r>
+            <a:r>
+              <a:rPr lang="en-GB" sz="2400" dirty="0" err="1"/>
+              <a:t>tilbage</a:t>
+            </a:r>
+            <a:r>
+              <a:rPr lang="en-GB" sz="2400" dirty="0"/>
+              <a:t> </a:t>
+            </a:r>
+            <a:r>
+              <a:rPr lang="en-GB" sz="2400" dirty="0" err="1"/>
+              <a:t>i</a:t>
+            </a:r>
+            <a:r>
+              <a:rPr lang="en-GB" sz="2400" dirty="0"/>
+              <a:t> 1996. </a:t>
+            </a:r>
+            <a:endParaRPr lang="en-US"/>
+          </a:p>
+          <a:p>
+            <a:pPr marL="608965" indent="-456565"/>
+            <a:r>
+              <a:rPr lang="en-GB" sz="2400" dirty="0"/>
+              <a:t>Netscape </a:t>
+            </a:r>
+            <a:r>
+              <a:rPr lang="en-GB" sz="2400" dirty="0" err="1"/>
+              <a:t>indsendte</a:t>
+            </a:r>
+            <a:r>
+              <a:rPr lang="en-GB" sz="2400" dirty="0"/>
+              <a:t> JavaScript </a:t>
+            </a:r>
+            <a:r>
+              <a:rPr lang="en-GB" sz="2400" dirty="0" err="1"/>
+              <a:t>til</a:t>
+            </a:r>
+            <a:r>
+              <a:rPr lang="en-GB" sz="2400" dirty="0"/>
+              <a:t> </a:t>
+            </a:r>
+            <a:r>
+              <a:rPr lang="en-GB" sz="2400" dirty="0" err="1"/>
+              <a:t>Ecma</a:t>
+            </a:r>
+            <a:r>
+              <a:rPr lang="en-GB" sz="2400" dirty="0"/>
+              <a:t> International </a:t>
+            </a:r>
+            <a:r>
+              <a:rPr lang="en-GB" sz="2400" dirty="0" err="1"/>
+              <a:t>i</a:t>
+            </a:r>
+            <a:r>
+              <a:rPr lang="en-GB" sz="2400" dirty="0"/>
+              <a:t> 1997, ECMAScript er </a:t>
+            </a:r>
+            <a:r>
+              <a:rPr lang="en-GB" sz="2400" dirty="0" err="1"/>
+              <a:t>samtidig</a:t>
+            </a:r>
+            <a:r>
+              <a:rPr lang="en-GB" sz="2400" dirty="0"/>
+              <a:t> </a:t>
+            </a:r>
+            <a:r>
+              <a:rPr lang="en-GB" sz="2400" dirty="0" err="1"/>
+              <a:t>en</a:t>
+            </a:r>
+            <a:r>
+              <a:rPr lang="en-GB" sz="2400" dirty="0"/>
+              <a:t> over- </a:t>
+            </a:r>
+            <a:r>
+              <a:rPr lang="en-GB" sz="2400" dirty="0" err="1"/>
+              <a:t>og</a:t>
+            </a:r>
+            <a:r>
+              <a:rPr lang="en-GB" sz="2400" dirty="0"/>
+              <a:t> </a:t>
+            </a:r>
+            <a:r>
+              <a:rPr lang="en-GB" sz="2400" dirty="0" err="1"/>
+              <a:t>undergruppe</a:t>
+            </a:r>
+            <a:r>
+              <a:rPr lang="en-GB" sz="2400" dirty="0"/>
+              <a:t> </a:t>
+            </a:r>
+            <a:r>
+              <a:rPr lang="en-GB" sz="2400" dirty="0" err="1"/>
+              <a:t>af</a:t>
+            </a:r>
+            <a:r>
+              <a:rPr lang="en-GB" sz="2400" dirty="0"/>
+              <a:t> JavaScript-</a:t>
+            </a:r>
+            <a:r>
+              <a:rPr lang="en-GB" sz="2400" dirty="0" err="1"/>
+              <a:t>programmeringssproget</a:t>
+            </a:r>
+            <a:r>
+              <a:rPr lang="en-GB" sz="2400" dirty="0"/>
+              <a:t>. </a:t>
+            </a:r>
+          </a:p>
+          <a:p>
+            <a:pPr marL="608965" indent="-456565"/>
+            <a:r>
+              <a:rPr lang="en-GB" sz="2400" dirty="0"/>
+              <a:t>Den </a:t>
+            </a:r>
+            <a:r>
+              <a:rPr lang="en-GB" sz="2400" dirty="0" err="1"/>
+              <a:t>sjette</a:t>
+            </a:r>
+            <a:r>
+              <a:rPr lang="en-GB" sz="2400" dirty="0"/>
+              <a:t> </a:t>
+            </a:r>
+            <a:r>
+              <a:rPr lang="en-GB" sz="2400" dirty="0" err="1"/>
+              <a:t>udgave</a:t>
+            </a:r>
+            <a:r>
+              <a:rPr lang="en-GB" sz="2400" dirty="0"/>
+              <a:t> (</a:t>
+            </a:r>
+            <a:r>
+              <a:rPr lang="en-GB" sz="2400" dirty="0" err="1"/>
+              <a:t>eller</a:t>
+            </a:r>
+            <a:r>
+              <a:rPr lang="en-GB" sz="2400" dirty="0"/>
+              <a:t> ES6) var den, der </a:t>
+            </a:r>
+            <a:r>
+              <a:rPr lang="en-GB" sz="2400" dirty="0" err="1"/>
+              <a:t>introducerede</a:t>
+            </a:r>
+            <a:r>
+              <a:rPr lang="en-GB" sz="2400" dirty="0"/>
+              <a:t> mange </a:t>
+            </a:r>
+            <a:r>
+              <a:rPr lang="en-GB" sz="2400" dirty="0" err="1"/>
+              <a:t>bemærkelsesværdige</a:t>
+            </a:r>
+            <a:r>
+              <a:rPr lang="en-GB" sz="2400" dirty="0"/>
+              <a:t> nye </a:t>
+            </a:r>
+            <a:r>
+              <a:rPr lang="en-GB" sz="2400" dirty="0" err="1"/>
+              <a:t>tilføjelser</a:t>
+            </a:r>
+            <a:r>
+              <a:rPr lang="en-GB" sz="2400" dirty="0"/>
+              <a:t> </a:t>
+            </a:r>
+            <a:r>
+              <a:rPr lang="en-GB" sz="2400" dirty="0" err="1"/>
+              <a:t>til</a:t>
+            </a:r>
+            <a:r>
+              <a:rPr lang="en-GB" sz="2400" dirty="0"/>
+              <a:t> </a:t>
+            </a:r>
+            <a:r>
+              <a:rPr lang="en-GB" sz="2400" dirty="0" err="1"/>
+              <a:t>sproget</a:t>
+            </a:r>
+            <a:r>
+              <a:rPr lang="en-GB" sz="2400" dirty="0"/>
+              <a:t> (</a:t>
+            </a:r>
+            <a:r>
+              <a:rPr lang="en-GB" sz="2400" dirty="0" err="1"/>
+              <a:t>såsom</a:t>
+            </a:r>
+            <a:r>
+              <a:rPr lang="en-GB" sz="2400" dirty="0"/>
+              <a:t> </a:t>
+            </a:r>
+            <a:r>
+              <a:rPr lang="en-GB" sz="2400" dirty="0" err="1"/>
+              <a:t>klasser</a:t>
+            </a:r>
+            <a:r>
+              <a:rPr lang="en-GB" sz="2400" dirty="0"/>
+              <a:t>, </a:t>
+            </a:r>
+            <a:r>
+              <a:rPr lang="en-GB" sz="2400" dirty="0" err="1"/>
+              <a:t>iteratorer</a:t>
+            </a:r>
+            <a:r>
+              <a:rPr lang="en-GB" sz="2400" dirty="0"/>
+              <a:t>, </a:t>
+            </a:r>
+            <a:r>
+              <a:rPr lang="en-GB" sz="2400" dirty="0" err="1"/>
+              <a:t>pilfunktioner</a:t>
+            </a:r>
+            <a:r>
+              <a:rPr lang="en-GB" sz="2400" dirty="0"/>
+              <a:t> </a:t>
+            </a:r>
+            <a:r>
+              <a:rPr lang="en-GB" sz="2400" dirty="0" err="1"/>
+              <a:t>og</a:t>
+            </a:r>
+            <a:r>
+              <a:rPr lang="en-GB" sz="2400" dirty="0"/>
+              <a:t> </a:t>
+            </a:r>
+            <a:r>
+              <a:rPr lang="en-GB" sz="2400" dirty="0" err="1"/>
+              <a:t>løfter</a:t>
+            </a:r>
+            <a:r>
+              <a:rPr lang="en-GB" sz="2400" dirty="0"/>
+              <a:t>). </a:t>
+            </a:r>
+          </a:p>
+          <a:p>
+            <a:pPr marL="608965" indent="-456565"/>
+            <a:r>
+              <a:rPr lang="en-GB" sz="2400" dirty="0"/>
+              <a:t>Den </a:t>
+            </a:r>
+            <a:r>
+              <a:rPr lang="en-GB" sz="2400" dirty="0" err="1"/>
+              <a:t>nyeste</a:t>
+            </a:r>
+            <a:r>
+              <a:rPr lang="en-GB" sz="2400" dirty="0"/>
+              <a:t> version </a:t>
+            </a:r>
+            <a:r>
+              <a:rPr lang="en-GB" sz="2400" dirty="0" err="1"/>
+              <a:t>af</a:t>
+            </a:r>
+            <a:r>
+              <a:rPr lang="en-GB" sz="2400" dirty="0"/>
+              <a:t> ECMAScript </a:t>
+            </a:r>
+            <a:r>
+              <a:rPr lang="en-GB" sz="2400" b="1" dirty="0" err="1">
+                <a:solidFill>
+                  <a:srgbClr val="0E0E0E"/>
+                </a:solidFill>
+                <a:effectLst/>
+                <a:latin typeface=".AppleSystemUIFont"/>
+              </a:rPr>
+              <a:t>ECMAScript</a:t>
+            </a:r>
+            <a:r>
+              <a:rPr lang="en-GB" sz="2400" b="1" dirty="0">
+                <a:solidFill>
+                  <a:srgbClr val="0E0E0E"/>
+                </a:solidFill>
+                <a:effectLst/>
+                <a:latin typeface=".AppleSystemUIFont"/>
+              </a:rPr>
+              <a:t> </a:t>
+            </a:r>
+            <a:r>
+              <a:rPr lang="en-GB" sz="2400" b="1" dirty="0">
+                <a:solidFill>
+                  <a:srgbClr val="0E0E0E"/>
+                </a:solidFill>
+                <a:latin typeface=".AppleSystemUIFont"/>
+              </a:rPr>
+              <a:t>2024</a:t>
+            </a:r>
+            <a:r>
+              <a:rPr lang="en-GB" sz="2400" b="1" dirty="0">
+                <a:solidFill>
+                  <a:srgbClr val="0E0E0E"/>
+                </a:solidFill>
+                <a:effectLst/>
+                <a:latin typeface=".AppleSystemUIFont"/>
+              </a:rPr>
+              <a:t> </a:t>
+            </a:r>
+            <a:endParaRPr lang="en-GB" sz="2400" b="1" dirty="0">
+              <a:solidFill>
+                <a:srgbClr val="0E0E0E"/>
+              </a:solidFill>
+              <a:latin typeface=".AppleSystemUIFont"/>
+            </a:endParaRPr>
+          </a:p>
+        </p:txBody>
+      </p:sp>
+    </p:spTree>
+    <p:extLst>
+      <p:ext uri="{BB962C8B-B14F-4D97-AF65-F5344CB8AC3E}">
+        <p14:creationId xmlns:p14="http://schemas.microsoft.com/office/powerpoint/2010/main" val="871279458"/>
+      </p:ext>
+    </p:extLst>
+  </p:cSld>
+  <p:clrMapOvr>
+    <a:masterClrMapping/>
+  </p:clrMapOvr>
+</p:sld>
+</file>
+
+<file path=ppt/slides/slide15.xml><?xml version="1.0" encoding="utf-8"?>
 <p:sld xmlns:a="http://schemas.openxmlformats.org/drawingml/2006/main" xmlns:r="http://schemas.openxmlformats.org/officeDocument/2006/relationships" xmlns:p="http://schemas.openxmlformats.org/presentationml/2006/main">
   <p:cSld>
     <p:spTree>
@@ -8904,6 +10661,15 @@
               <a:t> </a:t>
             </a:r>
             <a:r>
+              <a:rPr lang="en-GB" b="1" dirty="0"/>
+              <a:t>ECMAScript 2023 (ES14)</a:t>
+            </a:r>
+          </a:p>
+          <a:p>
+            <a:pPr marL="152396" indent="0">
+              <a:buNone/>
+            </a:pPr>
+            <a:r>
               <a:rPr lang="en-GB" b="0" i="0" dirty="0">
                 <a:solidFill>
                   <a:srgbClr val="000000"/>
@@ -8911,7 +10677,7 @@
                 <a:effectLst/>
                 <a:latin typeface="Open Sans" panose="020B0606030504020204" pitchFamily="34" charset="0"/>
               </a:rPr>
-              <a:t>ECMAScript 2022 </a:t>
+              <a:t>   </a:t>
             </a:r>
             <a:r>
               <a:rPr lang="en-GB" dirty="0">
@@ -8953,7 +10719,201 @@
 </p:sld>
 </file>
 
-<file path=ppt/slides/slide11.xml><?xml version="1.0" encoding="utf-8"?>
+<file path=ppt/slides/slide16.xml><?xml version="1.0" encoding="utf-8"?>
+<p:sld xmlns:a="http://schemas.openxmlformats.org/drawingml/2006/main" xmlns:r="http://schemas.openxmlformats.org/officeDocument/2006/relationships" xmlns:p="http://schemas.openxmlformats.org/presentationml/2006/main">
+  <p:cSld>
+    <p:bg>
+      <p:bgPr>
+        <a:solidFill>
+          <a:schemeClr val="bg1"/>
+        </a:solidFill>
+        <a:effectLst/>
+      </p:bgPr>
+    </p:bg>
+    <p:spTree>
+      <p:nvGrpSpPr>
+        <p:cNvPr id="1" name=""/>
+        <p:cNvGrpSpPr/>
+        <p:nvPr/>
+      </p:nvGrpSpPr>
+      <p:grpSpPr>
+        <a:xfrm>
+          <a:off x="0" y="0"/>
+          <a:ext cx="0" cy="0"/>
+          <a:chOff x="0" y="0"/>
+          <a:chExt cx="0" cy="0"/>
+        </a:xfrm>
+      </p:grpSpPr>
+      <p:sp useBgFill="1">
+        <p:nvSpPr>
+          <p:cNvPr id="1031" name="Rectangle 1030">
+            <a:extLst>
+              <a:ext uri="{FF2B5EF4-FFF2-40B4-BE49-F238E27FC236}">
+                <a16:creationId xmlns:a16="http://schemas.microsoft.com/office/drawing/2014/main" id="{53F29798-D584-4792-9B62-3F5F5C36D619}"/>
+              </a:ext>
+              <a:ext uri="{C183D7F6-B498-43B3-948B-1728B52AA6E4}">
+                <adec:decorative xmlns:adec="http://schemas.microsoft.com/office/drawing/2017/decorative" val="1"/>
+              </a:ext>
+            </a:extLst>
+          </p:cNvPr>
+          <p:cNvSpPr>
+            <a:spLocks noGrp="1" noRot="1" noChangeAspect="1" noMove="1" noResize="1" noEditPoints="1" noAdjustHandles="1" noChangeArrowheads="1" noChangeShapeType="1" noTextEdit="1"/>
+          </p:cNvSpPr>
+          <p:nvPr>
+            <p:extLst>
+              <p:ext uri="{386F3935-93C4-4BCD-93E2-E3B085C9AB24}">
+                <p16:designElem xmlns:p16="http://schemas.microsoft.com/office/powerpoint/2015/main" val="1"/>
+              </p:ext>
+            </p:extLst>
+          </p:nvPr>
+        </p:nvSpPr>
+        <p:spPr>
+          <a:xfrm>
+            <a:off x="0" y="0"/>
+            <a:ext cx="12188952" cy="6858000"/>
+          </a:xfrm>
+          <a:prstGeom prst="rect">
+            <a:avLst/>
+          </a:prstGeom>
+          <a:ln>
+            <a:noFill/>
+          </a:ln>
+        </p:spPr>
+        <p:style>
+          <a:lnRef idx="2">
+            <a:schemeClr val="accent1">
+              <a:shade val="50000"/>
+            </a:schemeClr>
+          </a:lnRef>
+          <a:fillRef idx="1">
+            <a:schemeClr val="accent1"/>
+          </a:fillRef>
+          <a:effectRef idx="0">
+            <a:schemeClr val="accent1"/>
+          </a:effectRef>
+          <a:fontRef idx="minor">
+            <a:schemeClr val="lt1"/>
+          </a:fontRef>
+        </p:style>
+        <p:txBody>
+          <a:bodyPr rtlCol="0" anchor="ctr"/>
+          <a:lstStyle/>
+          <a:p>
+            <a:pPr algn="ctr"/>
+            <a:endParaRPr lang="en-US"/>
+          </a:p>
+        </p:txBody>
+      </p:sp>
+      <p:sp>
+        <p:nvSpPr>
+          <p:cNvPr id="2" name="Title 1">
+            <a:extLst>
+              <a:ext uri="{FF2B5EF4-FFF2-40B4-BE49-F238E27FC236}">
+                <a16:creationId xmlns:a16="http://schemas.microsoft.com/office/drawing/2014/main" id="{497AABDE-2853-7756-FAEC-A1E9562288A7}"/>
+              </a:ext>
+            </a:extLst>
+          </p:cNvPr>
+          <p:cNvSpPr>
+            <a:spLocks noGrp="1"/>
+          </p:cNvSpPr>
+          <p:nvPr>
+            <p:ph type="title"/>
+          </p:nvPr>
+        </p:nvSpPr>
+        <p:spPr>
+          <a:xfrm>
+            <a:off x="838200" y="184805"/>
+            <a:ext cx="10515600" cy="1505883"/>
+          </a:xfrm>
+        </p:spPr>
+        <p:txBody>
+          <a:bodyPr vert="horz" lIns="91440" tIns="45720" rIns="91440" bIns="45720" rtlCol="0" anchor="ctr">
+            <a:normAutofit/>
+          </a:bodyPr>
+          <a:lstStyle/>
+          <a:p>
+            <a:pPr>
+              <a:lnSpc>
+                <a:spcPct val="90000"/>
+              </a:lnSpc>
+              <a:spcBef>
+                <a:spcPct val="0"/>
+              </a:spcBef>
+            </a:pPr>
+            <a:r>
+              <a:rPr lang="en-US" sz="5200" kern="1200">
+                <a:solidFill>
+                  <a:schemeClr val="tx1"/>
+                </a:solidFill>
+                <a:latin typeface="+mj-lt"/>
+                <a:ea typeface="+mj-ea"/>
+                <a:cs typeface="+mj-cs"/>
+              </a:rPr>
+              <a:t>Web 1.0- 3.0</a:t>
+            </a:r>
+          </a:p>
+        </p:txBody>
+      </p:sp>
+      <p:pic>
+        <p:nvPicPr>
+          <p:cNvPr id="1026" name="Picture 2">
+            <a:extLst>
+              <a:ext uri="{FF2B5EF4-FFF2-40B4-BE49-F238E27FC236}">
+                <a16:creationId xmlns:a16="http://schemas.microsoft.com/office/drawing/2014/main" id="{DD4EF2DD-FFD0-505E-8F46-8DA3DCAD2C72}"/>
+              </a:ext>
+            </a:extLst>
+          </p:cNvPr>
+          <p:cNvPicPr>
+            <a:picLocks noChangeAspect="1" noChangeArrowheads="1"/>
+          </p:cNvPicPr>
+          <p:nvPr/>
+        </p:nvPicPr>
+        <p:blipFill>
+          <a:blip r:embed="rId3">
+            <a:extLst>
+              <a:ext uri="{28A0092B-C50C-407E-A947-70E740481C1C}">
+                <a14:useLocalDpi xmlns:a14="http://schemas.microsoft.com/office/drawing/2010/main" val="0"/>
+              </a:ext>
+            </a:extLst>
+          </a:blip>
+          <a:stretch>
+            <a:fillRect/>
+          </a:stretch>
+        </p:blipFill>
+        <p:spPr bwMode="auto">
+          <a:xfrm>
+            <a:off x="2534231" y="1845426"/>
+            <a:ext cx="7120484" cy="4450303"/>
+          </a:xfrm>
+          <a:prstGeom prst="rect">
+            <a:avLst/>
+          </a:prstGeom>
+          <a:noFill/>
+          <a:extLst>
+            <a:ext uri="{909E8E84-426E-40DD-AFC4-6F175D3DCCD1}">
+              <a14:hiddenFill xmlns:a14="http://schemas.microsoft.com/office/drawing/2010/main">
+                <a:solidFill>
+                  <a:srgbClr val="FFFFFF"/>
+                </a:solidFill>
+              </a14:hiddenFill>
+            </a:ext>
+          </a:extLst>
+        </p:spPr>
+      </p:pic>
+    </p:spTree>
+    <p:extLst>
+      <p:ext uri="{BB962C8B-B14F-4D97-AF65-F5344CB8AC3E}">
+        <p14:creationId xmlns:p14="http://schemas.microsoft.com/office/powerpoint/2010/main" val="1430788644"/>
+      </p:ext>
+    </p:extLst>
+  </p:cSld>
+  <p:clrMapOvr>
+    <a:masterClrMapping/>
+  </p:clrMapOvr>
+</p:sld>
+</file>
+
+<file path=ppt/slides/slide17.xml><?xml version="1.0" encoding="utf-8"?>
 <p:sld xmlns:a="http://schemas.openxmlformats.org/drawingml/2006/main" xmlns:r="http://schemas.openxmlformats.org/officeDocument/2006/relationships" xmlns:p="http://schemas.openxmlformats.org/presentationml/2006/main">
   <p:cSld>
     <p:spTree>
@@ -9041,7 +11001,7 @@
 </p:sld>
 </file>
 
-<file path=ppt/slides/slide12.xml><?xml version="1.0" encoding="utf-8"?>
+<file path=ppt/slides/slide18.xml><?xml version="1.0" encoding="utf-8"?>
 <p:sld xmlns:a="http://schemas.openxmlformats.org/drawingml/2006/main" xmlns:r="http://schemas.openxmlformats.org/officeDocument/2006/relationships" xmlns:p="http://schemas.openxmlformats.org/presentationml/2006/main">
   <p:cSld>
     <p:spTree>
@@ -9130,7 +11090,7 @@
 </p:sld>
 </file>
 
-<file path=ppt/slides/slide13.xml><?xml version="1.0" encoding="utf-8"?>
+<file path=ppt/slides/slide19.xml><?xml version="1.0" encoding="utf-8"?>
 <p:sld xmlns:a="http://schemas.openxmlformats.org/drawingml/2006/main" xmlns:r="http://schemas.openxmlformats.org/officeDocument/2006/relationships" xmlns:p="http://schemas.openxmlformats.org/presentationml/2006/main">
   <p:cSld>
     <p:spTree>
@@ -9362,503 +11322,6 @@
     <p:extLst>
       <p:ext uri="{BB962C8B-B14F-4D97-AF65-F5344CB8AC3E}">
         <p14:creationId xmlns:p14="http://schemas.microsoft.com/office/powerpoint/2010/main" val="2131429179"/>
-      </p:ext>
-    </p:extLst>
-  </p:cSld>
-  <p:clrMapOvr>
-    <a:masterClrMapping/>
-  </p:clrMapOvr>
-</p:sld>
-</file>
-
-<file path=ppt/slides/slide14.xml><?xml version="1.0" encoding="utf-8"?>
-<p:sld xmlns:a="http://schemas.openxmlformats.org/drawingml/2006/main" xmlns:r="http://schemas.openxmlformats.org/officeDocument/2006/relationships" xmlns:p="http://schemas.openxmlformats.org/presentationml/2006/main">
-  <p:cSld>
-    <p:spTree>
-      <p:nvGrpSpPr>
-        <p:cNvPr id="1" name=""/>
-        <p:cNvGrpSpPr/>
-        <p:nvPr/>
-      </p:nvGrpSpPr>
-      <p:grpSpPr>
-        <a:xfrm>
-          <a:off x="0" y="0"/>
-          <a:ext cx="0" cy="0"/>
-          <a:chOff x="0" y="0"/>
-          <a:chExt cx="0" cy="0"/>
-        </a:xfrm>
-      </p:grpSpPr>
-      <p:sp>
-        <p:nvSpPr>
-          <p:cNvPr id="2" name="Title 1">
-            <a:extLst>
-              <a:ext uri="{FF2B5EF4-FFF2-40B4-BE49-F238E27FC236}">
-                <a16:creationId xmlns:a16="http://schemas.microsoft.com/office/drawing/2014/main" id="{AA00B80F-8A89-4AD3-AB30-E838C4B3D061}"/>
-              </a:ext>
-            </a:extLst>
-          </p:cNvPr>
-          <p:cNvSpPr>
-            <a:spLocks noGrp="1"/>
-          </p:cNvSpPr>
-          <p:nvPr>
-            <p:ph type="title"/>
-          </p:nvPr>
-        </p:nvSpPr>
-        <p:spPr/>
-        <p:txBody>
-          <a:bodyPr/>
-          <a:lstStyle/>
-          <a:p>
-            <a:r>
-              <a:rPr lang="en-GB" b="1" dirty="0" err="1">
-                <a:effectLst/>
-              </a:rPr>
-              <a:t>Tilføjelse</a:t>
-            </a:r>
-            <a:r>
-              <a:rPr lang="en-GB" b="1" dirty="0">
-                <a:effectLst/>
-              </a:rPr>
-              <a:t> </a:t>
-            </a:r>
-            <a:r>
-              <a:rPr lang="en-GB" b="1" dirty="0" err="1">
-                <a:effectLst/>
-              </a:rPr>
-              <a:t>af</a:t>
-            </a:r>
-            <a:r>
-              <a:rPr lang="en-GB" b="1" dirty="0">
-                <a:effectLst/>
-              </a:rPr>
-              <a:t> JavaScript </a:t>
-            </a:r>
-            <a:r>
-              <a:rPr lang="en-GB" b="1" dirty="0" err="1">
-                <a:effectLst/>
-              </a:rPr>
-              <a:t>til</a:t>
-            </a:r>
-            <a:r>
-              <a:rPr lang="en-GB" b="1" dirty="0">
-                <a:effectLst/>
-              </a:rPr>
-              <a:t> </a:t>
-            </a:r>
-            <a:r>
-              <a:rPr lang="en-GB" b="1" dirty="0" err="1">
-                <a:effectLst/>
-              </a:rPr>
-              <a:t>en</a:t>
-            </a:r>
-            <a:r>
-              <a:rPr lang="en-GB" b="1" dirty="0">
-                <a:effectLst/>
-              </a:rPr>
-              <a:t> side</a:t>
-            </a:r>
-            <a:endParaRPr lang="en-GB" dirty="0"/>
-          </a:p>
-        </p:txBody>
-      </p:sp>
-      <p:pic>
-        <p:nvPicPr>
-          <p:cNvPr id="5" name="Picture 4" descr="FIGURE 8.4 Adding JavaScript to a page">
-            <a:extLst>
-              <a:ext uri="{FF2B5EF4-FFF2-40B4-BE49-F238E27FC236}">
-                <a16:creationId xmlns:a16="http://schemas.microsoft.com/office/drawing/2014/main" id="{1165861B-8FF1-4617-9218-F946888696A2}"/>
-              </a:ext>
-            </a:extLst>
-          </p:cNvPr>
-          <p:cNvPicPr>
-            <a:picLocks noChangeAspect="1"/>
-          </p:cNvPicPr>
-          <p:nvPr/>
-        </p:nvPicPr>
-        <p:blipFill rotWithShape="1">
-          <a:blip r:embed="rId2"/>
-          <a:srcRect b="39347"/>
-          <a:stretch/>
-        </p:blipFill>
-        <p:spPr>
-          <a:xfrm>
-            <a:off x="2693582" y="1312650"/>
-            <a:ext cx="6804837" cy="4650945"/>
-          </a:xfrm>
-          <a:prstGeom prst="rect">
-            <a:avLst/>
-          </a:prstGeom>
-        </p:spPr>
-      </p:pic>
-    </p:spTree>
-    <p:extLst>
-      <p:ext uri="{BB962C8B-B14F-4D97-AF65-F5344CB8AC3E}">
-        <p14:creationId xmlns:p14="http://schemas.microsoft.com/office/powerpoint/2010/main" val="327254609"/>
-      </p:ext>
-    </p:extLst>
-  </p:cSld>
-  <p:clrMapOvr>
-    <a:masterClrMapping/>
-  </p:clrMapOvr>
-</p:sld>
-</file>
-
-<file path=ppt/slides/slide15.xml><?xml version="1.0" encoding="utf-8"?>
-<p:sld xmlns:a="http://schemas.openxmlformats.org/drawingml/2006/main" xmlns:r="http://schemas.openxmlformats.org/officeDocument/2006/relationships" xmlns:p="http://schemas.openxmlformats.org/presentationml/2006/main">
-  <p:cSld>
-    <p:spTree>
-      <p:nvGrpSpPr>
-        <p:cNvPr id="1" name=""/>
-        <p:cNvGrpSpPr/>
-        <p:nvPr/>
-      </p:nvGrpSpPr>
-      <p:grpSpPr>
-        <a:xfrm>
-          <a:off x="0" y="0"/>
-          <a:ext cx="0" cy="0"/>
-          <a:chOff x="0" y="0"/>
-          <a:chExt cx="0" cy="0"/>
-        </a:xfrm>
-      </p:grpSpPr>
-      <p:sp>
-        <p:nvSpPr>
-          <p:cNvPr id="2" name="Title 1">
-            <a:extLst>
-              <a:ext uri="{FF2B5EF4-FFF2-40B4-BE49-F238E27FC236}">
-                <a16:creationId xmlns:a16="http://schemas.microsoft.com/office/drawing/2014/main" id="{B938173E-EEC7-04ED-AECC-D09F79FE72D6}"/>
-              </a:ext>
-            </a:extLst>
-          </p:cNvPr>
-          <p:cNvSpPr>
-            <a:spLocks noGrp="1"/>
-          </p:cNvSpPr>
-          <p:nvPr>
-            <p:ph type="title"/>
-          </p:nvPr>
-        </p:nvSpPr>
-        <p:spPr/>
-        <p:txBody>
-          <a:bodyPr/>
-          <a:lstStyle/>
-          <a:p>
-            <a:r>
-              <a:rPr lang="en-GB" b="1" dirty="0">
-                <a:effectLst/>
-              </a:rPr>
-              <a:t>Slut </a:t>
-            </a:r>
-            <a:r>
-              <a:rPr lang="en-GB" b="1" dirty="0" err="1">
-                <a:effectLst/>
-              </a:rPr>
-              <a:t>på</a:t>
-            </a:r>
-            <a:r>
-              <a:rPr lang="en-GB" b="1" dirty="0">
-                <a:effectLst/>
-              </a:rPr>
-              <a:t> </a:t>
-            </a:r>
-            <a:r>
-              <a:rPr lang="en-GB" b="1" dirty="0" err="1">
-                <a:effectLst/>
-              </a:rPr>
-              <a:t>dag</a:t>
-            </a:r>
-            <a:r>
-              <a:rPr lang="en-GB" b="1" dirty="0">
-                <a:effectLst/>
-              </a:rPr>
-              <a:t> 1</a:t>
-            </a:r>
-            <a:endParaRPr lang="en-GB" dirty="0"/>
-          </a:p>
-        </p:txBody>
-      </p:sp>
-      <p:sp>
-        <p:nvSpPr>
-          <p:cNvPr id="3" name="Text Placeholder 2">
-            <a:extLst>
-              <a:ext uri="{FF2B5EF4-FFF2-40B4-BE49-F238E27FC236}">
-                <a16:creationId xmlns:a16="http://schemas.microsoft.com/office/drawing/2014/main" id="{E0259D53-813A-3815-CFE2-3A01A34FE6CA}"/>
-              </a:ext>
-            </a:extLst>
-          </p:cNvPr>
-          <p:cNvSpPr>
-            <a:spLocks noGrp="1"/>
-          </p:cNvSpPr>
-          <p:nvPr>
-            <p:ph type="body" idx="1"/>
-          </p:nvPr>
-        </p:nvSpPr>
-        <p:spPr/>
-        <p:txBody>
-          <a:bodyPr/>
-          <a:lstStyle/>
-          <a:p>
-            <a:r>
-              <a:rPr lang="en-GB" b="1" dirty="0">
-                <a:effectLst/>
-              </a:rPr>
-              <a:t>Workshop </a:t>
-            </a:r>
-          </a:p>
-          <a:p>
-            <a:r>
-              <a:rPr lang="en-GB" b="1" dirty="0" err="1">
-                <a:effectLst/>
-              </a:rPr>
-              <a:t>Øvelse</a:t>
-            </a:r>
-            <a:r>
-              <a:rPr lang="en-GB" dirty="0"/>
-              <a:t>: </a:t>
-            </a:r>
-            <a:r>
-              <a:rPr lang="en-GB" dirty="0" err="1"/>
-              <a:t>Løs</a:t>
-            </a:r>
-            <a:r>
-              <a:rPr lang="en-GB" dirty="0"/>
-              <a:t> '</a:t>
-            </a:r>
-            <a:r>
-              <a:rPr lang="en-GB" dirty="0" err="1"/>
-              <a:t>opgave</a:t>
-            </a:r>
-            <a:r>
-              <a:rPr lang="en-GB" dirty="0"/>
-              <a:t>' </a:t>
-            </a:r>
-            <a:r>
-              <a:rPr lang="en-GB" dirty="0" err="1"/>
-              <a:t>uge</a:t>
-            </a:r>
-            <a:r>
-              <a:rPr lang="en-GB" dirty="0"/>
-              <a:t> 8</a:t>
-            </a:r>
-          </a:p>
-          <a:p>
-            <a:pPr marL="152396" indent="0">
-              <a:buNone/>
-            </a:pPr>
-            <a:endParaRPr lang="en-US" dirty="0"/>
-          </a:p>
-          <a:p>
-            <a:pPr marL="152396" indent="0">
-              <a:buNone/>
-            </a:pPr>
-            <a:r>
-              <a:rPr lang="da-DK" dirty="0"/>
-              <a:t> </a:t>
-            </a:r>
-            <a:endParaRPr lang="en-DK" dirty="0"/>
-          </a:p>
-        </p:txBody>
-      </p:sp>
-    </p:spTree>
-    <p:extLst>
-      <p:ext uri="{BB962C8B-B14F-4D97-AF65-F5344CB8AC3E}">
-        <p14:creationId xmlns:p14="http://schemas.microsoft.com/office/powerpoint/2010/main" val="1921184082"/>
-      </p:ext>
-    </p:extLst>
-  </p:cSld>
-  <p:clrMapOvr>
-    <a:masterClrMapping/>
-  </p:clrMapOvr>
-</p:sld>
-</file>
-
-<file path=ppt/slides/slide16.xml><?xml version="1.0" encoding="utf-8"?>
-<p:sld xmlns:a="http://schemas.openxmlformats.org/drawingml/2006/main" xmlns:r="http://schemas.openxmlformats.org/officeDocument/2006/relationships" xmlns:p="http://schemas.openxmlformats.org/presentationml/2006/main">
-  <p:cSld>
-    <p:spTree>
-      <p:nvGrpSpPr>
-        <p:cNvPr id="1" name=""/>
-        <p:cNvGrpSpPr/>
-        <p:nvPr/>
-      </p:nvGrpSpPr>
-      <p:grpSpPr>
-        <a:xfrm>
-          <a:off x="0" y="0"/>
-          <a:ext cx="0" cy="0"/>
-          <a:chOff x="0" y="0"/>
-          <a:chExt cx="0" cy="0"/>
-        </a:xfrm>
-      </p:grpSpPr>
-      <p:sp>
-        <p:nvSpPr>
-          <p:cNvPr id="2" name="Title 1">
-            <a:extLst>
-              <a:ext uri="{FF2B5EF4-FFF2-40B4-BE49-F238E27FC236}">
-                <a16:creationId xmlns:a16="http://schemas.microsoft.com/office/drawing/2014/main" id="{7FE9AD79-EF44-D700-C950-06E345552EEC}"/>
-              </a:ext>
-            </a:extLst>
-          </p:cNvPr>
-          <p:cNvSpPr>
-            <a:spLocks noGrp="1"/>
-          </p:cNvSpPr>
-          <p:nvPr>
-            <p:ph type="title"/>
-          </p:nvPr>
-        </p:nvSpPr>
-        <p:spPr/>
-        <p:txBody>
-          <a:bodyPr/>
-          <a:lstStyle/>
-          <a:p>
-            <a:r>
-              <a:rPr lang="en-US" dirty="0" err="1"/>
-              <a:t>kilder</a:t>
-            </a:r>
-          </a:p>
-        </p:txBody>
-      </p:sp>
-      <p:sp>
-        <p:nvSpPr>
-          <p:cNvPr id="3" name="Text Placeholder 2">
-            <a:extLst>
-              <a:ext uri="{FF2B5EF4-FFF2-40B4-BE49-F238E27FC236}">
-                <a16:creationId xmlns:a16="http://schemas.microsoft.com/office/drawing/2014/main" id="{FA1E9AF0-4ECB-3C44-F804-C1E994513633}"/>
-              </a:ext>
-            </a:extLst>
-          </p:cNvPr>
-          <p:cNvSpPr>
-            <a:spLocks noGrp="1"/>
-          </p:cNvSpPr>
-          <p:nvPr>
-            <p:ph type="body" idx="1"/>
-          </p:nvPr>
-        </p:nvSpPr>
-        <p:spPr>
-          <a:xfrm>
-            <a:off x="318247" y="1317269"/>
-            <a:ext cx="10972800" cy="2267528"/>
-          </a:xfrm>
-        </p:spPr>
-        <p:txBody>
-          <a:bodyPr/>
-          <a:lstStyle/>
-          <a:p>
-            <a:pPr marL="152400" indent="0">
-              <a:buNone/>
-            </a:pPr>
-            <a:r>
-              <a:rPr lang="en-US" i="1" dirty="0">
-                <a:ea typeface="+mn-lt"/>
-                <a:cs typeface="+mn-lt"/>
-              </a:rPr>
-              <a:t>Eloquent JavaScript by Marijn </a:t>
-            </a:r>
-            <a:r>
-              <a:rPr lang="en-US" i="1" dirty="0" err="1">
-                <a:ea typeface="+mn-lt"/>
-                <a:cs typeface="+mn-lt"/>
-              </a:rPr>
-              <a:t>Haverbeke</a:t>
-            </a:r>
-            <a:endParaRPr lang="en-US" dirty="0" err="1"/>
-          </a:p>
-          <a:p>
-            <a:pPr marL="152400" indent="0">
-              <a:buNone/>
-            </a:pPr>
-            <a:r>
-              <a:rPr lang="en-US" i="1" dirty="0">
-                <a:ea typeface="+mn-lt"/>
-                <a:cs typeface="+mn-lt"/>
-              </a:rPr>
-              <a:t>overview of JavaScript, now in its 4th edition</a:t>
-            </a:r>
-            <a:endParaRPr lang="en-US" dirty="0"/>
-          </a:p>
-          <a:p>
-            <a:pPr marL="608965" indent="-456565"/>
-            <a:r>
-              <a:rPr lang="en-US" i="1" dirty="0">
-                <a:ea typeface="+mn-lt"/>
-                <a:cs typeface="+mn-lt"/>
-                <a:hlinkClick r:id="rId2"/>
-              </a:rPr>
-              <a:t>https://eloquentjavascript.net</a:t>
-            </a:r>
-            <a:endParaRPr lang="en-US" dirty="0"/>
-          </a:p>
-          <a:p>
-            <a:pPr marL="152400" indent="0">
-              <a:buNone/>
-            </a:pPr>
-            <a:r>
-              <a:rPr lang="en-US" i="1" dirty="0">
-                <a:ea typeface="+mn-lt"/>
-                <a:cs typeface="+mn-lt"/>
-              </a:rPr>
-              <a:t> Dr. </a:t>
-            </a:r>
-            <a:r>
-              <a:rPr lang="en-US" i="1" dirty="0" err="1">
-                <a:ea typeface="+mn-lt"/>
-                <a:cs typeface="+mn-lt"/>
-              </a:rPr>
-              <a:t>Rauschmeyer’s</a:t>
-            </a:r>
-            <a:r>
-              <a:rPr lang="en-US" i="1" dirty="0">
-                <a:ea typeface="+mn-lt"/>
-                <a:cs typeface="+mn-lt"/>
-              </a:rPr>
-              <a:t> books are highly detailed and can make excellent references.</a:t>
-            </a:r>
-            <a:endParaRPr lang="en-US" dirty="0"/>
-          </a:p>
-          <a:p>
-            <a:pPr marL="608965" indent="-456565"/>
-            <a:r>
-              <a:rPr lang="en-US" i="1" dirty="0">
-                <a:ea typeface="+mn-lt"/>
-                <a:cs typeface="+mn-lt"/>
-                <a:hlinkClick r:id="rId3"/>
-              </a:rPr>
-              <a:t>https://exploringjs.com</a:t>
-            </a:r>
-            <a:endParaRPr lang="en-US" dirty="0"/>
-          </a:p>
-          <a:p>
-            <a:pPr marL="152400" indent="0">
-              <a:buNone/>
-            </a:pPr>
-            <a:r>
-              <a:rPr lang="en-US" i="1" dirty="0">
-                <a:ea typeface="+mn-lt"/>
-                <a:cs typeface="+mn-lt"/>
-              </a:rPr>
-              <a:t>Mozilla Developer Network</a:t>
-            </a:r>
-            <a:endParaRPr lang="en-US" dirty="0"/>
-          </a:p>
-          <a:p>
-            <a:pPr marL="608965" indent="-456565"/>
-            <a:r>
-              <a:rPr lang="en-US" i="1" dirty="0">
-                <a:ea typeface="+mn-lt"/>
-                <a:cs typeface="+mn-lt"/>
-                <a:hlinkClick r:id="rId4"/>
-              </a:rPr>
-              <a:t>https://developer.mozilla.org/en-US/docs/Web/JavaScript</a:t>
-            </a:r>
-            <a:endParaRPr lang="en-US" dirty="0"/>
-          </a:p>
-          <a:p>
-            <a:pPr marL="608965" indent="-456565"/>
-            <a:endParaRPr lang="en-US" dirty="0"/>
-          </a:p>
-        </p:txBody>
-      </p:sp>
-    </p:spTree>
-    <p:extLst>
-      <p:ext uri="{BB962C8B-B14F-4D97-AF65-F5344CB8AC3E}">
-        <p14:creationId xmlns:p14="http://schemas.microsoft.com/office/powerpoint/2010/main" val="1470036689"/>
       </p:ext>
     </p:extLst>
   </p:cSld>
@@ -10389,7 +11852,7 @@
               <a:rPr lang="en-GB" dirty="0">
                 <a:effectLst/>
               </a:rPr>
-              <a:t>Microsoft Power App</a:t>
+              <a:t>Microsoft word teams power App</a:t>
             </a:r>
           </a:p>
           <a:p>
@@ -10422,7 +11885,7 @@
               <a:rPr lang="en-GB" dirty="0">
                 <a:effectLst/>
               </a:rPr>
-              <a:t>C (Windows)</a:t>
+              <a:t>C (Windows)  Unix (Mac)</a:t>
             </a:r>
           </a:p>
           <a:p>
@@ -10437,7 +11900,7 @@
               <a:rPr lang="en-GB" dirty="0">
                 <a:effectLst/>
               </a:rPr>
-              <a:t>Web Frontend</a:t>
+              <a:t>Web  frontend</a:t>
             </a:r>
           </a:p>
           <a:p>
@@ -10482,6 +11945,503 @@
         </p:txBody>
       </p:sp>
     </p:spTree>
+  </p:cSld>
+  <p:clrMapOvr>
+    <a:masterClrMapping/>
+  </p:clrMapOvr>
+</p:sld>
+</file>
+
+<file path=ppt/slides/slide20.xml><?xml version="1.0" encoding="utf-8"?>
+<p:sld xmlns:a="http://schemas.openxmlformats.org/drawingml/2006/main" xmlns:r="http://schemas.openxmlformats.org/officeDocument/2006/relationships" xmlns:p="http://schemas.openxmlformats.org/presentationml/2006/main">
+  <p:cSld>
+    <p:spTree>
+      <p:nvGrpSpPr>
+        <p:cNvPr id="1" name=""/>
+        <p:cNvGrpSpPr/>
+        <p:nvPr/>
+      </p:nvGrpSpPr>
+      <p:grpSpPr>
+        <a:xfrm>
+          <a:off x="0" y="0"/>
+          <a:ext cx="0" cy="0"/>
+          <a:chOff x="0" y="0"/>
+          <a:chExt cx="0" cy="0"/>
+        </a:xfrm>
+      </p:grpSpPr>
+      <p:sp>
+        <p:nvSpPr>
+          <p:cNvPr id="2" name="Title 1">
+            <a:extLst>
+              <a:ext uri="{FF2B5EF4-FFF2-40B4-BE49-F238E27FC236}">
+                <a16:creationId xmlns:a16="http://schemas.microsoft.com/office/drawing/2014/main" id="{AA00B80F-8A89-4AD3-AB30-E838C4B3D061}"/>
+              </a:ext>
+            </a:extLst>
+          </p:cNvPr>
+          <p:cNvSpPr>
+            <a:spLocks noGrp="1"/>
+          </p:cNvSpPr>
+          <p:nvPr>
+            <p:ph type="title"/>
+          </p:nvPr>
+        </p:nvSpPr>
+        <p:spPr/>
+        <p:txBody>
+          <a:bodyPr/>
+          <a:lstStyle/>
+          <a:p>
+            <a:r>
+              <a:rPr lang="en-GB" b="1" dirty="0" err="1">
+                <a:effectLst/>
+              </a:rPr>
+              <a:t>Tilføjelse</a:t>
+            </a:r>
+            <a:r>
+              <a:rPr lang="en-GB" b="1" dirty="0">
+                <a:effectLst/>
+              </a:rPr>
+              <a:t> </a:t>
+            </a:r>
+            <a:r>
+              <a:rPr lang="en-GB" b="1" dirty="0" err="1">
+                <a:effectLst/>
+              </a:rPr>
+              <a:t>af</a:t>
+            </a:r>
+            <a:r>
+              <a:rPr lang="en-GB" b="1" dirty="0">
+                <a:effectLst/>
+              </a:rPr>
+              <a:t> JavaScript </a:t>
+            </a:r>
+            <a:r>
+              <a:rPr lang="en-GB" b="1" dirty="0" err="1">
+                <a:effectLst/>
+              </a:rPr>
+              <a:t>til</a:t>
+            </a:r>
+            <a:r>
+              <a:rPr lang="en-GB" b="1" dirty="0">
+                <a:effectLst/>
+              </a:rPr>
+              <a:t> </a:t>
+            </a:r>
+            <a:r>
+              <a:rPr lang="en-GB" b="1" dirty="0" err="1">
+                <a:effectLst/>
+              </a:rPr>
+              <a:t>en</a:t>
+            </a:r>
+            <a:r>
+              <a:rPr lang="en-GB" b="1" dirty="0">
+                <a:effectLst/>
+              </a:rPr>
+              <a:t> side</a:t>
+            </a:r>
+            <a:endParaRPr lang="en-GB" dirty="0"/>
+          </a:p>
+        </p:txBody>
+      </p:sp>
+      <p:pic>
+        <p:nvPicPr>
+          <p:cNvPr id="5" name="Picture 4" descr="FIGURE 8.4 Adding JavaScript to a page">
+            <a:extLst>
+              <a:ext uri="{FF2B5EF4-FFF2-40B4-BE49-F238E27FC236}">
+                <a16:creationId xmlns:a16="http://schemas.microsoft.com/office/drawing/2014/main" id="{1165861B-8FF1-4617-9218-F946888696A2}"/>
+              </a:ext>
+            </a:extLst>
+          </p:cNvPr>
+          <p:cNvPicPr>
+            <a:picLocks noChangeAspect="1"/>
+          </p:cNvPicPr>
+          <p:nvPr/>
+        </p:nvPicPr>
+        <p:blipFill rotWithShape="1">
+          <a:blip r:embed="rId2"/>
+          <a:srcRect b="39347"/>
+          <a:stretch/>
+        </p:blipFill>
+        <p:spPr>
+          <a:xfrm>
+            <a:off x="2693582" y="1312650"/>
+            <a:ext cx="6804837" cy="4650945"/>
+          </a:xfrm>
+          <a:prstGeom prst="rect">
+            <a:avLst/>
+          </a:prstGeom>
+        </p:spPr>
+      </p:pic>
+    </p:spTree>
+    <p:extLst>
+      <p:ext uri="{BB962C8B-B14F-4D97-AF65-F5344CB8AC3E}">
+        <p14:creationId xmlns:p14="http://schemas.microsoft.com/office/powerpoint/2010/main" val="327254609"/>
+      </p:ext>
+    </p:extLst>
+  </p:cSld>
+  <p:clrMapOvr>
+    <a:masterClrMapping/>
+  </p:clrMapOvr>
+</p:sld>
+</file>
+
+<file path=ppt/slides/slide21.xml><?xml version="1.0" encoding="utf-8"?>
+<p:sld xmlns:a="http://schemas.openxmlformats.org/drawingml/2006/main" xmlns:r="http://schemas.openxmlformats.org/officeDocument/2006/relationships" xmlns:p="http://schemas.openxmlformats.org/presentationml/2006/main">
+  <p:cSld>
+    <p:spTree>
+      <p:nvGrpSpPr>
+        <p:cNvPr id="1" name=""/>
+        <p:cNvGrpSpPr/>
+        <p:nvPr/>
+      </p:nvGrpSpPr>
+      <p:grpSpPr>
+        <a:xfrm>
+          <a:off x="0" y="0"/>
+          <a:ext cx="0" cy="0"/>
+          <a:chOff x="0" y="0"/>
+          <a:chExt cx="0" cy="0"/>
+        </a:xfrm>
+      </p:grpSpPr>
+      <p:sp>
+        <p:nvSpPr>
+          <p:cNvPr id="2" name="Title 1">
+            <a:extLst>
+              <a:ext uri="{FF2B5EF4-FFF2-40B4-BE49-F238E27FC236}">
+                <a16:creationId xmlns:a16="http://schemas.microsoft.com/office/drawing/2014/main" id="{B938173E-EEC7-04ED-AECC-D09F79FE72D6}"/>
+              </a:ext>
+            </a:extLst>
+          </p:cNvPr>
+          <p:cNvSpPr>
+            <a:spLocks noGrp="1"/>
+          </p:cNvSpPr>
+          <p:nvPr>
+            <p:ph type="title"/>
+          </p:nvPr>
+        </p:nvSpPr>
+        <p:spPr/>
+        <p:txBody>
+          <a:bodyPr/>
+          <a:lstStyle/>
+          <a:p>
+            <a:r>
+              <a:rPr lang="en-GB" b="1" dirty="0">
+                <a:effectLst/>
+              </a:rPr>
+              <a:t>Slut </a:t>
+            </a:r>
+            <a:r>
+              <a:rPr lang="en-GB" b="1" dirty="0" err="1">
+                <a:effectLst/>
+              </a:rPr>
+              <a:t>på</a:t>
+            </a:r>
+            <a:r>
+              <a:rPr lang="en-GB" b="1" dirty="0">
+                <a:effectLst/>
+              </a:rPr>
+              <a:t> </a:t>
+            </a:r>
+            <a:r>
+              <a:rPr lang="en-GB" b="1" dirty="0" err="1">
+                <a:effectLst/>
+              </a:rPr>
+              <a:t>dag</a:t>
+            </a:r>
+            <a:r>
+              <a:rPr lang="en-GB" b="1" dirty="0">
+                <a:effectLst/>
+              </a:rPr>
+              <a:t> 1</a:t>
+            </a:r>
+            <a:endParaRPr lang="en-GB" dirty="0"/>
+          </a:p>
+        </p:txBody>
+      </p:sp>
+      <p:sp>
+        <p:nvSpPr>
+          <p:cNvPr id="3" name="Text Placeholder 2">
+            <a:extLst>
+              <a:ext uri="{FF2B5EF4-FFF2-40B4-BE49-F238E27FC236}">
+                <a16:creationId xmlns:a16="http://schemas.microsoft.com/office/drawing/2014/main" id="{E0259D53-813A-3815-CFE2-3A01A34FE6CA}"/>
+              </a:ext>
+            </a:extLst>
+          </p:cNvPr>
+          <p:cNvSpPr>
+            <a:spLocks noGrp="1"/>
+          </p:cNvSpPr>
+          <p:nvPr>
+            <p:ph type="body" idx="1"/>
+          </p:nvPr>
+        </p:nvSpPr>
+        <p:spPr/>
+        <p:txBody>
+          <a:bodyPr/>
+          <a:lstStyle/>
+          <a:p>
+            <a:r>
+              <a:rPr lang="en-GB" b="1" dirty="0">
+                <a:effectLst/>
+              </a:rPr>
+              <a:t>Workshop </a:t>
+            </a:r>
+          </a:p>
+          <a:p>
+            <a:r>
+              <a:rPr lang="en-GB" b="1" dirty="0" err="1">
+                <a:effectLst/>
+              </a:rPr>
+              <a:t>Øvelse</a:t>
+            </a:r>
+            <a:r>
+              <a:rPr lang="en-GB" dirty="0"/>
+              <a:t>: </a:t>
+            </a:r>
+            <a:r>
+              <a:rPr lang="en-GB" dirty="0" err="1"/>
+              <a:t>Løs</a:t>
+            </a:r>
+            <a:r>
+              <a:rPr lang="en-GB" dirty="0"/>
+              <a:t> '</a:t>
+            </a:r>
+            <a:r>
+              <a:rPr lang="en-GB" dirty="0" err="1"/>
+              <a:t>opgave</a:t>
+            </a:r>
+            <a:r>
+              <a:rPr lang="en-GB" dirty="0"/>
+              <a:t>' </a:t>
+            </a:r>
+            <a:r>
+              <a:rPr lang="en-GB" dirty="0" err="1"/>
+              <a:t>uge</a:t>
+            </a:r>
+            <a:r>
+              <a:rPr lang="en-GB" dirty="0"/>
+              <a:t> 8</a:t>
+            </a:r>
+          </a:p>
+          <a:p>
+            <a:pPr marL="152396" indent="0">
+              <a:buNone/>
+            </a:pPr>
+            <a:endParaRPr lang="en-US" dirty="0"/>
+          </a:p>
+          <a:p>
+            <a:pPr marL="152396" indent="0">
+              <a:buNone/>
+            </a:pPr>
+            <a:r>
+              <a:rPr lang="da-DK" dirty="0"/>
+              <a:t> </a:t>
+            </a:r>
+            <a:endParaRPr lang="en-DK" dirty="0"/>
+          </a:p>
+        </p:txBody>
+      </p:sp>
+    </p:spTree>
+    <p:extLst>
+      <p:ext uri="{BB962C8B-B14F-4D97-AF65-F5344CB8AC3E}">
+        <p14:creationId xmlns:p14="http://schemas.microsoft.com/office/powerpoint/2010/main" val="1921184082"/>
+      </p:ext>
+    </p:extLst>
+  </p:cSld>
+  <p:clrMapOvr>
+    <a:masterClrMapping/>
+  </p:clrMapOvr>
+</p:sld>
+</file>
+
+<file path=ppt/slides/slide22.xml><?xml version="1.0" encoding="utf-8"?>
+<p:sld xmlns:a="http://schemas.openxmlformats.org/drawingml/2006/main" xmlns:r="http://schemas.openxmlformats.org/officeDocument/2006/relationships" xmlns:p="http://schemas.openxmlformats.org/presentationml/2006/main">
+  <p:cSld>
+    <p:spTree>
+      <p:nvGrpSpPr>
+        <p:cNvPr id="1" name=""/>
+        <p:cNvGrpSpPr/>
+        <p:nvPr/>
+      </p:nvGrpSpPr>
+      <p:grpSpPr>
+        <a:xfrm>
+          <a:off x="0" y="0"/>
+          <a:ext cx="0" cy="0"/>
+          <a:chOff x="0" y="0"/>
+          <a:chExt cx="0" cy="0"/>
+        </a:xfrm>
+      </p:grpSpPr>
+      <p:sp>
+        <p:nvSpPr>
+          <p:cNvPr id="2" name="Title 1">
+            <a:extLst>
+              <a:ext uri="{FF2B5EF4-FFF2-40B4-BE49-F238E27FC236}">
+                <a16:creationId xmlns:a16="http://schemas.microsoft.com/office/drawing/2014/main" id="{7FE9AD79-EF44-D700-C950-06E345552EEC}"/>
+              </a:ext>
+            </a:extLst>
+          </p:cNvPr>
+          <p:cNvSpPr>
+            <a:spLocks noGrp="1"/>
+          </p:cNvSpPr>
+          <p:nvPr>
+            <p:ph type="title"/>
+          </p:nvPr>
+        </p:nvSpPr>
+        <p:spPr/>
+        <p:txBody>
+          <a:bodyPr/>
+          <a:lstStyle/>
+          <a:p>
+            <a:r>
+              <a:rPr lang="en-US" dirty="0" err="1"/>
+              <a:t>kilder</a:t>
+            </a:r>
+          </a:p>
+        </p:txBody>
+      </p:sp>
+      <p:sp>
+        <p:nvSpPr>
+          <p:cNvPr id="3" name="Text Placeholder 2">
+            <a:extLst>
+              <a:ext uri="{FF2B5EF4-FFF2-40B4-BE49-F238E27FC236}">
+                <a16:creationId xmlns:a16="http://schemas.microsoft.com/office/drawing/2014/main" id="{FA1E9AF0-4ECB-3C44-F804-C1E994513633}"/>
+              </a:ext>
+            </a:extLst>
+          </p:cNvPr>
+          <p:cNvSpPr>
+            <a:spLocks noGrp="1"/>
+          </p:cNvSpPr>
+          <p:nvPr>
+            <p:ph type="body" idx="1"/>
+          </p:nvPr>
+        </p:nvSpPr>
+        <p:spPr>
+          <a:xfrm>
+            <a:off x="318247" y="1317269"/>
+            <a:ext cx="10972800" cy="2267528"/>
+          </a:xfrm>
+        </p:spPr>
+        <p:txBody>
+          <a:bodyPr/>
+          <a:lstStyle/>
+          <a:p>
+            <a:pPr marL="152400" indent="0">
+              <a:buNone/>
+            </a:pPr>
+            <a:r>
+              <a:rPr lang="en-US" i="1" dirty="0">
+                <a:ea typeface="+mn-lt"/>
+                <a:cs typeface="+mn-lt"/>
+              </a:rPr>
+              <a:t>Eloquent JavaScript by Marijn </a:t>
+            </a:r>
+            <a:r>
+              <a:rPr lang="en-US" i="1" dirty="0" err="1">
+                <a:ea typeface="+mn-lt"/>
+                <a:cs typeface="+mn-lt"/>
+              </a:rPr>
+              <a:t>Haverbeke</a:t>
+            </a:r>
+            <a:endParaRPr lang="en-US" dirty="0" err="1"/>
+          </a:p>
+          <a:p>
+            <a:pPr marL="152400" indent="0">
+              <a:buNone/>
+            </a:pPr>
+            <a:r>
+              <a:rPr lang="en-US" i="1" dirty="0">
+                <a:ea typeface="+mn-lt"/>
+                <a:cs typeface="+mn-lt"/>
+              </a:rPr>
+              <a:t>overview of JavaScript, now in its 4th edition</a:t>
+            </a:r>
+            <a:endParaRPr lang="en-US" dirty="0"/>
+          </a:p>
+          <a:p>
+            <a:pPr marL="608965" indent="-456565"/>
+            <a:r>
+              <a:rPr lang="en-US" i="1" dirty="0">
+                <a:ea typeface="+mn-lt"/>
+                <a:cs typeface="+mn-lt"/>
+                <a:hlinkClick r:id="rId2"/>
+              </a:rPr>
+              <a:t>https://eloquentjavascript.net</a:t>
+            </a:r>
+            <a:endParaRPr lang="en-US" dirty="0"/>
+          </a:p>
+          <a:p>
+            <a:pPr marL="152400" indent="0">
+              <a:buNone/>
+            </a:pPr>
+            <a:r>
+              <a:rPr lang="en-US" i="1" dirty="0">
+                <a:ea typeface="+mn-lt"/>
+                <a:cs typeface="+mn-lt"/>
+              </a:rPr>
+              <a:t> Dr. </a:t>
+            </a:r>
+            <a:r>
+              <a:rPr lang="en-US" i="1" dirty="0" err="1">
+                <a:ea typeface="+mn-lt"/>
+                <a:cs typeface="+mn-lt"/>
+              </a:rPr>
+              <a:t>Rauschmeyer’s</a:t>
+            </a:r>
+            <a:r>
+              <a:rPr lang="en-US" i="1" dirty="0">
+                <a:ea typeface="+mn-lt"/>
+                <a:cs typeface="+mn-lt"/>
+              </a:rPr>
+              <a:t> books are highly detailed and can make excellent references.</a:t>
+            </a:r>
+            <a:endParaRPr lang="en-US" dirty="0"/>
+          </a:p>
+          <a:p>
+            <a:pPr marL="608965" indent="-456565"/>
+            <a:r>
+              <a:rPr lang="en-US" i="1" dirty="0">
+                <a:ea typeface="+mn-lt"/>
+                <a:cs typeface="+mn-lt"/>
+                <a:hlinkClick r:id="rId3"/>
+              </a:rPr>
+              <a:t>https://exploringjs.com</a:t>
+            </a:r>
+            <a:endParaRPr lang="en-US" dirty="0"/>
+          </a:p>
+          <a:p>
+            <a:pPr marL="152400" indent="0">
+              <a:buNone/>
+            </a:pPr>
+            <a:r>
+              <a:rPr lang="en-US" i="1" dirty="0">
+                <a:ea typeface="+mn-lt"/>
+                <a:cs typeface="+mn-lt"/>
+              </a:rPr>
+              <a:t>Mozilla Developer Network</a:t>
+            </a:r>
+            <a:endParaRPr lang="en-US" dirty="0"/>
+          </a:p>
+          <a:p>
+            <a:pPr marL="608965" indent="-456565"/>
+            <a:r>
+              <a:rPr lang="en-US" i="1" dirty="0">
+                <a:ea typeface="+mn-lt"/>
+                <a:cs typeface="+mn-lt"/>
+                <a:hlinkClick r:id="rId4"/>
+              </a:rPr>
+              <a:t>https://developer.mozilla.org/en-US/docs/Web/JavaScript</a:t>
+            </a:r>
+            <a:endParaRPr lang="en-US" dirty="0"/>
+          </a:p>
+          <a:p>
+            <a:pPr marL="608965" indent="-456565"/>
+            <a:endParaRPr lang="en-US" dirty="0"/>
+          </a:p>
+        </p:txBody>
+      </p:sp>
+    </p:spTree>
+    <p:extLst>
+      <p:ext uri="{BB962C8B-B14F-4D97-AF65-F5344CB8AC3E}">
+        <p14:creationId xmlns:p14="http://schemas.microsoft.com/office/powerpoint/2010/main" val="1470036689"/>
+      </p:ext>
+    </p:extLst>
   </p:cSld>
   <p:clrMapOvr>
     <a:masterClrMapping/>
@@ -10930,7 +12890,7 @@
         </p:nvSpPr>
         <p:spPr>
           <a:xfrm>
-            <a:off x="2062164" y="152400"/>
+            <a:off x="1080528" y="180977"/>
             <a:ext cx="8153400" cy="1143000"/>
           </a:xfrm>
         </p:spPr>
@@ -11616,7 +13576,7 @@
         </p:nvSpPr>
         <p:spPr bwMode="auto">
           <a:xfrm>
-            <a:off x="2193925" y="1260477"/>
+            <a:off x="1185395" y="1380752"/>
             <a:ext cx="3216275" cy="1938992"/>
           </a:xfrm>
           <a:prstGeom prst="rect">
@@ -11790,7 +13750,7 @@
               <a:buNone/>
             </a:pPr>
             <a:r>
-              <a:rPr lang="en-US" altLang="en-US" sz="2000">
+              <a:rPr lang="en-US" altLang="en-US" sz="2000" dirty="0">
                 <a:solidFill>
                   <a:srgbClr val="0000CC"/>
                 </a:solidFill>
@@ -11807,7 +13767,7 @@
               <a:buNone/>
             </a:pPr>
             <a:r>
-              <a:rPr lang="en-US" altLang="en-US" sz="2000">
+              <a:rPr lang="en-US" altLang="en-US" sz="2000" dirty="0">
                 <a:solidFill>
                   <a:srgbClr val="0000CC"/>
                 </a:solidFill>
@@ -11826,6 +13786,1065 @@
 </file>
 
 <file path=ppt/slides/slide4.xml><?xml version="1.0" encoding="utf-8"?>
+<p:sld xmlns:a="http://schemas.openxmlformats.org/drawingml/2006/main" xmlns:r="http://schemas.openxmlformats.org/officeDocument/2006/relationships" xmlns:p="http://schemas.openxmlformats.org/presentationml/2006/main">
+  <p:cSld>
+    <p:spTree>
+      <p:nvGrpSpPr>
+        <p:cNvPr id="1" name=""/>
+        <p:cNvGrpSpPr/>
+        <p:nvPr/>
+      </p:nvGrpSpPr>
+      <p:grpSpPr>
+        <a:xfrm>
+          <a:off x="0" y="0"/>
+          <a:ext cx="0" cy="0"/>
+          <a:chOff x="0" y="0"/>
+          <a:chExt cx="0" cy="0"/>
+        </a:xfrm>
+      </p:grpSpPr>
+      <p:sp>
+        <p:nvSpPr>
+          <p:cNvPr id="3" name="Content Placeholder 2">
+            <a:extLst>
+              <a:ext uri="{FF2B5EF4-FFF2-40B4-BE49-F238E27FC236}">
+                <a16:creationId xmlns:a16="http://schemas.microsoft.com/office/drawing/2014/main" id="{D92E03B6-CAAB-3E56-D40D-35E2A4D5B027}"/>
+              </a:ext>
+            </a:extLst>
+          </p:cNvPr>
+          <p:cNvSpPr>
+            <a:spLocks noGrp="1"/>
+          </p:cNvSpPr>
+          <p:nvPr>
+            <p:ph idx="1"/>
+          </p:nvPr>
+        </p:nvSpPr>
+        <p:spPr/>
+        <p:txBody>
+          <a:bodyPr>
+            <a:normAutofit/>
+          </a:bodyPr>
+          <a:lstStyle/>
+          <a:p>
+            <a:pPr marL="0" indent="0">
+              <a:buNone/>
+            </a:pPr>
+            <a:r>
+              <a:rPr lang="en-US" altLang="en-US" sz="4400" dirty="0"/>
+              <a:t>WEB eco system and language</a:t>
+            </a:r>
+            <a:endParaRPr lang="en-DK" sz="4400" dirty="0"/>
+          </a:p>
+        </p:txBody>
+      </p:sp>
+    </p:spTree>
+    <p:extLst>
+      <p:ext uri="{BB962C8B-B14F-4D97-AF65-F5344CB8AC3E}">
+        <p14:creationId xmlns:p14="http://schemas.microsoft.com/office/powerpoint/2010/main" val="2098459799"/>
+      </p:ext>
+    </p:extLst>
+  </p:cSld>
+  <p:clrMapOvr>
+    <a:masterClrMapping/>
+  </p:clrMapOvr>
+</p:sld>
+</file>
+
+<file path=ppt/slides/slide5.xml><?xml version="1.0" encoding="utf-8"?>
+<p:sld xmlns:a="http://schemas.openxmlformats.org/drawingml/2006/main" xmlns:r="http://schemas.openxmlformats.org/officeDocument/2006/relationships" xmlns:p="http://schemas.openxmlformats.org/presentationml/2006/main">
+  <p:cSld>
+    <p:bg>
+      <p:bgPr>
+        <a:solidFill>
+          <a:schemeClr val="bg1"/>
+        </a:solidFill>
+        <a:effectLst/>
+      </p:bgPr>
+    </p:bg>
+    <p:spTree>
+      <p:nvGrpSpPr>
+        <p:cNvPr id="1" name=""/>
+        <p:cNvGrpSpPr/>
+        <p:nvPr/>
+      </p:nvGrpSpPr>
+      <p:grpSpPr>
+        <a:xfrm>
+          <a:off x="0" y="0"/>
+          <a:ext cx="0" cy="0"/>
+          <a:chOff x="0" y="0"/>
+          <a:chExt cx="0" cy="0"/>
+        </a:xfrm>
+      </p:grpSpPr>
+      <p:pic>
+        <p:nvPicPr>
+          <p:cNvPr id="1028" name="Picture 4" descr="A screenshot of a computer&#10;&#10;AI-generated content may be incorrect.">
+            <a:extLst>
+              <a:ext uri="{FF2B5EF4-FFF2-40B4-BE49-F238E27FC236}">
+                <a16:creationId xmlns:a16="http://schemas.microsoft.com/office/drawing/2014/main" id="{474DA347-2094-45D6-8904-35C092367B48}"/>
+              </a:ext>
+            </a:extLst>
+          </p:cNvPr>
+          <p:cNvPicPr>
+            <a:picLocks noGrp="1" noChangeAspect="1" noChangeArrowheads="1"/>
+          </p:cNvPicPr>
+          <p:nvPr>
+            <p:ph idx="1"/>
+          </p:nvPr>
+        </p:nvPicPr>
+        <p:blipFill>
+          <a:blip r:embed="rId2">
+            <a:extLst>
+              <a:ext uri="{28A0092B-C50C-407E-A947-70E740481C1C}">
+                <a14:useLocalDpi xmlns:a14="http://schemas.microsoft.com/office/drawing/2010/main" val="0"/>
+              </a:ext>
+            </a:extLst>
+          </a:blip>
+          <a:stretch>
+            <a:fillRect/>
+          </a:stretch>
+        </p:blipFill>
+        <p:spPr bwMode="auto">
+          <a:xfrm>
+            <a:off x="3310466" y="643466"/>
+            <a:ext cx="5571067" cy="5571067"/>
+          </a:xfrm>
+          <a:prstGeom prst="rect">
+            <a:avLst/>
+          </a:prstGeom>
+          <a:noFill/>
+          <a:extLst>
+            <a:ext uri="{909E8E84-426E-40DD-AFC4-6F175D3DCCD1}">
+              <a14:hiddenFill xmlns:a14="http://schemas.microsoft.com/office/drawing/2010/main">
+                <a:solidFill>
+                  <a:srgbClr val="FFFFFF"/>
+                </a:solidFill>
+              </a14:hiddenFill>
+            </a:ext>
+          </a:extLst>
+        </p:spPr>
+      </p:pic>
+      <p:sp>
+        <p:nvSpPr>
+          <p:cNvPr id="4" name="AutoShape 2">
+            <a:extLst>
+              <a:ext uri="{FF2B5EF4-FFF2-40B4-BE49-F238E27FC236}">
+                <a16:creationId xmlns:a16="http://schemas.microsoft.com/office/drawing/2014/main" id="{E7AFCA26-50A5-92E9-9141-497FF4DB4EA3}"/>
+              </a:ext>
+            </a:extLst>
+          </p:cNvPr>
+          <p:cNvSpPr>
+            <a:spLocks noChangeAspect="1" noChangeArrowheads="1"/>
+          </p:cNvSpPr>
+          <p:nvPr/>
+        </p:nvSpPr>
+        <p:spPr bwMode="auto">
+          <a:xfrm>
+            <a:off x="5943600" y="1574800"/>
+            <a:ext cx="2006600" cy="2006600"/>
+          </a:xfrm>
+          <a:prstGeom prst="rect">
+            <a:avLst/>
+          </a:prstGeom>
+          <a:noFill/>
+          <a:extLst>
+            <a:ext uri="{909E8E84-426E-40DD-AFC4-6F175D3DCCD1}">
+              <a14:hiddenFill xmlns:a14="http://schemas.microsoft.com/office/drawing/2010/main">
+                <a:solidFill>
+                  <a:srgbClr val="FFFFFF"/>
+                </a:solidFill>
+              </a14:hiddenFill>
+            </a:ext>
+          </a:extLst>
+        </p:spPr>
+        <p:txBody>
+          <a:bodyPr vert="horz" wrap="square" lIns="91440" tIns="45720" rIns="91440" bIns="45720" numCol="1" anchor="t" anchorCtr="0" compatLnSpc="1">
+            <a:prstTxWarp prst="textNoShape">
+              <a:avLst/>
+            </a:prstTxWarp>
+          </a:bodyPr>
+          <a:lstStyle/>
+          <a:p>
+            <a:endParaRPr lang="en-DK"/>
+          </a:p>
+        </p:txBody>
+      </p:sp>
+    </p:spTree>
+    <p:extLst>
+      <p:ext uri="{BB962C8B-B14F-4D97-AF65-F5344CB8AC3E}">
+        <p14:creationId xmlns:p14="http://schemas.microsoft.com/office/powerpoint/2010/main" val="1090165518"/>
+      </p:ext>
+    </p:extLst>
+  </p:cSld>
+  <p:clrMapOvr>
+    <a:masterClrMapping/>
+  </p:clrMapOvr>
+</p:sld>
+</file>
+
+<file path=ppt/slides/slide6.xml><?xml version="1.0" encoding="utf-8"?>
+<p:sld xmlns:a="http://schemas.openxmlformats.org/drawingml/2006/main" xmlns:r="http://schemas.openxmlformats.org/officeDocument/2006/relationships" xmlns:p="http://schemas.openxmlformats.org/presentationml/2006/main">
+  <p:cSld>
+    <p:spTree>
+      <p:nvGrpSpPr>
+        <p:cNvPr id="1" name=""/>
+        <p:cNvGrpSpPr/>
+        <p:nvPr/>
+      </p:nvGrpSpPr>
+      <p:grpSpPr>
+        <a:xfrm>
+          <a:off x="0" y="0"/>
+          <a:ext cx="0" cy="0"/>
+          <a:chOff x="0" y="0"/>
+          <a:chExt cx="0" cy="0"/>
+        </a:xfrm>
+      </p:grpSpPr>
+      <p:sp>
+        <p:nvSpPr>
+          <p:cNvPr id="2" name="Title 1">
+            <a:extLst>
+              <a:ext uri="{FF2B5EF4-FFF2-40B4-BE49-F238E27FC236}">
+                <a16:creationId xmlns:a16="http://schemas.microsoft.com/office/drawing/2014/main" id="{D6DAE229-6979-948A-8E05-75B00F8B3384}"/>
+              </a:ext>
+            </a:extLst>
+          </p:cNvPr>
+          <p:cNvSpPr>
+            <a:spLocks noGrp="1"/>
+          </p:cNvSpPr>
+          <p:nvPr>
+            <p:ph type="title"/>
+          </p:nvPr>
+        </p:nvSpPr>
+        <p:spPr/>
+        <p:txBody>
+          <a:bodyPr/>
+          <a:lstStyle/>
+          <a:p>
+            <a:r>
+              <a:rPr lang="en-DK" dirty="0"/>
+              <a:t>Javascript Frameworks</a:t>
+            </a:r>
+          </a:p>
+        </p:txBody>
+      </p:sp>
+      <p:sp>
+        <p:nvSpPr>
+          <p:cNvPr id="3" name="Content Placeholder 2">
+            <a:extLst>
+              <a:ext uri="{FF2B5EF4-FFF2-40B4-BE49-F238E27FC236}">
+                <a16:creationId xmlns:a16="http://schemas.microsoft.com/office/drawing/2014/main" id="{59DEF915-207C-B9F6-D449-50D719DD3D47}"/>
+              </a:ext>
+            </a:extLst>
+          </p:cNvPr>
+          <p:cNvSpPr>
+            <a:spLocks noGrp="1"/>
+          </p:cNvSpPr>
+          <p:nvPr>
+            <p:ph idx="1"/>
+          </p:nvPr>
+        </p:nvSpPr>
+        <p:spPr/>
+        <p:txBody>
+          <a:bodyPr>
+            <a:normAutofit fontScale="92500" lnSpcReduction="10000"/>
+          </a:bodyPr>
+          <a:lstStyle/>
+          <a:p>
+            <a:pPr algn="l">
+              <a:buFont typeface="Arial" panose="020B0604020202020204" pitchFamily="34" charset="0"/>
+              <a:buChar char="•"/>
+            </a:pPr>
+            <a:r>
+              <a:rPr lang="en-GB" b="1" i="0" dirty="0">
+                <a:solidFill>
+                  <a:srgbClr val="1F2328"/>
+                </a:solidFill>
+                <a:effectLst/>
+                <a:latin typeface="-apple-system"/>
+              </a:rPr>
+              <a:t>GitHub Stars</a:t>
+            </a:r>
+            <a:r>
+              <a:rPr lang="en-GB" b="0" i="0" dirty="0">
+                <a:solidFill>
+                  <a:srgbClr val="1F2328"/>
+                </a:solidFill>
+                <a:effectLst/>
+                <a:latin typeface="-apple-system"/>
+              </a:rPr>
+              <a:t>:</a:t>
+            </a:r>
+          </a:p>
+          <a:p>
+            <a:pPr marL="742950" lvl="1" indent="-285750" algn="l">
+              <a:buFont typeface="Arial" panose="020B0604020202020204" pitchFamily="34" charset="0"/>
+              <a:buChar char="•"/>
+            </a:pPr>
+            <a:r>
+              <a:rPr lang="en-GB" b="1" i="0" dirty="0">
+                <a:solidFill>
+                  <a:srgbClr val="1F2328"/>
+                </a:solidFill>
+                <a:effectLst/>
+                <a:latin typeface="-apple-system"/>
+              </a:rPr>
+              <a:t>React</a:t>
+            </a:r>
+            <a:r>
+              <a:rPr lang="en-GB" b="0" i="0" dirty="0">
+                <a:solidFill>
+                  <a:srgbClr val="1F2328"/>
+                </a:solidFill>
+                <a:effectLst/>
+                <a:latin typeface="-apple-system"/>
+              </a:rPr>
+              <a:t>: </a:t>
+            </a:r>
+            <a:r>
+              <a:rPr lang="en-DK" b="0" i="0" dirty="0">
+                <a:solidFill>
+                  <a:srgbClr val="1F2328"/>
+                </a:solidFill>
+                <a:effectLst/>
+                <a:latin typeface="-apple-system"/>
+              </a:rPr>
+              <a:t>⭐ 200</a:t>
+            </a:r>
+            <a:r>
+              <a:rPr lang="en-GB" b="0" i="0" dirty="0">
+                <a:solidFill>
+                  <a:srgbClr val="1F2328"/>
+                </a:solidFill>
+                <a:effectLst/>
+                <a:latin typeface="-apple-system"/>
+              </a:rPr>
+              <a:t>k+</a:t>
+            </a:r>
+          </a:p>
+          <a:p>
+            <a:pPr marL="742950" lvl="1" indent="-285750" algn="l">
+              <a:buFont typeface="Arial" panose="020B0604020202020204" pitchFamily="34" charset="0"/>
+              <a:buChar char="•"/>
+            </a:pPr>
+            <a:r>
+              <a:rPr lang="en-GB" b="1" i="0" dirty="0">
+                <a:solidFill>
+                  <a:srgbClr val="1F2328"/>
+                </a:solidFill>
+                <a:effectLst/>
+                <a:latin typeface="-apple-system"/>
+              </a:rPr>
+              <a:t>Angular</a:t>
+            </a:r>
+            <a:r>
+              <a:rPr lang="en-GB" b="0" i="0" dirty="0">
+                <a:solidFill>
+                  <a:srgbClr val="1F2328"/>
+                </a:solidFill>
+                <a:effectLst/>
+                <a:latin typeface="-apple-system"/>
+              </a:rPr>
+              <a:t>: </a:t>
+            </a:r>
+            <a:r>
+              <a:rPr lang="en-DK" b="0" i="0" dirty="0">
+                <a:solidFill>
+                  <a:srgbClr val="1F2328"/>
+                </a:solidFill>
+                <a:effectLst/>
+                <a:latin typeface="-apple-system"/>
+              </a:rPr>
+              <a:t>⭐ 80</a:t>
+            </a:r>
+            <a:r>
+              <a:rPr lang="en-GB" b="0" i="0" dirty="0">
+                <a:solidFill>
+                  <a:srgbClr val="1F2328"/>
+                </a:solidFill>
+                <a:effectLst/>
+                <a:latin typeface="-apple-system"/>
+              </a:rPr>
+              <a:t>k+</a:t>
+            </a:r>
+          </a:p>
+          <a:p>
+            <a:pPr marL="742950" lvl="1" indent="-285750" algn="l">
+              <a:buFont typeface="Arial" panose="020B0604020202020204" pitchFamily="34" charset="0"/>
+              <a:buChar char="•"/>
+            </a:pPr>
+            <a:r>
+              <a:rPr lang="en-GB" b="1" i="0" dirty="0" err="1">
+                <a:solidFill>
+                  <a:srgbClr val="1F2328"/>
+                </a:solidFill>
+                <a:effectLst/>
+                <a:latin typeface="-apple-system"/>
+              </a:rPr>
+              <a:t>Vue.js</a:t>
+            </a:r>
+            <a:r>
+              <a:rPr lang="en-GB" b="0" i="0" dirty="0">
+                <a:solidFill>
+                  <a:srgbClr val="1F2328"/>
+                </a:solidFill>
+                <a:effectLst/>
+                <a:latin typeface="-apple-system"/>
+              </a:rPr>
+              <a:t>: </a:t>
+            </a:r>
+            <a:r>
+              <a:rPr lang="en-DK" b="0" i="0" dirty="0">
+                <a:solidFill>
+                  <a:srgbClr val="1F2328"/>
+                </a:solidFill>
+                <a:effectLst/>
+                <a:latin typeface="-apple-system"/>
+              </a:rPr>
+              <a:t>⭐ 200</a:t>
+            </a:r>
+            <a:r>
+              <a:rPr lang="en-GB" b="0" i="0" dirty="0">
+                <a:solidFill>
+                  <a:srgbClr val="1F2328"/>
+                </a:solidFill>
+                <a:effectLst/>
+                <a:latin typeface="-apple-system"/>
+              </a:rPr>
+              <a:t>k+</a:t>
+            </a:r>
+          </a:p>
+          <a:p>
+            <a:pPr marL="742950" lvl="1" indent="-285750" algn="l">
+              <a:buFont typeface="Arial" panose="020B0604020202020204" pitchFamily="34" charset="0"/>
+              <a:buChar char="•"/>
+            </a:pPr>
+            <a:r>
+              <a:rPr lang="en-GB" b="1" i="0" dirty="0">
+                <a:solidFill>
+                  <a:srgbClr val="1F2328"/>
+                </a:solidFill>
+                <a:effectLst/>
+                <a:latin typeface="-apple-system"/>
+              </a:rPr>
+              <a:t>Svelte</a:t>
+            </a:r>
+            <a:r>
+              <a:rPr lang="en-GB" b="0" i="0" dirty="0">
+                <a:solidFill>
+                  <a:srgbClr val="1F2328"/>
+                </a:solidFill>
+                <a:effectLst/>
+                <a:latin typeface="-apple-system"/>
+              </a:rPr>
+              <a:t>: </a:t>
+            </a:r>
+            <a:r>
+              <a:rPr lang="en-DK" b="0" i="0" dirty="0">
+                <a:solidFill>
+                  <a:srgbClr val="1F2328"/>
+                </a:solidFill>
+                <a:effectLst/>
+                <a:latin typeface="-apple-system"/>
+              </a:rPr>
+              <a:t>⭐ 70</a:t>
+            </a:r>
+            <a:r>
+              <a:rPr lang="en-GB" b="0" i="0" dirty="0">
+                <a:solidFill>
+                  <a:srgbClr val="1F2328"/>
+                </a:solidFill>
+                <a:effectLst/>
+                <a:latin typeface="-apple-system"/>
+              </a:rPr>
+              <a:t>k+</a:t>
+            </a:r>
+          </a:p>
+          <a:p>
+            <a:pPr marL="742950" lvl="1" indent="-285750" algn="l">
+              <a:buFont typeface="Arial" panose="020B0604020202020204" pitchFamily="34" charset="0"/>
+              <a:buChar char="•"/>
+            </a:pPr>
+            <a:r>
+              <a:rPr lang="en-GB" b="1" i="0" dirty="0" err="1">
+                <a:solidFill>
+                  <a:srgbClr val="1F2328"/>
+                </a:solidFill>
+                <a:effectLst/>
+                <a:latin typeface="-apple-system"/>
+              </a:rPr>
+              <a:t>Ember.js</a:t>
+            </a:r>
+            <a:r>
+              <a:rPr lang="en-GB" b="0" i="0" dirty="0">
+                <a:solidFill>
+                  <a:srgbClr val="1F2328"/>
+                </a:solidFill>
+                <a:effectLst/>
+                <a:latin typeface="-apple-system"/>
+              </a:rPr>
+              <a:t>: </a:t>
+            </a:r>
+            <a:r>
+              <a:rPr lang="en-DK" b="0" i="0" dirty="0">
+                <a:solidFill>
+                  <a:srgbClr val="1F2328"/>
+                </a:solidFill>
+                <a:effectLst/>
+                <a:latin typeface="-apple-system"/>
+              </a:rPr>
+              <a:t>⭐ 23</a:t>
+            </a:r>
+            <a:r>
+              <a:rPr lang="en-GB" b="0" i="0" dirty="0">
+                <a:solidFill>
+                  <a:srgbClr val="1F2328"/>
+                </a:solidFill>
+                <a:effectLst/>
+                <a:latin typeface="-apple-system"/>
+              </a:rPr>
+              <a:t>k+</a:t>
+            </a:r>
+          </a:p>
+          <a:p>
+            <a:pPr algn="l">
+              <a:buFont typeface="Arial" panose="020B0604020202020204" pitchFamily="34" charset="0"/>
+              <a:buChar char="•"/>
+            </a:pPr>
+            <a:r>
+              <a:rPr lang="en-GB" b="1" i="0" dirty="0">
+                <a:solidFill>
+                  <a:srgbClr val="1F2328"/>
+                </a:solidFill>
+                <a:effectLst/>
+                <a:latin typeface="-apple-system"/>
+              </a:rPr>
+              <a:t>NPM Downloads (per month)</a:t>
+            </a:r>
+            <a:r>
+              <a:rPr lang="en-GB" b="0" i="0" dirty="0">
+                <a:solidFill>
+                  <a:srgbClr val="1F2328"/>
+                </a:solidFill>
+                <a:effectLst/>
+                <a:latin typeface="-apple-system"/>
+              </a:rPr>
+              <a:t>:</a:t>
+            </a:r>
+          </a:p>
+          <a:p>
+            <a:pPr marL="742950" lvl="1" indent="-285750" algn="l">
+              <a:buFont typeface="Arial" panose="020B0604020202020204" pitchFamily="34" charset="0"/>
+              <a:buChar char="•"/>
+            </a:pPr>
+            <a:r>
+              <a:rPr lang="en-GB" b="1" i="0" dirty="0">
+                <a:solidFill>
+                  <a:srgbClr val="1F2328"/>
+                </a:solidFill>
+                <a:effectLst/>
+                <a:latin typeface="-apple-system"/>
+              </a:rPr>
+              <a:t>React</a:t>
+            </a:r>
+            <a:r>
+              <a:rPr lang="en-GB" b="0" i="0" dirty="0">
+                <a:solidFill>
+                  <a:srgbClr val="1F2328"/>
+                </a:solidFill>
+                <a:effectLst/>
+                <a:latin typeface="-apple-system"/>
+              </a:rPr>
+              <a:t>: </a:t>
+            </a:r>
+            <a:r>
+              <a:rPr lang="en-DK" b="0" i="0" dirty="0">
+                <a:solidFill>
+                  <a:srgbClr val="1F2328"/>
+                </a:solidFill>
+                <a:effectLst/>
+                <a:latin typeface="-apple-system"/>
+              </a:rPr>
+              <a:t>📥 12</a:t>
+            </a:r>
+            <a:r>
+              <a:rPr lang="en-GB" b="0" i="0" dirty="0">
+                <a:solidFill>
+                  <a:srgbClr val="1F2328"/>
+                </a:solidFill>
+                <a:effectLst/>
+                <a:latin typeface="-apple-system"/>
+              </a:rPr>
+              <a:t>M+</a:t>
+            </a:r>
+          </a:p>
+          <a:p>
+            <a:pPr marL="742950" lvl="1" indent="-285750" algn="l">
+              <a:buFont typeface="Arial" panose="020B0604020202020204" pitchFamily="34" charset="0"/>
+              <a:buChar char="•"/>
+            </a:pPr>
+            <a:r>
+              <a:rPr lang="en-GB" b="1" i="0" dirty="0">
+                <a:solidFill>
+                  <a:srgbClr val="1F2328"/>
+                </a:solidFill>
+                <a:effectLst/>
+                <a:latin typeface="-apple-system"/>
+              </a:rPr>
+              <a:t>Angular</a:t>
+            </a:r>
+            <a:r>
+              <a:rPr lang="en-GB" b="0" i="0" dirty="0">
+                <a:solidFill>
+                  <a:srgbClr val="1F2328"/>
+                </a:solidFill>
+                <a:effectLst/>
+                <a:latin typeface="-apple-system"/>
+              </a:rPr>
+              <a:t>: </a:t>
+            </a:r>
+            <a:r>
+              <a:rPr lang="en-DK" b="0" i="0" dirty="0">
+                <a:solidFill>
+                  <a:srgbClr val="1F2328"/>
+                </a:solidFill>
+                <a:effectLst/>
+                <a:latin typeface="-apple-system"/>
+              </a:rPr>
+              <a:t>📥 2</a:t>
+            </a:r>
+            <a:r>
+              <a:rPr lang="en-GB" b="0" i="0" dirty="0">
+                <a:solidFill>
+                  <a:srgbClr val="1F2328"/>
+                </a:solidFill>
+                <a:effectLst/>
+                <a:latin typeface="-apple-system"/>
+              </a:rPr>
+              <a:t>M+</a:t>
+            </a:r>
+          </a:p>
+          <a:p>
+            <a:pPr marL="742950" lvl="1" indent="-285750" algn="l">
+              <a:buFont typeface="Arial" panose="020B0604020202020204" pitchFamily="34" charset="0"/>
+              <a:buChar char="•"/>
+            </a:pPr>
+            <a:r>
+              <a:rPr lang="en-GB" b="1" i="0" dirty="0" err="1">
+                <a:solidFill>
+                  <a:srgbClr val="1F2328"/>
+                </a:solidFill>
+                <a:effectLst/>
+                <a:latin typeface="-apple-system"/>
+              </a:rPr>
+              <a:t>Vue.js</a:t>
+            </a:r>
+            <a:r>
+              <a:rPr lang="en-GB" b="0" i="0" dirty="0">
+                <a:solidFill>
+                  <a:srgbClr val="1F2328"/>
+                </a:solidFill>
+                <a:effectLst/>
+                <a:latin typeface="-apple-system"/>
+              </a:rPr>
+              <a:t>: </a:t>
+            </a:r>
+            <a:r>
+              <a:rPr lang="en-DK" b="0" i="0" dirty="0">
+                <a:solidFill>
+                  <a:srgbClr val="1F2328"/>
+                </a:solidFill>
+                <a:effectLst/>
+                <a:latin typeface="-apple-system"/>
+              </a:rPr>
+              <a:t>📥 4</a:t>
+            </a:r>
+            <a:r>
+              <a:rPr lang="en-GB" b="0" i="0" dirty="0">
+                <a:solidFill>
+                  <a:srgbClr val="1F2328"/>
+                </a:solidFill>
+                <a:effectLst/>
+                <a:latin typeface="-apple-system"/>
+              </a:rPr>
+              <a:t>M+</a:t>
+            </a:r>
+          </a:p>
+          <a:p>
+            <a:pPr marL="742950" lvl="1" indent="-285750" algn="l">
+              <a:buFont typeface="Arial" panose="020B0604020202020204" pitchFamily="34" charset="0"/>
+              <a:buChar char="•"/>
+            </a:pPr>
+            <a:r>
+              <a:rPr lang="en-GB" b="1" i="0" dirty="0">
+                <a:solidFill>
+                  <a:srgbClr val="1F2328"/>
+                </a:solidFill>
+                <a:effectLst/>
+                <a:latin typeface="-apple-system"/>
+              </a:rPr>
+              <a:t>Svelte</a:t>
+            </a:r>
+            <a:r>
+              <a:rPr lang="en-GB" b="0" i="0" dirty="0">
+                <a:solidFill>
+                  <a:srgbClr val="1F2328"/>
+                </a:solidFill>
+                <a:effectLst/>
+                <a:latin typeface="-apple-system"/>
+              </a:rPr>
+              <a:t>: </a:t>
+            </a:r>
+            <a:r>
+              <a:rPr lang="en-DK" b="0" i="0" dirty="0">
+                <a:solidFill>
+                  <a:srgbClr val="1F2328"/>
+                </a:solidFill>
+                <a:effectLst/>
+                <a:latin typeface="-apple-system"/>
+              </a:rPr>
+              <a:t>📥 700</a:t>
+            </a:r>
+            <a:r>
+              <a:rPr lang="en-GB" b="0" i="0" dirty="0">
+                <a:solidFill>
+                  <a:srgbClr val="1F2328"/>
+                </a:solidFill>
+                <a:effectLst/>
+                <a:latin typeface="-apple-system"/>
+              </a:rPr>
+              <a:t>k+</a:t>
+            </a:r>
+          </a:p>
+          <a:p>
+            <a:pPr marL="742950" lvl="1" indent="-285750" algn="l">
+              <a:buFont typeface="Arial" panose="020B0604020202020204" pitchFamily="34" charset="0"/>
+              <a:buChar char="•"/>
+            </a:pPr>
+            <a:r>
+              <a:rPr lang="en-GB" b="1" i="0" dirty="0" err="1">
+                <a:solidFill>
+                  <a:srgbClr val="1F2328"/>
+                </a:solidFill>
+                <a:effectLst/>
+                <a:latin typeface="-apple-system"/>
+              </a:rPr>
+              <a:t>Ember.js</a:t>
+            </a:r>
+            <a:r>
+              <a:rPr lang="en-GB" b="0" i="0" dirty="0">
+                <a:solidFill>
+                  <a:srgbClr val="1F2328"/>
+                </a:solidFill>
+                <a:effectLst/>
+                <a:latin typeface="-apple-system"/>
+              </a:rPr>
+              <a:t>: </a:t>
+            </a:r>
+            <a:r>
+              <a:rPr lang="en-DK" b="0" i="0" dirty="0">
+                <a:solidFill>
+                  <a:srgbClr val="1F2328"/>
+                </a:solidFill>
+                <a:effectLst/>
+                <a:latin typeface="-apple-system"/>
+              </a:rPr>
+              <a:t>📥 100</a:t>
+            </a:r>
+            <a:r>
+              <a:rPr lang="en-GB" b="0" i="0" dirty="0">
+                <a:solidFill>
+                  <a:srgbClr val="1F2328"/>
+                </a:solidFill>
+                <a:effectLst/>
+                <a:latin typeface="-apple-system"/>
+              </a:rPr>
+              <a:t>k+</a:t>
+            </a:r>
+          </a:p>
+          <a:p>
+            <a:endParaRPr lang="en-DK" dirty="0"/>
+          </a:p>
+        </p:txBody>
+      </p:sp>
+    </p:spTree>
+    <p:extLst>
+      <p:ext uri="{BB962C8B-B14F-4D97-AF65-F5344CB8AC3E}">
+        <p14:creationId xmlns:p14="http://schemas.microsoft.com/office/powerpoint/2010/main" val="218816516"/>
+      </p:ext>
+    </p:extLst>
+  </p:cSld>
+  <p:clrMapOvr>
+    <a:masterClrMapping/>
+  </p:clrMapOvr>
+</p:sld>
+</file>
+
+<file path=ppt/slides/slide7.xml><?xml version="1.0" encoding="utf-8"?>
+<p:sld xmlns:a="http://schemas.openxmlformats.org/drawingml/2006/main" xmlns:r="http://schemas.openxmlformats.org/officeDocument/2006/relationships" xmlns:p="http://schemas.openxmlformats.org/presentationml/2006/main">
+  <p:cSld>
+    <p:spTree>
+      <p:nvGrpSpPr>
+        <p:cNvPr id="1" name=""/>
+        <p:cNvGrpSpPr/>
+        <p:nvPr/>
+      </p:nvGrpSpPr>
+      <p:grpSpPr>
+        <a:xfrm>
+          <a:off x="0" y="0"/>
+          <a:ext cx="0" cy="0"/>
+          <a:chOff x="0" y="0"/>
+          <a:chExt cx="0" cy="0"/>
+        </a:xfrm>
+      </p:grpSpPr>
+      <p:sp>
+        <p:nvSpPr>
+          <p:cNvPr id="2" name="Title 1">
+            <a:extLst>
+              <a:ext uri="{FF2B5EF4-FFF2-40B4-BE49-F238E27FC236}">
+                <a16:creationId xmlns:a16="http://schemas.microsoft.com/office/drawing/2014/main" id="{CDA656A0-00CA-A55E-8BAC-8C44D16C8D68}"/>
+              </a:ext>
+            </a:extLst>
+          </p:cNvPr>
+          <p:cNvSpPr>
+            <a:spLocks noGrp="1"/>
+          </p:cNvSpPr>
+          <p:nvPr>
+            <p:ph type="title"/>
+          </p:nvPr>
+        </p:nvSpPr>
+        <p:spPr/>
+        <p:txBody>
+          <a:bodyPr/>
+          <a:lstStyle/>
+          <a:p>
+            <a:endParaRPr lang="en-DK"/>
+          </a:p>
+        </p:txBody>
+      </p:sp>
+      <p:sp>
+        <p:nvSpPr>
+          <p:cNvPr id="4" name="Content Placeholder 2">
+            <a:extLst>
+              <a:ext uri="{FF2B5EF4-FFF2-40B4-BE49-F238E27FC236}">
+                <a16:creationId xmlns:a16="http://schemas.microsoft.com/office/drawing/2014/main" id="{B72381D7-D772-1DA6-6577-3F9AC32FBB31}"/>
+              </a:ext>
+            </a:extLst>
+          </p:cNvPr>
+          <p:cNvSpPr txBox="1">
+            <a:spLocks/>
+          </p:cNvSpPr>
+          <p:nvPr/>
+        </p:nvSpPr>
+        <p:spPr>
+          <a:xfrm>
+            <a:off x="990600" y="1978025"/>
+            <a:ext cx="10515600" cy="4351338"/>
+          </a:xfrm>
+          <a:prstGeom prst="rect">
+            <a:avLst/>
+          </a:prstGeom>
+        </p:spPr>
+        <p:txBody>
+          <a:bodyPr vert="horz" lIns="91440" tIns="45720" rIns="91440" bIns="45720" rtlCol="0">
+            <a:normAutofit/>
+          </a:bodyPr>
+          <a:lstStyle>
+            <a:lvl1pPr marL="228600" indent="-228600" algn="l" defTabSz="914400" rtl="0" eaLnBrk="1" latinLnBrk="0" hangingPunct="1">
+              <a:lnSpc>
+                <a:spcPct val="90000"/>
+              </a:lnSpc>
+              <a:spcBef>
+                <a:spcPts val="1000"/>
+              </a:spcBef>
+              <a:buFont typeface="Arial" panose="020B0604020202020204" pitchFamily="34" charset="0"/>
+              <a:buChar char="•"/>
+              <a:defRPr sz="2800" kern="1200">
+                <a:solidFill>
+                  <a:schemeClr val="tx1"/>
+                </a:solidFill>
+                <a:latin typeface="+mn-lt"/>
+                <a:ea typeface="+mn-ea"/>
+                <a:cs typeface="+mn-cs"/>
+              </a:defRPr>
+            </a:lvl1pPr>
+            <a:lvl2pPr marL="685800" indent="-228600" algn="l" defTabSz="914400" rtl="0" eaLnBrk="1" latinLnBrk="0" hangingPunct="1">
+              <a:lnSpc>
+                <a:spcPct val="90000"/>
+              </a:lnSpc>
+              <a:spcBef>
+                <a:spcPts val="500"/>
+              </a:spcBef>
+              <a:buFont typeface="Arial" panose="020B0604020202020204" pitchFamily="34" charset="0"/>
+              <a:buChar char="•"/>
+              <a:defRPr sz="2400" kern="1200">
+                <a:solidFill>
+                  <a:schemeClr val="tx1"/>
+                </a:solidFill>
+                <a:latin typeface="+mn-lt"/>
+                <a:ea typeface="+mn-ea"/>
+                <a:cs typeface="+mn-cs"/>
+              </a:defRPr>
+            </a:lvl2pPr>
+            <a:lvl3pPr marL="1143000" indent="-228600" algn="l" defTabSz="914400" rtl="0" eaLnBrk="1" latinLnBrk="0" hangingPunct="1">
+              <a:lnSpc>
+                <a:spcPct val="90000"/>
+              </a:lnSpc>
+              <a:spcBef>
+                <a:spcPts val="500"/>
+              </a:spcBef>
+              <a:buFont typeface="Arial" panose="020B0604020202020204" pitchFamily="34" charset="0"/>
+              <a:buChar char="•"/>
+              <a:defRPr sz="2000" kern="1200">
+                <a:solidFill>
+                  <a:schemeClr val="tx1"/>
+                </a:solidFill>
+                <a:latin typeface="+mn-lt"/>
+                <a:ea typeface="+mn-ea"/>
+                <a:cs typeface="+mn-cs"/>
+              </a:defRPr>
+            </a:lvl3pPr>
+            <a:lvl4pPr marL="1600200" indent="-228600" algn="l" defTabSz="914400" rtl="0" eaLnBrk="1" latinLnBrk="0" hangingPunct="1">
+              <a:lnSpc>
+                <a:spcPct val="90000"/>
+              </a:lnSpc>
+              <a:spcBef>
+                <a:spcPts val="500"/>
+              </a:spcBef>
+              <a:buFont typeface="Arial" panose="020B0604020202020204" pitchFamily="34" charset="0"/>
+              <a:buChar char="•"/>
+              <a:defRPr sz="1800" kern="1200">
+                <a:solidFill>
+                  <a:schemeClr val="tx1"/>
+                </a:solidFill>
+                <a:latin typeface="+mn-lt"/>
+                <a:ea typeface="+mn-ea"/>
+                <a:cs typeface="+mn-cs"/>
+              </a:defRPr>
+            </a:lvl4pPr>
+            <a:lvl5pPr marL="2057400" indent="-228600" algn="l" defTabSz="914400" rtl="0" eaLnBrk="1" latinLnBrk="0" hangingPunct="1">
+              <a:lnSpc>
+                <a:spcPct val="90000"/>
+              </a:lnSpc>
+              <a:spcBef>
+                <a:spcPts val="500"/>
+              </a:spcBef>
+              <a:buFont typeface="Arial" panose="020B0604020202020204" pitchFamily="34" charset="0"/>
+              <a:buChar char="•"/>
+              <a:defRPr sz="1800" kern="1200">
+                <a:solidFill>
+                  <a:schemeClr val="tx1"/>
+                </a:solidFill>
+                <a:latin typeface="+mn-lt"/>
+                <a:ea typeface="+mn-ea"/>
+                <a:cs typeface="+mn-cs"/>
+              </a:defRPr>
+            </a:lvl5pPr>
+            <a:lvl6pPr marL="2514600" indent="-228600" algn="l" defTabSz="914400" rtl="0" eaLnBrk="1" latinLnBrk="0" hangingPunct="1">
+              <a:lnSpc>
+                <a:spcPct val="90000"/>
+              </a:lnSpc>
+              <a:spcBef>
+                <a:spcPts val="500"/>
+              </a:spcBef>
+              <a:buFont typeface="Arial" panose="020B0604020202020204" pitchFamily="34" charset="0"/>
+              <a:buChar char="•"/>
+              <a:defRPr sz="1800" kern="1200">
+                <a:solidFill>
+                  <a:schemeClr val="tx1"/>
+                </a:solidFill>
+                <a:latin typeface="+mn-lt"/>
+                <a:ea typeface="+mn-ea"/>
+                <a:cs typeface="+mn-cs"/>
+              </a:defRPr>
+            </a:lvl6pPr>
+            <a:lvl7pPr marL="2971800" indent="-228600" algn="l" defTabSz="914400" rtl="0" eaLnBrk="1" latinLnBrk="0" hangingPunct="1">
+              <a:lnSpc>
+                <a:spcPct val="90000"/>
+              </a:lnSpc>
+              <a:spcBef>
+                <a:spcPts val="500"/>
+              </a:spcBef>
+              <a:buFont typeface="Arial" panose="020B0604020202020204" pitchFamily="34" charset="0"/>
+              <a:buChar char="•"/>
+              <a:defRPr sz="1800" kern="1200">
+                <a:solidFill>
+                  <a:schemeClr val="tx1"/>
+                </a:solidFill>
+                <a:latin typeface="+mn-lt"/>
+                <a:ea typeface="+mn-ea"/>
+                <a:cs typeface="+mn-cs"/>
+              </a:defRPr>
+            </a:lvl7pPr>
+            <a:lvl8pPr marL="3429000" indent="-228600" algn="l" defTabSz="914400" rtl="0" eaLnBrk="1" latinLnBrk="0" hangingPunct="1">
+              <a:lnSpc>
+                <a:spcPct val="90000"/>
+              </a:lnSpc>
+              <a:spcBef>
+                <a:spcPts val="500"/>
+              </a:spcBef>
+              <a:buFont typeface="Arial" panose="020B0604020202020204" pitchFamily="34" charset="0"/>
+              <a:buChar char="•"/>
+              <a:defRPr sz="1800" kern="1200">
+                <a:solidFill>
+                  <a:schemeClr val="tx1"/>
+                </a:solidFill>
+                <a:latin typeface="+mn-lt"/>
+                <a:ea typeface="+mn-ea"/>
+                <a:cs typeface="+mn-cs"/>
+              </a:defRPr>
+            </a:lvl8pPr>
+            <a:lvl9pPr marL="3886200" indent="-228600" algn="l" defTabSz="914400" rtl="0" eaLnBrk="1" latinLnBrk="0" hangingPunct="1">
+              <a:lnSpc>
+                <a:spcPct val="90000"/>
+              </a:lnSpc>
+              <a:spcBef>
+                <a:spcPts val="500"/>
+              </a:spcBef>
+              <a:buFont typeface="Arial" panose="020B0604020202020204" pitchFamily="34" charset="0"/>
+              <a:buChar char="•"/>
+              <a:defRPr sz="1800" kern="1200">
+                <a:solidFill>
+                  <a:schemeClr val="tx1"/>
+                </a:solidFill>
+                <a:latin typeface="+mn-lt"/>
+                <a:ea typeface="+mn-ea"/>
+                <a:cs typeface="+mn-cs"/>
+              </a:defRPr>
+            </a:lvl9pPr>
+          </a:lstStyle>
+          <a:p>
+            <a:pPr marL="0" indent="0">
+              <a:buFont typeface="Arial" panose="020B0604020202020204" pitchFamily="34" charset="0"/>
+              <a:buNone/>
+            </a:pPr>
+            <a:r>
+              <a:rPr lang="en-US" altLang="en-US" sz="4400" dirty="0"/>
+              <a:t>Vanilla </a:t>
+            </a:r>
+            <a:r>
+              <a:rPr lang="en-US" altLang="en-US" sz="4400" dirty="0" err="1"/>
+              <a:t>javascript</a:t>
+            </a:r>
+            <a:r>
+              <a:rPr lang="en-US" altLang="en-US" sz="4400" dirty="0"/>
+              <a:t>?</a:t>
+            </a:r>
+            <a:endParaRPr lang="en-DK" sz="4400" dirty="0"/>
+          </a:p>
+        </p:txBody>
+      </p:sp>
+    </p:spTree>
+    <p:extLst>
+      <p:ext uri="{BB962C8B-B14F-4D97-AF65-F5344CB8AC3E}">
+        <p14:creationId xmlns:p14="http://schemas.microsoft.com/office/powerpoint/2010/main" val="1814103485"/>
+      </p:ext>
+    </p:extLst>
+  </p:cSld>
+  <p:clrMapOvr>
+    <a:masterClrMapping/>
+  </p:clrMapOvr>
+</p:sld>
+</file>
+
+<file path=ppt/slides/slide8.xml><?xml version="1.0" encoding="utf-8"?>
 <p:sld xmlns:a="http://schemas.openxmlformats.org/drawingml/2006/main" xmlns:r="http://schemas.openxmlformats.org/officeDocument/2006/relationships" xmlns:p="http://schemas.openxmlformats.org/presentationml/2006/main">
   <p:cSld>
     <p:spTree>
@@ -12237,7 +15256,7 @@
                 <a:buFontTx/>
                 <a:buNone/>
               </a:pPr>
-              <a:t>4</a:t>
+              <a:t>8</a:t>
             </a:fld>
             <a:endParaRPr lang="en-US" altLang="en-US" sz="1000">
               <a:solidFill>
@@ -12565,7 +15584,7 @@
 </p:sld>
 </file>
 
-<file path=ppt/slides/slide5.xml><?xml version="1.0" encoding="utf-8"?>
+<file path=ppt/slides/slide9.xml><?xml version="1.0" encoding="utf-8"?>
 <p:sld xmlns:a="http://schemas.openxmlformats.org/drawingml/2006/main" xmlns:r="http://schemas.openxmlformats.org/officeDocument/2006/relationships" xmlns:p="http://schemas.openxmlformats.org/presentationml/2006/main">
   <p:cSld>
     <p:spTree>
@@ -12749,36 +15768,16 @@
           </a:p>
           <a:p>
             <a:r>
+              <a:rPr lang="en-GB" dirty="0"/>
+              <a:t>Install </a:t>
+            </a:r>
+            <a:r>
               <a:rPr lang="en-GB" dirty="0" err="1"/>
-              <a:t>Forklar</a:t>
+              <a:t>Vscode</a:t>
             </a:r>
             <a:r>
               <a:rPr lang="en-GB" dirty="0"/>
-              <a:t> </a:t>
-            </a:r>
-            <a:r>
-              <a:rPr lang="en-GB" dirty="0" err="1"/>
-              <a:t>forskellene</a:t>
-            </a:r>
-            <a:r>
-              <a:rPr lang="en-GB" dirty="0"/>
-              <a:t> </a:t>
-            </a:r>
-            <a:r>
-              <a:rPr lang="en-GB" dirty="0" err="1"/>
-              <a:t>mellem</a:t>
-            </a:r>
-            <a:r>
-              <a:rPr lang="en-GB" dirty="0"/>
-              <a:t> VS Code </a:t>
-            </a:r>
-            <a:r>
-              <a:rPr lang="en-GB" dirty="0" err="1"/>
-              <a:t>og</a:t>
-            </a:r>
-            <a:r>
-              <a:rPr lang="en-GB" dirty="0"/>
-              <a:t> text editor</a:t>
+              <a:t> plugin Copilot (free)</a:t>
             </a:r>
           </a:p>
           <a:p>
@@ -12790,1213 +15789,6 @@
     <p:extLst>
       <p:ext uri="{BB962C8B-B14F-4D97-AF65-F5344CB8AC3E}">
         <p14:creationId xmlns:p14="http://schemas.microsoft.com/office/powerpoint/2010/main" val="2389308009"/>
-      </p:ext>
-    </p:extLst>
-  </p:cSld>
-  <p:clrMapOvr>
-    <a:masterClrMapping/>
-  </p:clrMapOvr>
-</p:sld>
-</file>
-
-<file path=ppt/slides/slide6.xml><?xml version="1.0" encoding="utf-8"?>
-<p:sld xmlns:a="http://schemas.openxmlformats.org/drawingml/2006/main" xmlns:r="http://schemas.openxmlformats.org/officeDocument/2006/relationships" xmlns:p="http://schemas.openxmlformats.org/presentationml/2006/main">
-  <p:cSld>
-    <p:spTree>
-      <p:nvGrpSpPr>
-        <p:cNvPr id="1" name=""/>
-        <p:cNvGrpSpPr/>
-        <p:nvPr/>
-      </p:nvGrpSpPr>
-      <p:grpSpPr>
-        <a:xfrm>
-          <a:off x="0" y="0"/>
-          <a:ext cx="0" cy="0"/>
-          <a:chOff x="0" y="0"/>
-          <a:chExt cx="0" cy="0"/>
-        </a:xfrm>
-      </p:grpSpPr>
-      <p:sp>
-        <p:nvSpPr>
-          <p:cNvPr id="2" name="Title 1">
-            <a:extLst>
-              <a:ext uri="{FF2B5EF4-FFF2-40B4-BE49-F238E27FC236}">
-                <a16:creationId xmlns:a16="http://schemas.microsoft.com/office/drawing/2014/main" id="{90BA13F8-530A-404B-AA5A-A9E03DE92DB2}"/>
-              </a:ext>
-            </a:extLst>
-          </p:cNvPr>
-          <p:cNvSpPr>
-            <a:spLocks noGrp="1"/>
-          </p:cNvSpPr>
-          <p:nvPr>
-            <p:ph type="title"/>
-          </p:nvPr>
-        </p:nvSpPr>
-        <p:spPr/>
-        <p:txBody>
-          <a:bodyPr/>
-          <a:lstStyle/>
-          <a:p>
-            <a:r>
-              <a:rPr lang="en-CA" dirty="0"/>
-              <a:t>Client-Side Scripting</a:t>
-            </a:r>
-          </a:p>
-        </p:txBody>
-      </p:sp>
-      <p:sp>
-        <p:nvSpPr>
-          <p:cNvPr id="3" name="Text Placeholder 2">
-            <a:extLst>
-              <a:ext uri="{FF2B5EF4-FFF2-40B4-BE49-F238E27FC236}">
-                <a16:creationId xmlns:a16="http://schemas.microsoft.com/office/drawing/2014/main" id="{BE503661-92BF-430C-B6DB-D7922F197A01}"/>
-              </a:ext>
-            </a:extLst>
-          </p:cNvPr>
-          <p:cNvSpPr>
-            <a:spLocks noGrp="1"/>
-          </p:cNvSpPr>
-          <p:nvPr>
-            <p:ph type="body" idx="1"/>
-          </p:nvPr>
-        </p:nvSpPr>
-        <p:spPr>
-          <a:xfrm>
-            <a:off x="609601" y="1441451"/>
-            <a:ext cx="4649972" cy="4709968"/>
-          </a:xfrm>
-        </p:spPr>
-        <p:txBody>
-          <a:bodyPr/>
-          <a:lstStyle/>
-          <a:p>
-            <a:r>
-              <a:rPr lang="en-GB" sz="2400" dirty="0" err="1"/>
-              <a:t>Klientside</a:t>
-            </a:r>
-            <a:r>
-              <a:rPr lang="en-GB" sz="2400" dirty="0"/>
-              <a:t> scripting </a:t>
-            </a:r>
-            <a:r>
-              <a:rPr lang="en-GB" sz="2400" dirty="0" err="1"/>
-              <a:t>refererer</a:t>
-            </a:r>
-            <a:r>
-              <a:rPr lang="en-GB" sz="2400" dirty="0"/>
-              <a:t> </a:t>
-            </a:r>
-            <a:r>
-              <a:rPr lang="en-GB" sz="2400" dirty="0" err="1"/>
-              <a:t>til</a:t>
-            </a:r>
-            <a:r>
-              <a:rPr lang="en-GB" sz="2400" dirty="0"/>
-              <a:t>, at </a:t>
-            </a:r>
-            <a:r>
-              <a:rPr lang="en-GB" sz="2400" dirty="0" err="1"/>
-              <a:t>klientmaskinen</a:t>
-            </a:r>
-            <a:r>
-              <a:rPr lang="en-GB" sz="2400" dirty="0"/>
-              <a:t> (</a:t>
-            </a:r>
-            <a:r>
-              <a:rPr lang="en-GB" sz="2400" dirty="0" err="1"/>
-              <a:t>dvs</a:t>
-            </a:r>
-            <a:r>
-              <a:rPr lang="en-GB" sz="2400" dirty="0"/>
-              <a:t>. </a:t>
-            </a:r>
-            <a:r>
-              <a:rPr lang="en-GB" sz="2400" dirty="0" err="1"/>
-              <a:t>browseren</a:t>
-            </a:r>
-            <a:r>
-              <a:rPr lang="en-GB" sz="2400" dirty="0"/>
-              <a:t>) </a:t>
-            </a:r>
-            <a:r>
-              <a:rPr lang="en-GB" sz="2400" dirty="0" err="1"/>
-              <a:t>kører</a:t>
-            </a:r>
-            <a:r>
-              <a:rPr lang="en-GB" sz="2400" dirty="0"/>
-              <a:t> </a:t>
-            </a:r>
-            <a:r>
-              <a:rPr lang="en-GB" sz="2400" dirty="0" err="1"/>
-              <a:t>kode</a:t>
-            </a:r>
-            <a:r>
-              <a:rPr lang="en-GB" sz="2400" dirty="0"/>
-              <a:t> </a:t>
-            </a:r>
-            <a:r>
-              <a:rPr lang="en-GB" sz="2400" dirty="0" err="1"/>
-              <a:t>lokalt</a:t>
-            </a:r>
-            <a:r>
-              <a:rPr lang="en-GB" sz="2400" dirty="0"/>
-              <a:t> </a:t>
-            </a:r>
-            <a:r>
-              <a:rPr lang="en-GB" sz="2400" dirty="0" err="1"/>
-              <a:t>i</a:t>
-            </a:r>
-            <a:r>
-              <a:rPr lang="en-GB" sz="2400" dirty="0"/>
-              <a:t> </a:t>
-            </a:r>
-            <a:r>
-              <a:rPr lang="en-GB" sz="2400" dirty="0" err="1"/>
-              <a:t>stedet</a:t>
-            </a:r>
-            <a:r>
-              <a:rPr lang="en-GB" sz="2400" dirty="0"/>
-              <a:t> for at stole </a:t>
-            </a:r>
-            <a:r>
-              <a:rPr lang="en-GB" sz="2400" dirty="0" err="1"/>
-              <a:t>på</a:t>
-            </a:r>
-            <a:r>
-              <a:rPr lang="en-GB" sz="2400" dirty="0"/>
-              <a:t> </a:t>
-            </a:r>
-            <a:r>
-              <a:rPr lang="en-GB" sz="2400" dirty="0" err="1"/>
-              <a:t>serveren</a:t>
-            </a:r>
-            <a:r>
-              <a:rPr lang="en-GB" sz="2400" dirty="0"/>
-              <a:t> </a:t>
-            </a:r>
-            <a:r>
-              <a:rPr lang="en-GB" sz="2400" dirty="0" err="1"/>
-              <a:t>til</a:t>
-            </a:r>
-            <a:r>
-              <a:rPr lang="en-GB" sz="2400" dirty="0"/>
-              <a:t> at </a:t>
-            </a:r>
-            <a:r>
-              <a:rPr lang="en-GB" sz="2400" dirty="0" err="1"/>
-              <a:t>udføre</a:t>
-            </a:r>
-            <a:r>
-              <a:rPr lang="en-GB" sz="2400" dirty="0"/>
-              <a:t> </a:t>
-            </a:r>
-            <a:r>
-              <a:rPr lang="en-GB" sz="2400" dirty="0" err="1"/>
-              <a:t>kode</a:t>
-            </a:r>
-            <a:r>
-              <a:rPr lang="en-GB" sz="2400" dirty="0"/>
-              <a:t> </a:t>
-            </a:r>
-            <a:r>
-              <a:rPr lang="en-GB" sz="2400" dirty="0" err="1"/>
-              <a:t>og</a:t>
-            </a:r>
-            <a:r>
-              <a:rPr lang="en-GB" sz="2400" dirty="0"/>
-              <a:t> </a:t>
-            </a:r>
-            <a:r>
-              <a:rPr lang="en-GB" sz="2400" dirty="0" err="1"/>
-              <a:t>returnere</a:t>
-            </a:r>
-            <a:r>
-              <a:rPr lang="en-GB" sz="2400" dirty="0"/>
-              <a:t> </a:t>
-            </a:r>
-            <a:r>
-              <a:rPr lang="en-GB" sz="2400" dirty="0" err="1"/>
-              <a:t>resultatet</a:t>
-            </a:r>
-            <a:r>
-              <a:rPr lang="en-GB" sz="2400" dirty="0"/>
-              <a:t>. </a:t>
-            </a:r>
-          </a:p>
-          <a:p>
-            <a:r>
-              <a:rPr lang="en-GB" sz="2400" dirty="0"/>
-              <a:t>En </a:t>
-            </a:r>
-            <a:r>
-              <a:rPr lang="en-GB" sz="2400" dirty="0" err="1"/>
-              <a:t>klientmaskine</a:t>
-            </a:r>
-            <a:r>
-              <a:rPr lang="en-GB" sz="2400" dirty="0"/>
-              <a:t> downloader </a:t>
-            </a:r>
-            <a:r>
-              <a:rPr lang="en-GB" sz="2400" dirty="0" err="1"/>
-              <a:t>og</a:t>
-            </a:r>
-            <a:r>
-              <a:rPr lang="en-GB" sz="2400" dirty="0"/>
-              <a:t> </a:t>
-            </a:r>
-            <a:r>
-              <a:rPr lang="en-GB" sz="2400" dirty="0" err="1"/>
-              <a:t>udfører</a:t>
-            </a:r>
-            <a:r>
-              <a:rPr lang="en-GB" sz="2400" dirty="0"/>
-              <a:t> JavaScript-</a:t>
-            </a:r>
-            <a:r>
-              <a:rPr lang="en-GB" sz="2400" dirty="0" err="1"/>
-              <a:t>kode</a:t>
-            </a:r>
-            <a:r>
-              <a:rPr lang="en-GB" sz="2400" dirty="0"/>
-              <a:t>.</a:t>
-            </a:r>
-          </a:p>
-        </p:txBody>
-      </p:sp>
-      <p:pic>
-        <p:nvPicPr>
-          <p:cNvPr id="5" name="Picture 4" descr="FIGURE 8.1 Downloading and executing a client-side JavaScript script">
-            <a:extLst>
-              <a:ext uri="{FF2B5EF4-FFF2-40B4-BE49-F238E27FC236}">
-                <a16:creationId xmlns:a16="http://schemas.microsoft.com/office/drawing/2014/main" id="{219B84E5-DB98-4A39-99A6-CEB6DF68BABD}"/>
-              </a:ext>
-            </a:extLst>
-          </p:cNvPr>
-          <p:cNvPicPr>
-            <a:picLocks noChangeAspect="1"/>
-          </p:cNvPicPr>
-          <p:nvPr/>
-        </p:nvPicPr>
-        <p:blipFill>
-          <a:blip r:embed="rId2"/>
-          <a:stretch>
-            <a:fillRect/>
-          </a:stretch>
-        </p:blipFill>
-        <p:spPr>
-          <a:xfrm>
-            <a:off x="5362869" y="1596145"/>
-            <a:ext cx="6219532" cy="4400579"/>
-          </a:xfrm>
-          <a:prstGeom prst="rect">
-            <a:avLst/>
-          </a:prstGeom>
-        </p:spPr>
-      </p:pic>
-    </p:spTree>
-    <p:extLst>
-      <p:ext uri="{BB962C8B-B14F-4D97-AF65-F5344CB8AC3E}">
-        <p14:creationId xmlns:p14="http://schemas.microsoft.com/office/powerpoint/2010/main" val="1768008242"/>
-      </p:ext>
-    </p:extLst>
-  </p:cSld>
-  <p:clrMapOvr>
-    <a:masterClrMapping/>
-  </p:clrMapOvr>
-</p:sld>
-</file>
-
-<file path=ppt/slides/slide7.xml><?xml version="1.0" encoding="utf-8"?>
-<p:sld xmlns:a="http://schemas.openxmlformats.org/drawingml/2006/main" xmlns:r="http://schemas.openxmlformats.org/officeDocument/2006/relationships" xmlns:p="http://schemas.openxmlformats.org/presentationml/2006/main">
-  <p:cSld>
-    <p:spTree>
-      <p:nvGrpSpPr>
-        <p:cNvPr id="1" name=""/>
-        <p:cNvGrpSpPr/>
-        <p:nvPr/>
-      </p:nvGrpSpPr>
-      <p:grpSpPr>
-        <a:xfrm>
-          <a:off x="0" y="0"/>
-          <a:ext cx="0" cy="0"/>
-          <a:chOff x="0" y="0"/>
-          <a:chExt cx="0" cy="0"/>
-        </a:xfrm>
-      </p:grpSpPr>
-      <p:sp>
-        <p:nvSpPr>
-          <p:cNvPr id="2" name="Title 1">
-            <a:extLst>
-              <a:ext uri="{FF2B5EF4-FFF2-40B4-BE49-F238E27FC236}">
-                <a16:creationId xmlns:a16="http://schemas.microsoft.com/office/drawing/2014/main" id="{90BA13F8-530A-404B-AA5A-A9E03DE92DB2}"/>
-              </a:ext>
-            </a:extLst>
-          </p:cNvPr>
-          <p:cNvSpPr>
-            <a:spLocks noGrp="1"/>
-          </p:cNvSpPr>
-          <p:nvPr>
-            <p:ph type="title"/>
-          </p:nvPr>
-        </p:nvSpPr>
-        <p:spPr/>
-        <p:txBody>
-          <a:bodyPr/>
-          <a:lstStyle/>
-          <a:p>
-            <a:r>
-              <a:rPr lang="en-GB" b="1" dirty="0" err="1">
-                <a:effectLst/>
-              </a:rPr>
-              <a:t>Fordele</a:t>
-            </a:r>
-            <a:r>
-              <a:rPr lang="en-GB" b="1" dirty="0">
-                <a:effectLst/>
-              </a:rPr>
-              <a:t> </a:t>
-            </a:r>
-            <a:r>
-              <a:rPr lang="en-GB" b="1" dirty="0" err="1">
-                <a:effectLst/>
-              </a:rPr>
-              <a:t>ved</a:t>
-            </a:r>
-            <a:r>
-              <a:rPr lang="en-GB" b="1" dirty="0">
-                <a:effectLst/>
-              </a:rPr>
-              <a:t> </a:t>
-            </a:r>
-            <a:r>
-              <a:rPr lang="en-GB" b="1" dirty="0" err="1">
-                <a:effectLst/>
-              </a:rPr>
-              <a:t>klientside</a:t>
-            </a:r>
-            <a:r>
-              <a:rPr lang="en-GB" b="1" dirty="0">
-                <a:effectLst/>
-              </a:rPr>
-              <a:t> scripting</a:t>
-            </a:r>
-            <a:r>
-              <a:rPr lang="en-GB" dirty="0"/>
-              <a:t>:</a:t>
-            </a:r>
-          </a:p>
-        </p:txBody>
-      </p:sp>
-      <p:sp>
-        <p:nvSpPr>
-          <p:cNvPr id="3" name="Text Placeholder 2">
-            <a:extLst>
-              <a:ext uri="{FF2B5EF4-FFF2-40B4-BE49-F238E27FC236}">
-                <a16:creationId xmlns:a16="http://schemas.microsoft.com/office/drawing/2014/main" id="{BE503661-92BF-430C-B6DB-D7922F197A01}"/>
-              </a:ext>
-            </a:extLst>
-          </p:cNvPr>
-          <p:cNvSpPr>
-            <a:spLocks noGrp="1"/>
-          </p:cNvSpPr>
-          <p:nvPr>
-            <p:ph type="body" idx="1"/>
-          </p:nvPr>
-        </p:nvSpPr>
-        <p:spPr>
-          <a:xfrm>
-            <a:off x="609600" y="1441451"/>
-            <a:ext cx="10972800" cy="4709968"/>
-          </a:xfrm>
-        </p:spPr>
-        <p:txBody>
-          <a:bodyPr/>
-          <a:lstStyle/>
-          <a:p>
-            <a:pPr algn="l"/>
-            <a:r>
-              <a:rPr lang="en-GB" sz="2400" dirty="0"/>
-              <a:t>JavaScript </a:t>
-            </a:r>
-            <a:r>
-              <a:rPr lang="en-GB" sz="2400" dirty="0" err="1"/>
-              <a:t>kan</a:t>
-            </a:r>
-            <a:r>
-              <a:rPr lang="en-GB" sz="2400" dirty="0"/>
-              <a:t> </a:t>
-            </a:r>
-            <a:r>
-              <a:rPr lang="en-GB" sz="2400" dirty="0" err="1"/>
-              <a:t>interagere</a:t>
-            </a:r>
-            <a:r>
-              <a:rPr lang="en-GB" sz="2400" dirty="0"/>
-              <a:t> med den </a:t>
-            </a:r>
-            <a:r>
-              <a:rPr lang="en-GB" sz="2400" dirty="0" err="1"/>
-              <a:t>downloadede</a:t>
-            </a:r>
-            <a:r>
-              <a:rPr lang="en-GB" sz="2400" dirty="0"/>
-              <a:t> HTML </a:t>
-            </a:r>
-            <a:r>
-              <a:rPr lang="en-GB" sz="2400" dirty="0" err="1"/>
-              <a:t>på</a:t>
-            </a:r>
-            <a:r>
-              <a:rPr lang="en-GB" sz="2400" dirty="0"/>
-              <a:t> </a:t>
-            </a:r>
-            <a:r>
-              <a:rPr lang="en-GB" sz="2400" dirty="0" err="1"/>
-              <a:t>en</a:t>
-            </a:r>
-            <a:r>
-              <a:rPr lang="en-GB" sz="2400" dirty="0"/>
-              <a:t> </a:t>
-            </a:r>
-            <a:r>
-              <a:rPr lang="en-GB" sz="2400" dirty="0" err="1"/>
-              <a:t>måde</a:t>
-            </a:r>
-            <a:r>
-              <a:rPr lang="en-GB" sz="2400" dirty="0"/>
-              <a:t>, </a:t>
-            </a:r>
-            <a:r>
-              <a:rPr lang="en-GB" sz="2400" dirty="0" err="1"/>
-              <a:t>som</a:t>
-            </a:r>
-            <a:r>
-              <a:rPr lang="en-GB" sz="2400" dirty="0"/>
-              <a:t> </a:t>
-            </a:r>
-            <a:r>
-              <a:rPr lang="en-GB" sz="2400" dirty="0" err="1"/>
-              <a:t>serveren</a:t>
-            </a:r>
-            <a:r>
-              <a:rPr lang="en-GB" sz="2400" dirty="0"/>
-              <a:t> </a:t>
-            </a:r>
-            <a:r>
-              <a:rPr lang="en-GB" sz="2400" dirty="0" err="1"/>
-              <a:t>ikke</a:t>
-            </a:r>
-            <a:r>
-              <a:rPr lang="en-GB" sz="2400" dirty="0"/>
-              <a:t> </a:t>
-            </a:r>
-            <a:r>
-              <a:rPr lang="en-GB" sz="2400" dirty="0" err="1"/>
-              <a:t>kan</a:t>
-            </a:r>
-            <a:r>
-              <a:rPr lang="en-GB" sz="2400" dirty="0"/>
-              <a:t>, </a:t>
-            </a:r>
-            <a:r>
-              <a:rPr lang="en-GB" sz="2400" dirty="0" err="1"/>
-              <a:t>hvilket</a:t>
-            </a:r>
-            <a:r>
-              <a:rPr lang="en-GB" sz="2400" dirty="0"/>
-              <a:t> </a:t>
-            </a:r>
-            <a:r>
-              <a:rPr lang="en-GB" sz="2400" dirty="0" err="1"/>
-              <a:t>skaber</a:t>
-            </a:r>
-            <a:r>
-              <a:rPr lang="en-GB" sz="2400" dirty="0"/>
-              <a:t> </a:t>
-            </a:r>
-            <a:r>
-              <a:rPr lang="en-GB" sz="2400" dirty="0" err="1"/>
-              <a:t>en</a:t>
-            </a:r>
-            <a:r>
-              <a:rPr lang="en-GB" sz="2400" dirty="0"/>
-              <a:t> </a:t>
-            </a:r>
-            <a:r>
-              <a:rPr lang="en-GB" sz="2400" dirty="0" err="1"/>
-              <a:t>brugeroplevelse</a:t>
-            </a:r>
-            <a:r>
-              <a:rPr lang="en-GB" sz="2400" dirty="0"/>
-              <a:t> mere </a:t>
-            </a:r>
-            <a:r>
-              <a:rPr lang="en-GB" sz="2400" dirty="0" err="1"/>
-              <a:t>som</a:t>
-            </a:r>
-            <a:r>
-              <a:rPr lang="en-GB" sz="2400" dirty="0"/>
-              <a:t> </a:t>
-            </a:r>
-            <a:r>
-              <a:rPr lang="en-GB" sz="2400" dirty="0" err="1"/>
-              <a:t>desktopsoftware</a:t>
-            </a:r>
-            <a:r>
-              <a:rPr lang="en-GB" sz="2400" dirty="0"/>
-              <a:t> end </a:t>
-            </a:r>
-            <a:r>
-              <a:rPr lang="en-GB" sz="2400" dirty="0" err="1"/>
-              <a:t>simpel</a:t>
-            </a:r>
-            <a:r>
-              <a:rPr lang="en-GB" sz="2400" dirty="0"/>
-              <a:t> HTML </a:t>
-            </a:r>
-            <a:r>
-              <a:rPr lang="en-GB" sz="2400" dirty="0" err="1"/>
-              <a:t>nogensinde</a:t>
-            </a:r>
-            <a:r>
-              <a:rPr lang="en-GB" sz="2400" dirty="0"/>
-              <a:t> </a:t>
-            </a:r>
-            <a:r>
-              <a:rPr lang="en-GB" sz="2400" dirty="0" err="1"/>
-              <a:t>kunne</a:t>
-            </a:r>
-            <a:r>
-              <a:rPr lang="en-GB" sz="2400" dirty="0"/>
-              <a:t>.</a:t>
-            </a:r>
-            <a:endParaRPr lang="en-CA" sz="2400" dirty="0">
-              <a:latin typeface="+mj-lt"/>
-            </a:endParaRPr>
-          </a:p>
-        </p:txBody>
-      </p:sp>
-    </p:spTree>
-    <p:extLst>
-      <p:ext uri="{BB962C8B-B14F-4D97-AF65-F5344CB8AC3E}">
-        <p14:creationId xmlns:p14="http://schemas.microsoft.com/office/powerpoint/2010/main" val="4034900051"/>
-      </p:ext>
-    </p:extLst>
-  </p:cSld>
-  <p:clrMapOvr>
-    <a:masterClrMapping/>
-  </p:clrMapOvr>
-</p:sld>
-</file>
-
-<file path=ppt/slides/slide8.xml><?xml version="1.0" encoding="utf-8"?>
-<p:sld xmlns:a="http://schemas.openxmlformats.org/drawingml/2006/main" xmlns:r="http://schemas.openxmlformats.org/officeDocument/2006/relationships" xmlns:p="http://schemas.openxmlformats.org/presentationml/2006/main">
-  <p:cSld>
-    <p:spTree>
-      <p:nvGrpSpPr>
-        <p:cNvPr id="1" name=""/>
-        <p:cNvGrpSpPr/>
-        <p:nvPr/>
-      </p:nvGrpSpPr>
-      <p:grpSpPr>
-        <a:xfrm>
-          <a:off x="0" y="0"/>
-          <a:ext cx="0" cy="0"/>
-          <a:chOff x="0" y="0"/>
-          <a:chExt cx="0" cy="0"/>
-        </a:xfrm>
-      </p:grpSpPr>
-      <p:sp>
-        <p:nvSpPr>
-          <p:cNvPr id="2" name="Title 1">
-            <a:extLst>
-              <a:ext uri="{FF2B5EF4-FFF2-40B4-BE49-F238E27FC236}">
-                <a16:creationId xmlns:a16="http://schemas.microsoft.com/office/drawing/2014/main" id="{90BA13F8-530A-404B-AA5A-A9E03DE92DB2}"/>
-              </a:ext>
-            </a:extLst>
-          </p:cNvPr>
-          <p:cNvSpPr>
-            <a:spLocks noGrp="1"/>
-          </p:cNvSpPr>
-          <p:nvPr>
-            <p:ph type="title"/>
-          </p:nvPr>
-        </p:nvSpPr>
-        <p:spPr/>
-        <p:txBody>
-          <a:bodyPr/>
-          <a:lstStyle/>
-          <a:p>
-            <a:r>
-              <a:rPr lang="da-DK" b="1" dirty="0">
-                <a:effectLst/>
-              </a:rPr>
-              <a:t>Ulemper ved klientside </a:t>
-            </a:r>
-            <a:r>
-              <a:rPr lang="da-DK" b="1" dirty="0" err="1">
-                <a:effectLst/>
-              </a:rPr>
-              <a:t>scripting</a:t>
-            </a:r>
-            <a:r>
-              <a:rPr lang="da-DK" dirty="0"/>
-              <a:t>:</a:t>
-            </a:r>
-          </a:p>
-        </p:txBody>
-      </p:sp>
-      <p:sp>
-        <p:nvSpPr>
-          <p:cNvPr id="3" name="Text Placeholder 2">
-            <a:extLst>
-              <a:ext uri="{FF2B5EF4-FFF2-40B4-BE49-F238E27FC236}">
-                <a16:creationId xmlns:a16="http://schemas.microsoft.com/office/drawing/2014/main" id="{BE503661-92BF-430C-B6DB-D7922F197A01}"/>
-              </a:ext>
-            </a:extLst>
-          </p:cNvPr>
-          <p:cNvSpPr>
-            <a:spLocks noGrp="1"/>
-          </p:cNvSpPr>
-          <p:nvPr>
-            <p:ph type="body" idx="1"/>
-          </p:nvPr>
-        </p:nvSpPr>
-        <p:spPr>
-          <a:xfrm>
-            <a:off x="609600" y="1441451"/>
-            <a:ext cx="10972800" cy="4709968"/>
-          </a:xfrm>
-        </p:spPr>
-        <p:txBody>
-          <a:bodyPr/>
-          <a:lstStyle/>
-          <a:p>
-            <a:pPr>
-              <a:spcAft>
-                <a:spcPts val="800"/>
-              </a:spcAft>
-              <a:buFont typeface="Arial" panose="020B0604020202020204" pitchFamily="34" charset="0"/>
-              <a:buChar char="•"/>
-            </a:pPr>
-            <a:r>
-              <a:rPr lang="da-DK" sz="2000" dirty="0">
-                <a:effectLst/>
-              </a:rPr>
-              <a:t>Der er ingen garanti for, at klienten har JavaScript aktiveret, hvilket betyder, at enhver nødvendig funktionalitet skal implementeres redundant på serveren.</a:t>
-            </a:r>
-          </a:p>
-          <a:p>
-            <a:pPr>
-              <a:spcAft>
-                <a:spcPts val="800"/>
-              </a:spcAft>
-              <a:buFont typeface="Arial" panose="020B0604020202020204" pitchFamily="34" charset="0"/>
-              <a:buChar char="•"/>
-            </a:pPr>
-            <a:r>
-              <a:rPr lang="da-DK" sz="2000" dirty="0">
-                <a:effectLst/>
-              </a:rPr>
-              <a:t>JavaScript-tunge webapplikationer kan være komplicerede at fejlfinde og vedligeholde.</a:t>
-            </a:r>
-          </a:p>
-          <a:p>
-            <a:pPr>
-              <a:spcAft>
-                <a:spcPts val="800"/>
-              </a:spcAft>
-              <a:buFont typeface="Arial" panose="020B0604020202020204" pitchFamily="34" charset="0"/>
-              <a:buChar char="•"/>
-            </a:pPr>
-            <a:r>
-              <a:rPr lang="da-DK" sz="2000" dirty="0">
-                <a:effectLst/>
-              </a:rPr>
-              <a:t>JavaScript er ikke fejltolerant. Browsere kan håndtere ugyldig HTML eller CSS, men hvis din side har ugyldig JavaScript, vil den simpelthen </a:t>
-            </a:r>
-            <a:r>
-              <a:rPr lang="da-DK" sz="2000" dirty="0">
-                <a:solidFill>
-                  <a:srgbClr val="FF0000"/>
-                </a:solidFill>
-                <a:effectLst/>
-              </a:rPr>
-              <a:t>stoppe</a:t>
-            </a:r>
-            <a:r>
-              <a:rPr lang="da-DK" sz="2000" dirty="0">
-                <a:effectLst/>
-              </a:rPr>
-              <a:t> udførelsen ved den ugyldige linje.</a:t>
-            </a:r>
-          </a:p>
-          <a:p>
-            <a:pPr>
-              <a:spcAft>
-                <a:spcPts val="800"/>
-              </a:spcAft>
-              <a:buFont typeface="Arial" panose="020B0604020202020204" pitchFamily="34" charset="0"/>
-              <a:buChar char="•"/>
-            </a:pPr>
-            <a:r>
-              <a:rPr lang="da-DK" sz="2000" dirty="0">
-                <a:effectLst/>
-              </a:rPr>
-              <a:t>Mens JavaScript er universelt understøttet i alle moderne browsere, udvides sproget (og dets </a:t>
-            </a:r>
-            <a:r>
-              <a:rPr lang="da-DK" sz="2000" dirty="0" err="1">
-                <a:effectLst/>
-              </a:rPr>
-              <a:t>API'er</a:t>
-            </a:r>
-            <a:r>
-              <a:rPr lang="da-DK" sz="2000" dirty="0">
-                <a:effectLst/>
-              </a:rPr>
-              <a:t>) kontinuerligt. Nyere funktioner i sproget understøttes muligvis ikke i alle browsere.</a:t>
-            </a:r>
-          </a:p>
-          <a:p>
-            <a:pPr marL="152396" indent="0">
-              <a:buNone/>
-            </a:pPr>
-            <a:endParaRPr lang="da-DK" sz="2000" dirty="0"/>
-          </a:p>
-        </p:txBody>
-      </p:sp>
-    </p:spTree>
-    <p:extLst>
-      <p:ext uri="{BB962C8B-B14F-4D97-AF65-F5344CB8AC3E}">
-        <p14:creationId xmlns:p14="http://schemas.microsoft.com/office/powerpoint/2010/main" val="3414896922"/>
-      </p:ext>
-    </p:extLst>
-  </p:cSld>
-  <p:clrMapOvr>
-    <a:masterClrMapping/>
-  </p:clrMapOvr>
-</p:sld>
-</file>
-
-<file path=ppt/slides/slide9.xml><?xml version="1.0" encoding="utf-8"?>
-<p:sld xmlns:a="http://schemas.openxmlformats.org/drawingml/2006/main" xmlns:r="http://schemas.openxmlformats.org/officeDocument/2006/relationships" xmlns:p="http://schemas.openxmlformats.org/presentationml/2006/main">
-  <p:cSld>
-    <p:spTree>
-      <p:nvGrpSpPr>
-        <p:cNvPr id="1" name=""/>
-        <p:cNvGrpSpPr/>
-        <p:nvPr/>
-      </p:nvGrpSpPr>
-      <p:grpSpPr>
-        <a:xfrm>
-          <a:off x="0" y="0"/>
-          <a:ext cx="0" cy="0"/>
-          <a:chOff x="0" y="0"/>
-          <a:chExt cx="0" cy="0"/>
-        </a:xfrm>
-      </p:grpSpPr>
-      <p:sp>
-        <p:nvSpPr>
-          <p:cNvPr id="2" name="Title 1">
-            <a:extLst>
-              <a:ext uri="{FF2B5EF4-FFF2-40B4-BE49-F238E27FC236}">
-                <a16:creationId xmlns:a16="http://schemas.microsoft.com/office/drawing/2014/main" id="{83F89270-9588-43BB-B888-F281F6C8C00F}"/>
-              </a:ext>
-            </a:extLst>
-          </p:cNvPr>
-          <p:cNvSpPr>
-            <a:spLocks noGrp="1"/>
-          </p:cNvSpPr>
-          <p:nvPr>
-            <p:ph type="title"/>
-          </p:nvPr>
-        </p:nvSpPr>
-        <p:spPr/>
-        <p:txBody>
-          <a:bodyPr/>
-          <a:lstStyle/>
-          <a:p>
-            <a:r>
-              <a:rPr lang="en-GB" dirty="0" err="1"/>
-              <a:t>JavaScripts</a:t>
-            </a:r>
-            <a:r>
-              <a:rPr lang="en-GB" dirty="0"/>
-              <a:t> </a:t>
-            </a:r>
-            <a:r>
-              <a:rPr lang="en-GB" dirty="0" err="1"/>
-              <a:t>Historie</a:t>
-            </a:r>
-            <a:endParaRPr lang="en-GB" dirty="0"/>
-          </a:p>
-        </p:txBody>
-      </p:sp>
-      <p:sp>
-        <p:nvSpPr>
-          <p:cNvPr id="3" name="Text Placeholder 2">
-            <a:extLst>
-              <a:ext uri="{FF2B5EF4-FFF2-40B4-BE49-F238E27FC236}">
-                <a16:creationId xmlns:a16="http://schemas.microsoft.com/office/drawing/2014/main" id="{1520F2A2-C17A-4EC2-98B3-A966542AFC4E}"/>
-              </a:ext>
-            </a:extLst>
-          </p:cNvPr>
-          <p:cNvSpPr>
-            <a:spLocks noGrp="1"/>
-          </p:cNvSpPr>
-          <p:nvPr>
-            <p:ph type="body" idx="1"/>
-          </p:nvPr>
-        </p:nvSpPr>
-        <p:spPr/>
-        <p:txBody>
-          <a:bodyPr/>
-          <a:lstStyle/>
-          <a:p>
-            <a:pPr marL="608965" indent="-456565"/>
-            <a:r>
-              <a:rPr lang="en-GB" sz="2400" dirty="0"/>
-              <a:t>JavaScript </a:t>
-            </a:r>
-            <a:r>
-              <a:rPr lang="en-GB" sz="2400" dirty="0" err="1"/>
-              <a:t>blev</a:t>
-            </a:r>
-            <a:r>
-              <a:rPr lang="en-GB" sz="2400" dirty="0"/>
-              <a:t> </a:t>
-            </a:r>
-            <a:r>
-              <a:rPr lang="en-GB" sz="2400" dirty="0" err="1"/>
-              <a:t>introduceret</a:t>
-            </a:r>
-            <a:r>
-              <a:rPr lang="en-GB" sz="2400" dirty="0"/>
-              <a:t> </a:t>
-            </a:r>
-            <a:r>
-              <a:rPr lang="en-GB" sz="2400" dirty="0" err="1"/>
-              <a:t>af</a:t>
-            </a:r>
-            <a:r>
-              <a:rPr lang="en-GB" sz="2400" dirty="0"/>
-              <a:t> Netscape </a:t>
-            </a:r>
-            <a:r>
-              <a:rPr lang="en-GB" sz="2400" dirty="0" err="1"/>
-              <a:t>i</a:t>
-            </a:r>
-            <a:r>
-              <a:rPr lang="en-GB" sz="2400" dirty="0"/>
-              <a:t> </a:t>
-            </a:r>
-            <a:r>
-              <a:rPr lang="en-GB" sz="2400" dirty="0" err="1"/>
-              <a:t>deres</a:t>
-            </a:r>
-            <a:r>
-              <a:rPr lang="en-GB" sz="2400" dirty="0"/>
-              <a:t> Navigator-browser </a:t>
-            </a:r>
-            <a:r>
-              <a:rPr lang="en-GB" sz="2400" dirty="0" err="1"/>
-              <a:t>tilbage</a:t>
-            </a:r>
-            <a:r>
-              <a:rPr lang="en-GB" sz="2400" dirty="0"/>
-              <a:t> </a:t>
-            </a:r>
-            <a:r>
-              <a:rPr lang="en-GB" sz="2400" dirty="0" err="1"/>
-              <a:t>i</a:t>
-            </a:r>
-            <a:r>
-              <a:rPr lang="en-GB" sz="2400" dirty="0"/>
-              <a:t> 1996. </a:t>
-            </a:r>
-            <a:endParaRPr lang="en-US"/>
-          </a:p>
-          <a:p>
-            <a:pPr marL="608965" indent="-456565"/>
-            <a:r>
-              <a:rPr lang="en-GB" sz="2400" dirty="0"/>
-              <a:t>Netscape </a:t>
-            </a:r>
-            <a:r>
-              <a:rPr lang="en-GB" sz="2400" dirty="0" err="1"/>
-              <a:t>indsendte</a:t>
-            </a:r>
-            <a:r>
-              <a:rPr lang="en-GB" sz="2400" dirty="0"/>
-              <a:t> JavaScript </a:t>
-            </a:r>
-            <a:r>
-              <a:rPr lang="en-GB" sz="2400" dirty="0" err="1"/>
-              <a:t>til</a:t>
-            </a:r>
-            <a:r>
-              <a:rPr lang="en-GB" sz="2400" dirty="0"/>
-              <a:t> </a:t>
-            </a:r>
-            <a:r>
-              <a:rPr lang="en-GB" sz="2400" dirty="0" err="1"/>
-              <a:t>Ecma</a:t>
-            </a:r>
-            <a:r>
-              <a:rPr lang="en-GB" sz="2400" dirty="0"/>
-              <a:t> International </a:t>
-            </a:r>
-            <a:r>
-              <a:rPr lang="en-GB" sz="2400" dirty="0" err="1"/>
-              <a:t>i</a:t>
-            </a:r>
-            <a:r>
-              <a:rPr lang="en-GB" sz="2400" dirty="0"/>
-              <a:t> 1997, ECMAScript er </a:t>
-            </a:r>
-            <a:r>
-              <a:rPr lang="en-GB" sz="2400" dirty="0" err="1"/>
-              <a:t>samtidig</a:t>
-            </a:r>
-            <a:r>
-              <a:rPr lang="en-GB" sz="2400" dirty="0"/>
-              <a:t> </a:t>
-            </a:r>
-            <a:r>
-              <a:rPr lang="en-GB" sz="2400" dirty="0" err="1"/>
-              <a:t>en</a:t>
-            </a:r>
-            <a:r>
-              <a:rPr lang="en-GB" sz="2400" dirty="0"/>
-              <a:t> over- </a:t>
-            </a:r>
-            <a:r>
-              <a:rPr lang="en-GB" sz="2400" dirty="0" err="1"/>
-              <a:t>og</a:t>
-            </a:r>
-            <a:r>
-              <a:rPr lang="en-GB" sz="2400" dirty="0"/>
-              <a:t> </a:t>
-            </a:r>
-            <a:r>
-              <a:rPr lang="en-GB" sz="2400" dirty="0" err="1"/>
-              <a:t>undergruppe</a:t>
-            </a:r>
-            <a:r>
-              <a:rPr lang="en-GB" sz="2400" dirty="0"/>
-              <a:t> </a:t>
-            </a:r>
-            <a:r>
-              <a:rPr lang="en-GB" sz="2400" dirty="0" err="1"/>
-              <a:t>af</a:t>
-            </a:r>
-            <a:r>
-              <a:rPr lang="en-GB" sz="2400" dirty="0"/>
-              <a:t> JavaScript-</a:t>
-            </a:r>
-            <a:r>
-              <a:rPr lang="en-GB" sz="2400" dirty="0" err="1"/>
-              <a:t>programmeringssproget</a:t>
-            </a:r>
-            <a:r>
-              <a:rPr lang="en-GB" sz="2400" dirty="0"/>
-              <a:t>. </a:t>
-            </a:r>
-          </a:p>
-          <a:p>
-            <a:pPr marL="608965" indent="-456565"/>
-            <a:r>
-              <a:rPr lang="en-GB" sz="2400" dirty="0"/>
-              <a:t>Den </a:t>
-            </a:r>
-            <a:r>
-              <a:rPr lang="en-GB" sz="2400" dirty="0" err="1"/>
-              <a:t>sjette</a:t>
-            </a:r>
-            <a:r>
-              <a:rPr lang="en-GB" sz="2400" dirty="0"/>
-              <a:t> </a:t>
-            </a:r>
-            <a:r>
-              <a:rPr lang="en-GB" sz="2400" dirty="0" err="1"/>
-              <a:t>udgave</a:t>
-            </a:r>
-            <a:r>
-              <a:rPr lang="en-GB" sz="2400" dirty="0"/>
-              <a:t> (</a:t>
-            </a:r>
-            <a:r>
-              <a:rPr lang="en-GB" sz="2400" dirty="0" err="1"/>
-              <a:t>eller</a:t>
-            </a:r>
-            <a:r>
-              <a:rPr lang="en-GB" sz="2400" dirty="0"/>
-              <a:t> ES6) var den, der </a:t>
-            </a:r>
-            <a:r>
-              <a:rPr lang="en-GB" sz="2400" dirty="0" err="1"/>
-              <a:t>introducerede</a:t>
-            </a:r>
-            <a:r>
-              <a:rPr lang="en-GB" sz="2400" dirty="0"/>
-              <a:t> mange </a:t>
-            </a:r>
-            <a:r>
-              <a:rPr lang="en-GB" sz="2400" dirty="0" err="1"/>
-              <a:t>bemærkelsesværdige</a:t>
-            </a:r>
-            <a:r>
-              <a:rPr lang="en-GB" sz="2400" dirty="0"/>
-              <a:t> nye </a:t>
-            </a:r>
-            <a:r>
-              <a:rPr lang="en-GB" sz="2400" dirty="0" err="1"/>
-              <a:t>tilføjelser</a:t>
-            </a:r>
-            <a:r>
-              <a:rPr lang="en-GB" sz="2400" dirty="0"/>
-              <a:t> </a:t>
-            </a:r>
-            <a:r>
-              <a:rPr lang="en-GB" sz="2400" dirty="0" err="1"/>
-              <a:t>til</a:t>
-            </a:r>
-            <a:r>
-              <a:rPr lang="en-GB" sz="2400" dirty="0"/>
-              <a:t> </a:t>
-            </a:r>
-            <a:r>
-              <a:rPr lang="en-GB" sz="2400" dirty="0" err="1"/>
-              <a:t>sproget</a:t>
-            </a:r>
-            <a:r>
-              <a:rPr lang="en-GB" sz="2400" dirty="0"/>
-              <a:t> (</a:t>
-            </a:r>
-            <a:r>
-              <a:rPr lang="en-GB" sz="2400" dirty="0" err="1"/>
-              <a:t>såsom</a:t>
-            </a:r>
-            <a:r>
-              <a:rPr lang="en-GB" sz="2400" dirty="0"/>
-              <a:t> </a:t>
-            </a:r>
-            <a:r>
-              <a:rPr lang="en-GB" sz="2400" dirty="0" err="1"/>
-              <a:t>klasser</a:t>
-            </a:r>
-            <a:r>
-              <a:rPr lang="en-GB" sz="2400" dirty="0"/>
-              <a:t>, </a:t>
-            </a:r>
-            <a:r>
-              <a:rPr lang="en-GB" sz="2400" dirty="0" err="1"/>
-              <a:t>iteratorer</a:t>
-            </a:r>
-            <a:r>
-              <a:rPr lang="en-GB" sz="2400" dirty="0"/>
-              <a:t>, </a:t>
-            </a:r>
-            <a:r>
-              <a:rPr lang="en-GB" sz="2400" dirty="0" err="1"/>
-              <a:t>pilfunktioner</a:t>
-            </a:r>
-            <a:r>
-              <a:rPr lang="en-GB" sz="2400" dirty="0"/>
-              <a:t> </a:t>
-            </a:r>
-            <a:r>
-              <a:rPr lang="en-GB" sz="2400" dirty="0" err="1"/>
-              <a:t>og</a:t>
-            </a:r>
-            <a:r>
-              <a:rPr lang="en-GB" sz="2400" dirty="0"/>
-              <a:t> </a:t>
-            </a:r>
-            <a:r>
-              <a:rPr lang="en-GB" sz="2400" dirty="0" err="1"/>
-              <a:t>løfter</a:t>
-            </a:r>
-            <a:r>
-              <a:rPr lang="en-GB" sz="2400" dirty="0"/>
-              <a:t>). </a:t>
-            </a:r>
-          </a:p>
-          <a:p>
-            <a:pPr marL="608965" indent="-456565"/>
-            <a:r>
-              <a:rPr lang="en-GB" sz="2400" dirty="0"/>
-              <a:t>Den </a:t>
-            </a:r>
-            <a:r>
-              <a:rPr lang="en-GB" sz="2400" dirty="0" err="1"/>
-              <a:t>nyeste</a:t>
-            </a:r>
-            <a:r>
-              <a:rPr lang="en-GB" sz="2400" dirty="0"/>
-              <a:t> version </a:t>
-            </a:r>
-            <a:r>
-              <a:rPr lang="en-GB" sz="2400" dirty="0" err="1"/>
-              <a:t>af</a:t>
-            </a:r>
-            <a:r>
-              <a:rPr lang="en-GB" sz="2400" dirty="0"/>
-              <a:t> ECMAScript </a:t>
-            </a:r>
-            <a:r>
-              <a:rPr lang="en-GB" sz="2400" b="1" dirty="0" err="1">
-                <a:solidFill>
-                  <a:srgbClr val="0E0E0E"/>
-                </a:solidFill>
-                <a:effectLst/>
-                <a:latin typeface=".AppleSystemUIFont"/>
-              </a:rPr>
-              <a:t>ECMAScript</a:t>
-            </a:r>
-            <a:r>
-              <a:rPr lang="en-GB" sz="2400" b="1" dirty="0">
-                <a:solidFill>
-                  <a:srgbClr val="0E0E0E"/>
-                </a:solidFill>
-                <a:effectLst/>
-                <a:latin typeface=".AppleSystemUIFont"/>
-              </a:rPr>
-              <a:t> </a:t>
-            </a:r>
-            <a:r>
-              <a:rPr lang="en-GB" sz="2400" b="1" dirty="0">
-                <a:solidFill>
-                  <a:srgbClr val="0E0E0E"/>
-                </a:solidFill>
-                <a:latin typeface=".AppleSystemUIFont"/>
-              </a:rPr>
-              <a:t>2024</a:t>
-            </a:r>
-            <a:r>
-              <a:rPr lang="en-GB" sz="2400" b="1" dirty="0">
-                <a:solidFill>
-                  <a:srgbClr val="0E0E0E"/>
-                </a:solidFill>
-                <a:effectLst/>
-                <a:latin typeface=".AppleSystemUIFont"/>
-              </a:rPr>
-              <a:t> </a:t>
-            </a:r>
-            <a:endParaRPr lang="en-GB" sz="2400" b="1" dirty="0">
-              <a:solidFill>
-                <a:srgbClr val="0E0E0E"/>
-              </a:solidFill>
-              <a:latin typeface=".AppleSystemUIFont"/>
-            </a:endParaRPr>
-          </a:p>
-        </p:txBody>
-      </p:sp>
-    </p:spTree>
-    <p:extLst>
-      <p:ext uri="{BB962C8B-B14F-4D97-AF65-F5344CB8AC3E}">
-        <p14:creationId xmlns:p14="http://schemas.microsoft.com/office/powerpoint/2010/main" val="871279458"/>
       </p:ext>
     </p:extLst>
   </p:cSld>
@@ -14637,6 +16429,15 @@
 </file>
 
 <file path=customXml/item1.xml><?xml version="1.0" encoding="utf-8"?>
+<?mso-contentType ?>
+<FormTemplates xmlns="http://schemas.microsoft.com/sharepoint/v3/contenttype/forms">
+  <Display>DocumentLibraryForm</Display>
+  <Edit>DocumentLibraryForm</Edit>
+  <New>DocumentLibraryForm</New>
+</FormTemplates>
+</file>
+
+<file path=customXml/item2.xml><?xml version="1.0" encoding="utf-8"?>
 <ct:contentTypeSchema xmlns:ct="http://schemas.microsoft.com/office/2006/metadata/contentType" xmlns:ma="http://schemas.microsoft.com/office/2006/metadata/properties/metaAttributes" ct:_="" ma:_="" ma:contentTypeName="Document" ma:contentTypeID="0x010100AAD9EE7FF432E94D9BB858C90A6A0E8A" ma:contentTypeVersion="12" ma:contentTypeDescription="Create a new document." ma:contentTypeScope="" ma:versionID="9c4e654fd01cdf2a13b9a23dc9bb7c28">
   <xsd:schema xmlns:xsd="http://www.w3.org/2001/XMLSchema" xmlns:xs="http://www.w3.org/2001/XMLSchema" xmlns:p="http://schemas.microsoft.com/office/2006/metadata/properties" xmlns:ns2="ec126e83-0491-4b46-81a3-240225fc1988" xmlns:ns3="25eae86a-633e-4d13-980a-a3432448f981" targetNamespace="http://schemas.microsoft.com/office/2006/metadata/properties" ma:root="true" ma:fieldsID="9abc214a4c3d3645184ddef4aaa92ef7" ns2:_="" ns3:_="">
     <xsd:import namespace="ec126e83-0491-4b46-81a3-240225fc1988"/>
@@ -14837,15 +16638,6 @@
 </ct:contentTypeSchema>
 </file>
 
-<file path=customXml/item2.xml><?xml version="1.0" encoding="utf-8"?>
-<?mso-contentType ?>
-<FormTemplates xmlns="http://schemas.microsoft.com/sharepoint/v3/contenttype/forms">
-  <Display>DocumentLibraryForm</Display>
-  <Edit>DocumentLibraryForm</Edit>
-  <New>DocumentLibraryForm</New>
-</FormTemplates>
-</file>
-
 <file path=customXml/item3.xml><?xml version="1.0" encoding="utf-8"?>
 <p:properties xmlns:p="http://schemas.microsoft.com/office/2006/metadata/properties" xmlns:xsi="http://www.w3.org/2001/XMLSchema-instance" xmlns:pc="http://schemas.microsoft.com/office/infopath/2007/PartnerControls">
   <documentManagement>
@@ -14858,6 +16650,14 @@
 </file>
 
 <file path=customXml/itemProps1.xml><?xml version="1.0" encoding="utf-8"?>
+<ds:datastoreItem xmlns:ds="http://schemas.openxmlformats.org/officeDocument/2006/customXml" ds:itemID="{8EC0EAE0-9238-4913-BBB6-CA3585A1D625}">
+  <ds:schemaRefs>
+    <ds:schemaRef ds:uri="http://schemas.microsoft.com/sharepoint/v3/contenttype/forms"/>
+  </ds:schemaRefs>
+</ds:datastoreItem>
+</file>
+
+<file path=customXml/itemProps2.xml><?xml version="1.0" encoding="utf-8"?>
 <ds:datastoreItem xmlns:ds="http://schemas.openxmlformats.org/officeDocument/2006/customXml" ds:itemID="{AE29A523-8F43-43CA-9271-0EE1CF4817B2}">
   <ds:schemaRefs>
     <ds:schemaRef ds:uri="http://schemas.microsoft.com/office/2006/metadata/contentType"/>
@@ -14876,14 +16676,6 @@
 </ds:datastoreItem>
 </file>
 
-<file path=customXml/itemProps2.xml><?xml version="1.0" encoding="utf-8"?>
-<ds:datastoreItem xmlns:ds="http://schemas.openxmlformats.org/officeDocument/2006/customXml" ds:itemID="{8EC0EAE0-9238-4913-BBB6-CA3585A1D625}">
-  <ds:schemaRefs>
-    <ds:schemaRef ds:uri="http://schemas.microsoft.com/sharepoint/v3/contenttype/forms"/>
-  </ds:schemaRefs>
-</ds:datastoreItem>
-</file>
-
 <file path=customXml/itemProps3.xml><?xml version="1.0" encoding="utf-8"?>
 <ds:datastoreItem xmlns:ds="http://schemas.openxmlformats.org/officeDocument/2006/customXml" ds:itemID="{0AB2093C-504F-4C4C-A2F2-CC4CAB623C30}">
   <ds:schemaRefs>

--- a/semester2 PPT/Uge8_JSDay1.pptx
+++ b/semester2 PPT/Uge8_JSDay1.pptx
@@ -286,7 +286,7 @@
           <a:p>
             <a:fld id="{09F1C6DF-EAC0-AF42-A5C7-6981AEB4EA82}" type="datetimeFigureOut">
               <a:rPr lang="en-DK" smtClean="0"/>
-              <a:t>03/02/2025</a:t>
+              <a:t>06/02/2025</a:t>
             </a:fld>
             <a:endParaRPr lang="en-DK"/>
           </a:p>
@@ -1833,7 +1833,7 @@
           <a:p>
             <a:fld id="{FE48D42D-A7D3-854B-8B41-8FACF9AD153C}" type="datetimeFigureOut">
               <a:rPr lang="en-DK" smtClean="0"/>
-              <a:t>03/02/2025</a:t>
+              <a:t>06/02/2025</a:t>
             </a:fld>
             <a:endParaRPr lang="en-DK"/>
           </a:p>
@@ -2033,7 +2033,7 @@
           <a:p>
             <a:fld id="{FE48D42D-A7D3-854B-8B41-8FACF9AD153C}" type="datetimeFigureOut">
               <a:rPr lang="en-DK" smtClean="0"/>
-              <a:t>03/02/2025</a:t>
+              <a:t>06/02/2025</a:t>
             </a:fld>
             <a:endParaRPr lang="en-DK"/>
           </a:p>
@@ -2243,7 +2243,7 @@
           <a:p>
             <a:fld id="{FE48D42D-A7D3-854B-8B41-8FACF9AD153C}" type="datetimeFigureOut">
               <a:rPr lang="en-DK" smtClean="0"/>
-              <a:t>03/02/2025</a:t>
+              <a:t>06/02/2025</a:t>
             </a:fld>
             <a:endParaRPr lang="en-DK"/>
           </a:p>
@@ -6277,7 +6277,7 @@
           <a:p>
             <a:fld id="{FE48D42D-A7D3-854B-8B41-8FACF9AD153C}" type="datetimeFigureOut">
               <a:rPr lang="en-DK" smtClean="0"/>
-              <a:t>03/02/2025</a:t>
+              <a:t>06/02/2025</a:t>
             </a:fld>
             <a:endParaRPr lang="en-DK"/>
           </a:p>
@@ -6553,7 +6553,7 @@
           <a:p>
             <a:fld id="{FE48D42D-A7D3-854B-8B41-8FACF9AD153C}" type="datetimeFigureOut">
               <a:rPr lang="en-DK" smtClean="0"/>
-              <a:t>03/02/2025</a:t>
+              <a:t>06/02/2025</a:t>
             </a:fld>
             <a:endParaRPr lang="en-DK"/>
           </a:p>
@@ -6821,7 +6821,7 @@
           <a:p>
             <a:fld id="{FE48D42D-A7D3-854B-8B41-8FACF9AD153C}" type="datetimeFigureOut">
               <a:rPr lang="en-DK" smtClean="0"/>
-              <a:t>03/02/2025</a:t>
+              <a:t>06/02/2025</a:t>
             </a:fld>
             <a:endParaRPr lang="en-DK"/>
           </a:p>
@@ -7236,7 +7236,7 @@
           <a:p>
             <a:fld id="{FE48D42D-A7D3-854B-8B41-8FACF9AD153C}" type="datetimeFigureOut">
               <a:rPr lang="en-DK" smtClean="0"/>
-              <a:t>03/02/2025</a:t>
+              <a:t>06/02/2025</a:t>
             </a:fld>
             <a:endParaRPr lang="en-DK"/>
           </a:p>
@@ -7378,7 +7378,7 @@
           <a:p>
             <a:fld id="{FE48D42D-A7D3-854B-8B41-8FACF9AD153C}" type="datetimeFigureOut">
               <a:rPr lang="en-DK" smtClean="0"/>
-              <a:t>03/02/2025</a:t>
+              <a:t>06/02/2025</a:t>
             </a:fld>
             <a:endParaRPr lang="en-DK"/>
           </a:p>
@@ -7491,7 +7491,7 @@
           <a:p>
             <a:fld id="{FE48D42D-A7D3-854B-8B41-8FACF9AD153C}" type="datetimeFigureOut">
               <a:rPr lang="en-DK" smtClean="0"/>
-              <a:t>03/02/2025</a:t>
+              <a:t>06/02/2025</a:t>
             </a:fld>
             <a:endParaRPr lang="en-DK"/>
           </a:p>
@@ -7804,7 +7804,7 @@
           <a:p>
             <a:fld id="{FE48D42D-A7D3-854B-8B41-8FACF9AD153C}" type="datetimeFigureOut">
               <a:rPr lang="en-DK" smtClean="0"/>
-              <a:t>03/02/2025</a:t>
+              <a:t>06/02/2025</a:t>
             </a:fld>
             <a:endParaRPr lang="en-DK"/>
           </a:p>
@@ -8093,7 +8093,7 @@
           <a:p>
             <a:fld id="{FE48D42D-A7D3-854B-8B41-8FACF9AD153C}" type="datetimeFigureOut">
               <a:rPr lang="en-DK" smtClean="0"/>
-              <a:t>03/02/2025</a:t>
+              <a:t>06/02/2025</a:t>
             </a:fld>
             <a:endParaRPr lang="en-DK"/>
           </a:p>
@@ -8336,7 +8336,7 @@
           <a:p>
             <a:fld id="{FE48D42D-A7D3-854B-8B41-8FACF9AD153C}" type="datetimeFigureOut">
               <a:rPr lang="en-DK" smtClean="0"/>
-              <a:t>03/02/2025</a:t>
+              <a:t>06/02/2025</a:t>
             </a:fld>
             <a:endParaRPr lang="en-DK"/>
           </a:p>
@@ -13830,7 +13830,7 @@
             </a:pPr>
             <a:r>
               <a:rPr lang="en-US" altLang="en-US" sz="4400" dirty="0"/>
-              <a:t>WEB eco system and language</a:t>
+              <a:t>Frontend and backend language</a:t>
             </a:r>
             <a:endParaRPr lang="en-DK" sz="4400" dirty="0"/>
           </a:p>
@@ -16438,6 +16438,17 @@
 </file>
 
 <file path=customXml/item2.xml><?xml version="1.0" encoding="utf-8"?>
+<p:properties xmlns:p="http://schemas.microsoft.com/office/2006/metadata/properties" xmlns:xsi="http://www.w3.org/2001/XMLSchema-instance" xmlns:pc="http://schemas.microsoft.com/office/infopath/2007/PartnerControls">
+  <documentManagement>
+    <lcf76f155ced4ddcb4097134ff3c332f xmlns="ec126e83-0491-4b46-81a3-240225fc1988">
+      <Terms xmlns="http://schemas.microsoft.com/office/infopath/2007/PartnerControls"/>
+    </lcf76f155ced4ddcb4097134ff3c332f>
+    <TaxCatchAll xmlns="25eae86a-633e-4d13-980a-a3432448f981" xsi:nil="true"/>
+  </documentManagement>
+</p:properties>
+</file>
+
+<file path=customXml/item3.xml><?xml version="1.0" encoding="utf-8"?>
 <ct:contentTypeSchema xmlns:ct="http://schemas.microsoft.com/office/2006/metadata/contentType" xmlns:ma="http://schemas.microsoft.com/office/2006/metadata/properties/metaAttributes" ct:_="" ma:_="" ma:contentTypeName="Document" ma:contentTypeID="0x010100AAD9EE7FF432E94D9BB858C90A6A0E8A" ma:contentTypeVersion="12" ma:contentTypeDescription="Create a new document." ma:contentTypeScope="" ma:versionID="9c4e654fd01cdf2a13b9a23dc9bb7c28">
   <xsd:schema xmlns:xsd="http://www.w3.org/2001/XMLSchema" xmlns:xs="http://www.w3.org/2001/XMLSchema" xmlns:p="http://schemas.microsoft.com/office/2006/metadata/properties" xmlns:ns2="ec126e83-0491-4b46-81a3-240225fc1988" xmlns:ns3="25eae86a-633e-4d13-980a-a3432448f981" targetNamespace="http://schemas.microsoft.com/office/2006/metadata/properties" ma:root="true" ma:fieldsID="9abc214a4c3d3645184ddef4aaa92ef7" ns2:_="" ns3:_="">
     <xsd:import namespace="ec126e83-0491-4b46-81a3-240225fc1988"/>
@@ -16638,17 +16649,6 @@
 </ct:contentTypeSchema>
 </file>
 
-<file path=customXml/item3.xml><?xml version="1.0" encoding="utf-8"?>
-<p:properties xmlns:p="http://schemas.microsoft.com/office/2006/metadata/properties" xmlns:xsi="http://www.w3.org/2001/XMLSchema-instance" xmlns:pc="http://schemas.microsoft.com/office/infopath/2007/PartnerControls">
-  <documentManagement>
-    <lcf76f155ced4ddcb4097134ff3c332f xmlns="ec126e83-0491-4b46-81a3-240225fc1988">
-      <Terms xmlns="http://schemas.microsoft.com/office/infopath/2007/PartnerControls"/>
-    </lcf76f155ced4ddcb4097134ff3c332f>
-    <TaxCatchAll xmlns="25eae86a-633e-4d13-980a-a3432448f981" xsi:nil="true"/>
-  </documentManagement>
-</p:properties>
-</file>
-
 <file path=customXml/itemProps1.xml><?xml version="1.0" encoding="utf-8"?>
 <ds:datastoreItem xmlns:ds="http://schemas.openxmlformats.org/officeDocument/2006/customXml" ds:itemID="{8EC0EAE0-9238-4913-BBB6-CA3585A1D625}">
   <ds:schemaRefs>
@@ -16658,6 +16658,17 @@
 </file>
 
 <file path=customXml/itemProps2.xml><?xml version="1.0" encoding="utf-8"?>
+<ds:datastoreItem xmlns:ds="http://schemas.openxmlformats.org/officeDocument/2006/customXml" ds:itemID="{0AB2093C-504F-4C4C-A2F2-CC4CAB623C30}">
+  <ds:schemaRefs>
+    <ds:schemaRef ds:uri="http://schemas.microsoft.com/office/2006/metadata/properties"/>
+    <ds:schemaRef ds:uri="http://schemas.microsoft.com/office/infopath/2007/PartnerControls"/>
+    <ds:schemaRef ds:uri="ec126e83-0491-4b46-81a3-240225fc1988"/>
+    <ds:schemaRef ds:uri="25eae86a-633e-4d13-980a-a3432448f981"/>
+  </ds:schemaRefs>
+</ds:datastoreItem>
+</file>
+
+<file path=customXml/itemProps3.xml><?xml version="1.0" encoding="utf-8"?>
 <ds:datastoreItem xmlns:ds="http://schemas.openxmlformats.org/officeDocument/2006/customXml" ds:itemID="{AE29A523-8F43-43CA-9271-0EE1CF4817B2}">
   <ds:schemaRefs>
     <ds:schemaRef ds:uri="http://schemas.microsoft.com/office/2006/metadata/contentType"/>
@@ -16674,15 +16685,4 @@
     <ds:schemaRef ds:uri="http://schemas.microsoft.com/internal/obd"/>
   </ds:schemaRefs>
 </ds:datastoreItem>
-</file>
-
-<file path=customXml/itemProps3.xml><?xml version="1.0" encoding="utf-8"?>
-<ds:datastoreItem xmlns:ds="http://schemas.openxmlformats.org/officeDocument/2006/customXml" ds:itemID="{0AB2093C-504F-4C4C-A2F2-CC4CAB623C30}">
-  <ds:schemaRefs>
-    <ds:schemaRef ds:uri="http://schemas.microsoft.com/office/2006/metadata/properties"/>
-    <ds:schemaRef ds:uri="http://schemas.microsoft.com/office/infopath/2007/PartnerControls"/>
-    <ds:schemaRef ds:uri="ec126e83-0491-4b46-81a3-240225fc1988"/>
-    <ds:schemaRef ds:uri="25eae86a-633e-4d13-980a-a3432448f981"/>
-  </ds:schemaRefs>
-</ds:datastoreItem>
 </file>